--- a/JOUR 1/Day 1 Workshop.pptx
+++ b/JOUR 1/Day 1 Workshop.pptx
@@ -6,7 +6,7 @@
     <p:sldMasterId id="2147483660" r:id="rId2"/>
   </p:sldMasterIdLst>
   <p:notesMasterIdLst>
-    <p:notesMasterId r:id="rId44"/>
+    <p:notesMasterId r:id="rId45"/>
   </p:notesMasterIdLst>
   <p:sldIdLst>
     <p:sldId id="256" r:id="rId3"/>
@@ -35,43 +35,44 @@
     <p:sldId id="293" r:id="rId26"/>
     <p:sldId id="283" r:id="rId27"/>
     <p:sldId id="421" r:id="rId28"/>
-    <p:sldId id="262" r:id="rId29"/>
-    <p:sldId id="294" r:id="rId30"/>
-    <p:sldId id="299" r:id="rId31"/>
-    <p:sldId id="305" r:id="rId32"/>
-    <p:sldId id="403" r:id="rId33"/>
-    <p:sldId id="303" r:id="rId34"/>
-    <p:sldId id="300" r:id="rId35"/>
-    <p:sldId id="301" r:id="rId36"/>
-    <p:sldId id="407" r:id="rId37"/>
-    <p:sldId id="405" r:id="rId38"/>
-    <p:sldId id="302" r:id="rId39"/>
-    <p:sldId id="413" r:id="rId40"/>
-    <p:sldId id="406" r:id="rId41"/>
-    <p:sldId id="263" r:id="rId42"/>
-    <p:sldId id="264" r:id="rId43"/>
+    <p:sldId id="428" r:id="rId29"/>
+    <p:sldId id="262" r:id="rId30"/>
+    <p:sldId id="294" r:id="rId31"/>
+    <p:sldId id="299" r:id="rId32"/>
+    <p:sldId id="305" r:id="rId33"/>
+    <p:sldId id="403" r:id="rId34"/>
+    <p:sldId id="303" r:id="rId35"/>
+    <p:sldId id="300" r:id="rId36"/>
+    <p:sldId id="301" r:id="rId37"/>
+    <p:sldId id="407" r:id="rId38"/>
+    <p:sldId id="405" r:id="rId39"/>
+    <p:sldId id="302" r:id="rId40"/>
+    <p:sldId id="413" r:id="rId41"/>
+    <p:sldId id="406" r:id="rId42"/>
+    <p:sldId id="263" r:id="rId43"/>
+    <p:sldId id="264" r:id="rId44"/>
   </p:sldIdLst>
   <p:sldSz cx="18288000" cy="10287000"/>
   <p:notesSz cx="6858000" cy="9144000"/>
   <p:embeddedFontLst>
     <p:embeddedFont>
       <p:font typeface="Cambria" panose="02040503050406030204" pitchFamily="18" charset="0"/>
-      <p:regular r:id="rId45"/>
-      <p:bold r:id="rId46"/>
-      <p:italic r:id="rId47"/>
-      <p:boldItalic r:id="rId48"/>
+      <p:regular r:id="rId46"/>
+      <p:bold r:id="rId47"/>
+      <p:italic r:id="rId48"/>
+      <p:boldItalic r:id="rId49"/>
     </p:embeddedFont>
     <p:embeddedFont>
       <p:font typeface="Crimson Pro" panose="020B0604020202020204" charset="0"/>
-      <p:regular r:id="rId49"/>
+      <p:regular r:id="rId50"/>
     </p:embeddedFont>
     <p:embeddedFont>
       <p:font typeface="Crimson Pro Bold" panose="020B0604020202020204" charset="0"/>
-      <p:regular r:id="rId50"/>
+      <p:regular r:id="rId51"/>
     </p:embeddedFont>
     <p:embeddedFont>
       <p:font typeface="Noto Serif Display ExtraCondensed" panose="020B0604020202020204"/>
-      <p:regular r:id="rId51"/>
+      <p:regular r:id="rId52"/>
     </p:embeddedFont>
   </p:embeddedFontLst>
   <p:defaultTextStyle>
@@ -270,7 +271,7 @@
           <a:p>
             <a:fld id="{C79ECCB7-034F-4996-858F-BD6169F13471}" type="datetimeFigureOut">
               <a:rPr lang="en-US" smtClean="0"/>
-              <a:t>12/12/2024</a:t>
+              <a:t>12/14/2024</a:t>
             </a:fld>
             <a:endParaRPr lang="en-US"/>
           </a:p>
@@ -1262,6 +1263,174 @@
   <p:cSld>
     <p:spTree>
       <p:nvGrpSpPr>
+        <p:cNvPr id="1" name="">
+          <a:extLst>
+            <a:ext uri="{FF2B5EF4-FFF2-40B4-BE49-F238E27FC236}">
+              <a16:creationId xmlns:a16="http://schemas.microsoft.com/office/drawing/2014/main" id="{05E7B08E-00DC-2F23-2819-15052B9FF976}"/>
+            </a:ext>
+          </a:extLst>
+        </p:cNvPr>
+        <p:cNvGrpSpPr/>
+        <p:nvPr/>
+      </p:nvGrpSpPr>
+      <p:grpSpPr>
+        <a:xfrm>
+          <a:off x="0" y="0"/>
+          <a:ext cx="0" cy="0"/>
+          <a:chOff x="0" y="0"/>
+          <a:chExt cx="0" cy="0"/>
+        </a:xfrm>
+      </p:grpSpPr>
+      <p:sp>
+        <p:nvSpPr>
+          <p:cNvPr id="2" name="Slide Image Placeholder 1">
+            <a:extLst>
+              <a:ext uri="{FF2B5EF4-FFF2-40B4-BE49-F238E27FC236}">
+                <a16:creationId xmlns:a16="http://schemas.microsoft.com/office/drawing/2014/main" id="{4D76599D-79DA-501C-75E6-FBB0A91E36FF}"/>
+              </a:ext>
+            </a:extLst>
+          </p:cNvPr>
+          <p:cNvSpPr>
+            <a:spLocks noGrp="1" noRot="1" noChangeAspect="1"/>
+          </p:cNvSpPr>
+          <p:nvPr>
+            <p:ph type="sldImg"/>
+          </p:nvPr>
+        </p:nvSpPr>
+        <p:spPr/>
+      </p:sp>
+      <p:sp>
+        <p:nvSpPr>
+          <p:cNvPr id="3" name="Notes Placeholder 2">
+            <a:extLst>
+              <a:ext uri="{FF2B5EF4-FFF2-40B4-BE49-F238E27FC236}">
+                <a16:creationId xmlns:a16="http://schemas.microsoft.com/office/drawing/2014/main" id="{631B2F08-E133-C649-C51A-B5A7A14AB35C}"/>
+              </a:ext>
+            </a:extLst>
+          </p:cNvPr>
+          <p:cNvSpPr>
+            <a:spLocks noGrp="1"/>
+          </p:cNvSpPr>
+          <p:nvPr>
+            <p:ph type="body" idx="1"/>
+          </p:nvPr>
+        </p:nvSpPr>
+        <p:spPr/>
+        <p:txBody>
+          <a:bodyPr/>
+          <a:lstStyle/>
+          <a:p>
+            <a:endParaRPr lang="en-US" dirty="0"/>
+          </a:p>
+        </p:txBody>
+      </p:sp>
+      <p:sp>
+        <p:nvSpPr>
+          <p:cNvPr id="4" name="Slide Number Placeholder 3">
+            <a:extLst>
+              <a:ext uri="{FF2B5EF4-FFF2-40B4-BE49-F238E27FC236}">
+                <a16:creationId xmlns:a16="http://schemas.microsoft.com/office/drawing/2014/main" id="{C6418D12-D341-1EA5-6369-B7C820A56446}"/>
+              </a:ext>
+            </a:extLst>
+          </p:cNvPr>
+          <p:cNvSpPr>
+            <a:spLocks noGrp="1"/>
+          </p:cNvSpPr>
+          <p:nvPr>
+            <p:ph type="sldNum" sz="quarter" idx="5"/>
+          </p:nvPr>
+        </p:nvSpPr>
+        <p:spPr/>
+        <p:txBody>
+          <a:bodyPr/>
+          <a:lstStyle/>
+          <a:p>
+            <a:pPr marL="0" marR="0" lvl="0" indent="0" algn="r" defTabSz="914400" rtl="0" eaLnBrk="1" fontAlgn="auto" latinLnBrk="0" hangingPunct="1">
+              <a:lnSpc>
+                <a:spcPct val="100000"/>
+              </a:lnSpc>
+              <a:spcBef>
+                <a:spcPts val="0"/>
+              </a:spcBef>
+              <a:spcAft>
+                <a:spcPts val="0"/>
+              </a:spcAft>
+              <a:buClrTx/>
+              <a:buSzTx/>
+              <a:buFontTx/>
+              <a:buNone/>
+              <a:tabLst/>
+              <a:defRPr/>
+            </a:pPr>
+            <a:fld id="{65BA6FD2-AF03-483E-8F14-CF1CD94A52A5}" type="slidenum">
+              <a:rPr kumimoji="0" lang="en-US" sz="1200" b="0" i="0" u="none" strike="noStrike" kern="1200" cap="none" spc="0" normalizeH="0" baseline="0" noProof="0" smtClean="0">
+                <a:ln>
+                  <a:noFill/>
+                </a:ln>
+                <a:solidFill>
+                  <a:prstClr val="black"/>
+                </a:solidFill>
+                <a:effectLst/>
+                <a:uLnTx/>
+                <a:uFillTx/>
+                <a:latin typeface="Aptos" panose="02110004020202020204"/>
+                <a:ea typeface="+mn-ea"/>
+                <a:cs typeface="+mn-cs"/>
+              </a:rPr>
+              <a:pPr marL="0" marR="0" lvl="0" indent="0" algn="r" defTabSz="914400" rtl="0" eaLnBrk="1" fontAlgn="auto" latinLnBrk="0" hangingPunct="1">
+                <a:lnSpc>
+                  <a:spcPct val="100000"/>
+                </a:lnSpc>
+                <a:spcBef>
+                  <a:spcPts val="0"/>
+                </a:spcBef>
+                <a:spcAft>
+                  <a:spcPts val="0"/>
+                </a:spcAft>
+                <a:buClrTx/>
+                <a:buSzTx/>
+                <a:buFontTx/>
+                <a:buNone/>
+                <a:tabLst/>
+                <a:defRPr/>
+              </a:pPr>
+              <a:t>27</a:t>
+            </a:fld>
+            <a:endParaRPr kumimoji="0" lang="en-US" sz="1200" b="0" i="0" u="none" strike="noStrike" kern="1200" cap="none" spc="0" normalizeH="0" baseline="0" noProof="0">
+              <a:ln>
+                <a:noFill/>
+              </a:ln>
+              <a:solidFill>
+                <a:prstClr val="black"/>
+              </a:solidFill>
+              <a:effectLst/>
+              <a:uLnTx/>
+              <a:uFillTx/>
+              <a:latin typeface="Aptos" panose="02110004020202020204"/>
+              <a:ea typeface="+mn-ea"/>
+              <a:cs typeface="+mn-cs"/>
+            </a:endParaRPr>
+          </a:p>
+        </p:txBody>
+      </p:sp>
+    </p:spTree>
+    <p:extLst>
+      <p:ext uri="{BB962C8B-B14F-4D97-AF65-F5344CB8AC3E}">
+        <p14:creationId xmlns:p14="http://schemas.microsoft.com/office/powerpoint/2010/main" val="689898538"/>
+      </p:ext>
+    </p:extLst>
+  </p:cSld>
+  <p:clrMapOvr>
+    <a:masterClrMapping/>
+  </p:clrMapOvr>
+</p:notes>
+</file>
+
+<file path=ppt/notesSlides/notesSlide18.xml><?xml version="1.0" encoding="utf-8"?>
+<p:notes xmlns:a="http://schemas.openxmlformats.org/drawingml/2006/main" xmlns:r="http://schemas.openxmlformats.org/officeDocument/2006/relationships" xmlns:p="http://schemas.openxmlformats.org/presentationml/2006/main">
+  <p:cSld>
+    <p:spTree>
+      <p:nvGrpSpPr>
         <p:cNvPr id="1" name=""/>
         <p:cNvGrpSpPr/>
         <p:nvPr/>
@@ -1374,7 +1543,7 @@
                 <a:tabLst/>
                 <a:defRPr/>
               </a:pPr>
-              <a:t>30</a:t>
+              <a:t>31</a:t>
             </a:fld>
             <a:endParaRPr kumimoji="0" lang="en-US" sz="1200" b="0" i="0" u="none" strike="noStrike" kern="1200" cap="none" spc="0" normalizeH="0" baseline="0" noProof="0">
               <a:ln>
@@ -1397,90 +1566,6 @@
     <p:extLst>
       <p:ext uri="{BB962C8B-B14F-4D97-AF65-F5344CB8AC3E}">
         <p14:creationId xmlns:p14="http://schemas.microsoft.com/office/powerpoint/2010/main" val="3423624747"/>
-      </p:ext>
-    </p:extLst>
-  </p:cSld>
-  <p:clrMapOvr>
-    <a:masterClrMapping/>
-  </p:clrMapOvr>
-</p:notes>
-</file>
-
-<file path=ppt/notesSlides/notesSlide18.xml><?xml version="1.0" encoding="utf-8"?>
-<p:notes xmlns:a="http://schemas.openxmlformats.org/drawingml/2006/main" xmlns:r="http://schemas.openxmlformats.org/officeDocument/2006/relationships" xmlns:p="http://schemas.openxmlformats.org/presentationml/2006/main">
-  <p:cSld>
-    <p:spTree>
-      <p:nvGrpSpPr>
-        <p:cNvPr id="1" name=""/>
-        <p:cNvGrpSpPr/>
-        <p:nvPr/>
-      </p:nvGrpSpPr>
-      <p:grpSpPr>
-        <a:xfrm>
-          <a:off x="0" y="0"/>
-          <a:ext cx="0" cy="0"/>
-          <a:chOff x="0" y="0"/>
-          <a:chExt cx="0" cy="0"/>
-        </a:xfrm>
-      </p:grpSpPr>
-      <p:sp>
-        <p:nvSpPr>
-          <p:cNvPr id="2" name="Slide Image Placeholder 1"/>
-          <p:cNvSpPr>
-            <a:spLocks noGrp="1" noRot="1" noChangeAspect="1"/>
-          </p:cNvSpPr>
-          <p:nvPr>
-            <p:ph type="sldImg"/>
-          </p:nvPr>
-        </p:nvSpPr>
-        <p:spPr/>
-      </p:sp>
-      <p:sp>
-        <p:nvSpPr>
-          <p:cNvPr id="3" name="Notes Placeholder 2"/>
-          <p:cNvSpPr>
-            <a:spLocks noGrp="1"/>
-          </p:cNvSpPr>
-          <p:nvPr>
-            <p:ph type="body" idx="1"/>
-          </p:nvPr>
-        </p:nvSpPr>
-        <p:spPr/>
-        <p:txBody>
-          <a:bodyPr/>
-          <a:lstStyle/>
-          <a:p>
-            <a:endParaRPr lang="en-US" dirty="0"/>
-          </a:p>
-        </p:txBody>
-      </p:sp>
-      <p:sp>
-        <p:nvSpPr>
-          <p:cNvPr id="4" name="Slide Number Placeholder 3"/>
-          <p:cNvSpPr>
-            <a:spLocks noGrp="1"/>
-          </p:cNvSpPr>
-          <p:nvPr>
-            <p:ph type="sldNum" sz="quarter" idx="5"/>
-          </p:nvPr>
-        </p:nvSpPr>
-        <p:spPr/>
-        <p:txBody>
-          <a:bodyPr/>
-          <a:lstStyle/>
-          <a:p>
-            <a:fld id="{65BA6FD2-AF03-483E-8F14-CF1CD94A52A5}" type="slidenum">
-              <a:rPr lang="en-US" smtClean="0"/>
-              <a:t>39</a:t>
-            </a:fld>
-            <a:endParaRPr lang="en-US"/>
-          </a:p>
-        </p:txBody>
-      </p:sp>
-    </p:spTree>
-    <p:extLst>
-      <p:ext uri="{BB962C8B-B14F-4D97-AF65-F5344CB8AC3E}">
-        <p14:creationId xmlns:p14="http://schemas.microsoft.com/office/powerpoint/2010/main" val="2544913245"/>
       </p:ext>
     </p:extLst>
   </p:cSld>
@@ -1555,7 +1640,7 @@
           <a:p>
             <a:fld id="{65BA6FD2-AF03-483E-8F14-CF1CD94A52A5}" type="slidenum">
               <a:rPr lang="en-US" smtClean="0"/>
-              <a:t>41</a:t>
+              <a:t>40</a:t>
             </a:fld>
             <a:endParaRPr lang="en-US"/>
           </a:p>
@@ -1564,7 +1649,7 @@
     </p:spTree>
     <p:extLst>
       <p:ext uri="{BB962C8B-B14F-4D97-AF65-F5344CB8AC3E}">
-        <p14:creationId xmlns:p14="http://schemas.microsoft.com/office/powerpoint/2010/main" val="2957616242"/>
+        <p14:creationId xmlns:p14="http://schemas.microsoft.com/office/powerpoint/2010/main" val="2544913245"/>
       </p:ext>
     </p:extLst>
   </p:cSld>
@@ -1649,6 +1734,90 @@
     <p:extLst>
       <p:ext uri="{BB962C8B-B14F-4D97-AF65-F5344CB8AC3E}">
         <p14:creationId xmlns:p14="http://schemas.microsoft.com/office/powerpoint/2010/main" val="1515735475"/>
+      </p:ext>
+    </p:extLst>
+  </p:cSld>
+  <p:clrMapOvr>
+    <a:masterClrMapping/>
+  </p:clrMapOvr>
+</p:notes>
+</file>
+
+<file path=ppt/notesSlides/notesSlide20.xml><?xml version="1.0" encoding="utf-8"?>
+<p:notes xmlns:a="http://schemas.openxmlformats.org/drawingml/2006/main" xmlns:r="http://schemas.openxmlformats.org/officeDocument/2006/relationships" xmlns:p="http://schemas.openxmlformats.org/presentationml/2006/main">
+  <p:cSld>
+    <p:spTree>
+      <p:nvGrpSpPr>
+        <p:cNvPr id="1" name=""/>
+        <p:cNvGrpSpPr/>
+        <p:nvPr/>
+      </p:nvGrpSpPr>
+      <p:grpSpPr>
+        <a:xfrm>
+          <a:off x="0" y="0"/>
+          <a:ext cx="0" cy="0"/>
+          <a:chOff x="0" y="0"/>
+          <a:chExt cx="0" cy="0"/>
+        </a:xfrm>
+      </p:grpSpPr>
+      <p:sp>
+        <p:nvSpPr>
+          <p:cNvPr id="2" name="Slide Image Placeholder 1"/>
+          <p:cNvSpPr>
+            <a:spLocks noGrp="1" noRot="1" noChangeAspect="1"/>
+          </p:cNvSpPr>
+          <p:nvPr>
+            <p:ph type="sldImg"/>
+          </p:nvPr>
+        </p:nvSpPr>
+        <p:spPr/>
+      </p:sp>
+      <p:sp>
+        <p:nvSpPr>
+          <p:cNvPr id="3" name="Notes Placeholder 2"/>
+          <p:cNvSpPr>
+            <a:spLocks noGrp="1"/>
+          </p:cNvSpPr>
+          <p:nvPr>
+            <p:ph type="body" idx="1"/>
+          </p:nvPr>
+        </p:nvSpPr>
+        <p:spPr/>
+        <p:txBody>
+          <a:bodyPr/>
+          <a:lstStyle/>
+          <a:p>
+            <a:endParaRPr lang="en-US" dirty="0"/>
+          </a:p>
+        </p:txBody>
+      </p:sp>
+      <p:sp>
+        <p:nvSpPr>
+          <p:cNvPr id="4" name="Slide Number Placeholder 3"/>
+          <p:cNvSpPr>
+            <a:spLocks noGrp="1"/>
+          </p:cNvSpPr>
+          <p:nvPr>
+            <p:ph type="sldNum" sz="quarter" idx="5"/>
+          </p:nvPr>
+        </p:nvSpPr>
+        <p:spPr/>
+        <p:txBody>
+          <a:bodyPr/>
+          <a:lstStyle/>
+          <a:p>
+            <a:fld id="{65BA6FD2-AF03-483E-8F14-CF1CD94A52A5}" type="slidenum">
+              <a:rPr lang="en-US" smtClean="0"/>
+              <a:t>42</a:t>
+            </a:fld>
+            <a:endParaRPr lang="en-US"/>
+          </a:p>
+        </p:txBody>
+      </p:sp>
+    </p:spTree>
+    <p:extLst>
+      <p:ext uri="{BB962C8B-B14F-4D97-AF65-F5344CB8AC3E}">
+        <p14:creationId xmlns:p14="http://schemas.microsoft.com/office/powerpoint/2010/main" val="2957616242"/>
       </p:ext>
     </p:extLst>
   </p:cSld>
@@ -2498,7 +2667,7 @@
             <a:fld id="{1D8BD707-D9CF-40AE-B4C6-C98DA3205C09}" type="datetimeFigureOut">
               <a:rPr lang="en-US" smtClean="0"/>
               <a:pPr/>
-              <a:t>12/12/2024</a:t>
+              <a:t>12/14/2024</a:t>
             </a:fld>
             <a:endParaRPr lang="en-US"/>
           </a:p>
@@ -2663,7 +2832,7 @@
             <a:fld id="{1D8BD707-D9CF-40AE-B4C6-C98DA3205C09}" type="datetimeFigureOut">
               <a:rPr lang="en-US" smtClean="0"/>
               <a:pPr/>
-              <a:t>12/12/2024</a:t>
+              <a:t>12/14/2024</a:t>
             </a:fld>
             <a:endParaRPr lang="en-US"/>
           </a:p>
@@ -2838,7 +3007,7 @@
             <a:fld id="{1D8BD707-D9CF-40AE-B4C6-C98DA3205C09}" type="datetimeFigureOut">
               <a:rPr lang="en-US" smtClean="0"/>
               <a:pPr/>
-              <a:t>12/12/2024</a:t>
+              <a:t>12/14/2024</a:t>
             </a:fld>
             <a:endParaRPr lang="en-US"/>
           </a:p>
@@ -3042,7 +3211,7 @@
           <a:p>
             <a:fld id="{C1A38C74-CF87-4652-A998-0FA37B622759}" type="datetime1">
               <a:rPr lang="en-US" smtClean="0"/>
-              <a:t>12/12/2024</a:t>
+              <a:t>12/14/2024</a:t>
             </a:fld>
             <a:endParaRPr lang="en-US"/>
           </a:p>
@@ -3240,7 +3409,7 @@
           <a:p>
             <a:fld id="{991355BE-B9CB-4F73-BF33-0B44D4039D05}" type="datetime1">
               <a:rPr lang="en-US" smtClean="0"/>
-              <a:t>12/12/2024</a:t>
+              <a:t>12/14/2024</a:t>
             </a:fld>
             <a:endParaRPr lang="en-US"/>
           </a:p>
@@ -3515,7 +3684,7 @@
           <a:p>
             <a:fld id="{C5C6E6C4-4D0F-4158-A50F-6ED4AE46FCFB}" type="datetime1">
               <a:rPr lang="en-US" smtClean="0"/>
-              <a:t>12/12/2024</a:t>
+              <a:t>12/14/2024</a:t>
             </a:fld>
             <a:endParaRPr lang="en-US"/>
           </a:p>
@@ -3780,7 +3949,7 @@
           <a:p>
             <a:fld id="{5B0118E0-1B87-4203-B6AA-96079094387D}" type="datetime1">
               <a:rPr lang="en-US" smtClean="0"/>
-              <a:t>12/12/2024</a:t>
+              <a:t>12/14/2024</a:t>
             </a:fld>
             <a:endParaRPr lang="en-US"/>
           </a:p>
@@ -4192,7 +4361,7 @@
           <a:p>
             <a:fld id="{58536E14-00B2-499E-9CFA-C3D95DD4F466}" type="datetime1">
               <a:rPr lang="en-US" smtClean="0"/>
-              <a:t>12/12/2024</a:t>
+              <a:t>12/14/2024</a:t>
             </a:fld>
             <a:endParaRPr lang="en-US"/>
           </a:p>
@@ -4333,7 +4502,7 @@
           <a:p>
             <a:fld id="{678B33A3-B9A4-41C6-9F5C-B7DDC877B69B}" type="datetime1">
               <a:rPr lang="en-US" smtClean="0"/>
-              <a:t>12/12/2024</a:t>
+              <a:t>12/14/2024</a:t>
             </a:fld>
             <a:endParaRPr lang="en-US"/>
           </a:p>
@@ -4446,7 +4615,7 @@
           <a:p>
             <a:fld id="{97A1D98A-949B-4F9F-A3AC-C5498D2F1658}" type="datetime1">
               <a:rPr lang="en-US" smtClean="0"/>
-              <a:t>12/12/2024</a:t>
+              <a:t>12/14/2024</a:t>
             </a:fld>
             <a:endParaRPr lang="en-US"/>
           </a:p>
@@ -4757,7 +4926,7 @@
           <a:p>
             <a:fld id="{3491B752-5783-44B0-B29F-13CE266472E6}" type="datetime1">
               <a:rPr lang="en-US" smtClean="0"/>
-              <a:t>12/12/2024</a:t>
+              <a:t>12/14/2024</a:t>
             </a:fld>
             <a:endParaRPr lang="en-US"/>
           </a:p>
@@ -4938,7 +5107,7 @@
             <a:fld id="{1D8BD707-D9CF-40AE-B4C6-C98DA3205C09}" type="datetimeFigureOut">
               <a:rPr lang="en-US" smtClean="0"/>
               <a:pPr/>
-              <a:t>12/12/2024</a:t>
+              <a:t>12/14/2024</a:t>
             </a:fld>
             <a:endParaRPr lang="en-US"/>
           </a:p>
@@ -5210,7 +5379,7 @@
           <a:p>
             <a:fld id="{4649305F-199C-4328-ACC0-809DA56BD2B6}" type="datetime1">
               <a:rPr lang="en-US" smtClean="0"/>
-              <a:t>12/12/2024</a:t>
+              <a:t>12/14/2024</a:t>
             </a:fld>
             <a:endParaRPr lang="en-US"/>
           </a:p>
@@ -5408,7 +5577,7 @@
           <a:p>
             <a:fld id="{04EA575E-7300-4731-B234-DF180EFBEB6C}" type="datetime1">
               <a:rPr lang="en-US" smtClean="0"/>
-              <a:t>12/12/2024</a:t>
+              <a:t>12/14/2024</a:t>
             </a:fld>
             <a:endParaRPr lang="en-US"/>
           </a:p>
@@ -5616,7 +5785,7 @@
           <a:p>
             <a:fld id="{BB2E5411-F39F-4FF7-BCA6-2DA582E76D13}" type="datetime1">
               <a:rPr lang="en-US" smtClean="0"/>
-              <a:t>12/12/2024</a:t>
+              <a:t>12/14/2024</a:t>
             </a:fld>
             <a:endParaRPr lang="en-US"/>
           </a:p>
@@ -5874,7 +6043,7 @@
             <a:fld id="{1D8BD707-D9CF-40AE-B4C6-C98DA3205C09}" type="datetimeFigureOut">
               <a:rPr lang="en-US" smtClean="0"/>
               <a:pPr/>
-              <a:t>12/12/2024</a:t>
+              <a:t>12/14/2024</a:t>
             </a:fld>
             <a:endParaRPr lang="en-US"/>
           </a:p>
@@ -6156,7 +6325,7 @@
             <a:fld id="{1D8BD707-D9CF-40AE-B4C6-C98DA3205C09}" type="datetimeFigureOut">
               <a:rPr lang="en-US" smtClean="0"/>
               <a:pPr/>
-              <a:t>12/12/2024</a:t>
+              <a:t>12/14/2024</a:t>
             </a:fld>
             <a:endParaRPr lang="en-US"/>
           </a:p>
@@ -6572,7 +6741,7 @@
             <a:fld id="{1D8BD707-D9CF-40AE-B4C6-C98DA3205C09}" type="datetimeFigureOut">
               <a:rPr lang="en-US" smtClean="0"/>
               <a:pPr/>
-              <a:t>12/12/2024</a:t>
+              <a:t>12/14/2024</a:t>
             </a:fld>
             <a:endParaRPr lang="en-US"/>
           </a:p>
@@ -6686,7 +6855,7 @@
             <a:fld id="{1D8BD707-D9CF-40AE-B4C6-C98DA3205C09}" type="datetimeFigureOut">
               <a:rPr lang="en-US" smtClean="0"/>
               <a:pPr/>
-              <a:t>12/12/2024</a:t>
+              <a:t>12/14/2024</a:t>
             </a:fld>
             <a:endParaRPr lang="en-US"/>
           </a:p>
@@ -6778,7 +6947,7 @@
             <a:fld id="{1D8BD707-D9CF-40AE-B4C6-C98DA3205C09}" type="datetimeFigureOut">
               <a:rPr lang="en-US" smtClean="0"/>
               <a:pPr/>
-              <a:t>12/12/2024</a:t>
+              <a:t>12/14/2024</a:t>
             </a:fld>
             <a:endParaRPr lang="en-US"/>
           </a:p>
@@ -7050,7 +7219,7 @@
             <a:fld id="{1D8BD707-D9CF-40AE-B4C6-C98DA3205C09}" type="datetimeFigureOut">
               <a:rPr lang="en-US" smtClean="0"/>
               <a:pPr/>
-              <a:t>12/12/2024</a:t>
+              <a:t>12/14/2024</a:t>
             </a:fld>
             <a:endParaRPr lang="en-US"/>
           </a:p>
@@ -7299,7 +7468,7 @@
             <a:fld id="{1D8BD707-D9CF-40AE-B4C6-C98DA3205C09}" type="datetimeFigureOut">
               <a:rPr lang="en-US" smtClean="0"/>
               <a:pPr/>
-              <a:t>12/12/2024</a:t>
+              <a:t>12/14/2024</a:t>
             </a:fld>
             <a:endParaRPr lang="en-US"/>
           </a:p>
@@ -7507,7 +7676,7 @@
             <a:fld id="{1D8BD707-D9CF-40AE-B4C6-C98DA3205C09}" type="datetimeFigureOut">
               <a:rPr lang="en-US" smtClean="0"/>
               <a:pPr/>
-              <a:t>12/12/2024</a:t>
+              <a:t>12/14/2024</a:t>
             </a:fld>
             <a:endParaRPr lang="en-US"/>
           </a:p>
@@ -8029,7 +8198,7 @@
           <a:p>
             <a:fld id="{55C0AC18-3164-4827-B47C-30A6449B100F}" type="datetime1">
               <a:rPr lang="en-US" smtClean="0"/>
-              <a:t>12/12/2024</a:t>
+              <a:t>12/14/2024</a:t>
             </a:fld>
             <a:endParaRPr lang="en-US"/>
           </a:p>
@@ -29443,6 +29612,1005 @@
     <p:bg>
       <p:bgPr>
         <a:solidFill>
+          <a:srgbClr val="FCFEF1"/>
+        </a:solidFill>
+        <a:effectLst/>
+      </p:bgPr>
+    </p:bg>
+    <p:spTree>
+      <p:nvGrpSpPr>
+        <p:cNvPr id="1" name="">
+          <a:extLst>
+            <a:ext uri="{FF2B5EF4-FFF2-40B4-BE49-F238E27FC236}">
+              <a16:creationId xmlns:a16="http://schemas.microsoft.com/office/drawing/2014/main" id="{7093F4CC-2EA4-4B1F-9F91-285047FBFE66}"/>
+            </a:ext>
+          </a:extLst>
+        </p:cNvPr>
+        <p:cNvGrpSpPr/>
+        <p:nvPr/>
+      </p:nvGrpSpPr>
+      <p:grpSpPr>
+        <a:xfrm>
+          <a:off x="0" y="0"/>
+          <a:ext cx="0" cy="0"/>
+          <a:chOff x="0" y="0"/>
+          <a:chExt cx="0" cy="0"/>
+        </a:xfrm>
+      </p:grpSpPr>
+      <p:sp>
+        <p:nvSpPr>
+          <p:cNvPr id="2" name="AutoShape 2">
+            <a:extLst>
+              <a:ext uri="{FF2B5EF4-FFF2-40B4-BE49-F238E27FC236}">
+                <a16:creationId xmlns:a16="http://schemas.microsoft.com/office/drawing/2014/main" id="{7D75D124-85E1-2A61-6494-8F31B3FCFAD9}"/>
+              </a:ext>
+            </a:extLst>
+          </p:cNvPr>
+          <p:cNvSpPr/>
+          <p:nvPr/>
+        </p:nvSpPr>
+        <p:spPr>
+          <a:xfrm flipV="1">
+            <a:off x="0" y="9258300"/>
+            <a:ext cx="18493007" cy="0"/>
+          </a:xfrm>
+          <a:prstGeom prst="line">
+            <a:avLst/>
+          </a:prstGeom>
+          <a:ln w="9525" cap="flat">
+            <a:solidFill>
+              <a:srgbClr val="013927"/>
+            </a:solidFill>
+            <a:prstDash val="solid"/>
+            <a:headEnd type="none" w="sm" len="sm"/>
+            <a:tailEnd type="none" w="sm" len="sm"/>
+          </a:ln>
+        </p:spPr>
+        <p:txBody>
+          <a:bodyPr/>
+          <a:lstStyle/>
+          <a:p>
+            <a:pPr marL="0" marR="0" lvl="0" indent="0" algn="l" defTabSz="914400" rtl="0" eaLnBrk="1" fontAlgn="auto" latinLnBrk="0" hangingPunct="1">
+              <a:lnSpc>
+                <a:spcPct val="100000"/>
+              </a:lnSpc>
+              <a:spcBef>
+                <a:spcPts val="0"/>
+              </a:spcBef>
+              <a:spcAft>
+                <a:spcPts val="0"/>
+              </a:spcAft>
+              <a:buClrTx/>
+              <a:buSzTx/>
+              <a:buFontTx/>
+              <a:buNone/>
+              <a:tabLst/>
+              <a:defRPr/>
+            </a:pPr>
+            <a:endParaRPr kumimoji="0" lang="en-US" sz="1800" b="0" i="0" u="none" strike="noStrike" kern="1200" cap="none" spc="0" normalizeH="0" baseline="0" noProof="0">
+              <a:ln>
+                <a:noFill/>
+              </a:ln>
+              <a:solidFill>
+                <a:prstClr val="black"/>
+              </a:solidFill>
+              <a:effectLst/>
+              <a:uLnTx/>
+              <a:uFillTx/>
+              <a:latin typeface="Calibri"/>
+              <a:ea typeface="+mn-ea"/>
+              <a:cs typeface="+mn-cs"/>
+            </a:endParaRPr>
+          </a:p>
+        </p:txBody>
+      </p:sp>
+      <p:grpSp>
+        <p:nvGrpSpPr>
+          <p:cNvPr id="3" name="Group 3">
+            <a:extLst>
+              <a:ext uri="{FF2B5EF4-FFF2-40B4-BE49-F238E27FC236}">
+                <a16:creationId xmlns:a16="http://schemas.microsoft.com/office/drawing/2014/main" id="{B4CF4497-07E5-11DC-F6EB-28CF0FCA6CD6}"/>
+              </a:ext>
+            </a:extLst>
+          </p:cNvPr>
+          <p:cNvGrpSpPr/>
+          <p:nvPr/>
+        </p:nvGrpSpPr>
+        <p:grpSpPr>
+          <a:xfrm>
+            <a:off x="0" y="0"/>
+            <a:ext cx="18288000" cy="3009900"/>
+            <a:chOff x="0" y="0"/>
+            <a:chExt cx="4816593" cy="1354667"/>
+          </a:xfrm>
+        </p:grpSpPr>
+        <p:sp>
+          <p:nvSpPr>
+            <p:cNvPr id="4" name="Freeform 4">
+              <a:extLst>
+                <a:ext uri="{FF2B5EF4-FFF2-40B4-BE49-F238E27FC236}">
+                  <a16:creationId xmlns:a16="http://schemas.microsoft.com/office/drawing/2014/main" id="{26222E45-C7BC-5822-3F2F-7F72AAECE8C6}"/>
+                </a:ext>
+              </a:extLst>
+            </p:cNvPr>
+            <p:cNvSpPr/>
+            <p:nvPr/>
+          </p:nvSpPr>
+          <p:spPr>
+            <a:xfrm>
+              <a:off x="0" y="0"/>
+              <a:ext cx="4816592" cy="1354667"/>
+            </a:xfrm>
+            <a:custGeom>
+              <a:avLst/>
+              <a:gdLst/>
+              <a:ahLst/>
+              <a:cxnLst/>
+              <a:rect l="l" t="t" r="r" b="b"/>
+              <a:pathLst>
+                <a:path w="4816592" h="1354667">
+                  <a:moveTo>
+                    <a:pt x="0" y="0"/>
+                  </a:moveTo>
+                  <a:lnTo>
+                    <a:pt x="4816592" y="0"/>
+                  </a:lnTo>
+                  <a:lnTo>
+                    <a:pt x="4816592" y="1354667"/>
+                  </a:lnTo>
+                  <a:lnTo>
+                    <a:pt x="0" y="1354667"/>
+                  </a:lnTo>
+                  <a:close/>
+                </a:path>
+              </a:pathLst>
+            </a:custGeom>
+            <a:solidFill>
+              <a:srgbClr val="013927"/>
+            </a:solidFill>
+          </p:spPr>
+          <p:txBody>
+            <a:bodyPr/>
+            <a:lstStyle/>
+            <a:p>
+              <a:pPr marL="0" marR="0" lvl="0" indent="0" algn="l" defTabSz="914400" rtl="0" eaLnBrk="1" fontAlgn="auto" latinLnBrk="0" hangingPunct="1">
+                <a:lnSpc>
+                  <a:spcPct val="100000"/>
+                </a:lnSpc>
+                <a:spcBef>
+                  <a:spcPts val="0"/>
+                </a:spcBef>
+                <a:spcAft>
+                  <a:spcPts val="0"/>
+                </a:spcAft>
+                <a:buClrTx/>
+                <a:buSzTx/>
+                <a:buFontTx/>
+                <a:buNone/>
+                <a:tabLst/>
+                <a:defRPr/>
+              </a:pPr>
+              <a:endParaRPr kumimoji="0" lang="en-US" sz="1800" b="0" i="0" u="none" strike="noStrike" kern="1200" cap="none" spc="0" normalizeH="0" baseline="0" noProof="0">
+                <a:ln>
+                  <a:noFill/>
+                </a:ln>
+                <a:solidFill>
+                  <a:prstClr val="black"/>
+                </a:solidFill>
+                <a:effectLst/>
+                <a:uLnTx/>
+                <a:uFillTx/>
+                <a:latin typeface="Calibri"/>
+                <a:ea typeface="+mn-ea"/>
+                <a:cs typeface="+mn-cs"/>
+              </a:endParaRPr>
+            </a:p>
+          </p:txBody>
+        </p:sp>
+        <p:sp>
+          <p:nvSpPr>
+            <p:cNvPr id="5" name="TextBox 5">
+              <a:extLst>
+                <a:ext uri="{FF2B5EF4-FFF2-40B4-BE49-F238E27FC236}">
+                  <a16:creationId xmlns:a16="http://schemas.microsoft.com/office/drawing/2014/main" id="{41F4A674-4F39-E650-C24A-EE0D2569D366}"/>
+                </a:ext>
+              </a:extLst>
+            </p:cNvPr>
+            <p:cNvSpPr txBox="1"/>
+            <p:nvPr/>
+          </p:nvSpPr>
+          <p:spPr>
+            <a:xfrm>
+              <a:off x="0" y="19050"/>
+              <a:ext cx="4816593" cy="1335617"/>
+            </a:xfrm>
+            <a:prstGeom prst="rect">
+              <a:avLst/>
+            </a:prstGeom>
+          </p:spPr>
+          <p:txBody>
+            <a:bodyPr lIns="50800" tIns="50800" rIns="50800" bIns="50800" rtlCol="0" anchor="ctr"/>
+            <a:lstStyle/>
+            <a:p>
+              <a:pPr marL="0" marR="0" lvl="0" indent="0" algn="ctr" defTabSz="914400" rtl="0" eaLnBrk="1" fontAlgn="auto" latinLnBrk="0" hangingPunct="1">
+                <a:lnSpc>
+                  <a:spcPts val="1694"/>
+                </a:lnSpc>
+                <a:spcBef>
+                  <a:spcPts val="0"/>
+                </a:spcBef>
+                <a:spcAft>
+                  <a:spcPts val="0"/>
+                </a:spcAft>
+                <a:buClrTx/>
+                <a:buSzTx/>
+                <a:buFontTx/>
+                <a:buNone/>
+                <a:tabLst/>
+                <a:defRPr/>
+              </a:pPr>
+              <a:endParaRPr kumimoji="0" sz="1800" b="0" i="0" u="none" strike="noStrike" kern="1200" cap="none" spc="0" normalizeH="0" baseline="0" noProof="0">
+                <a:ln>
+                  <a:noFill/>
+                </a:ln>
+                <a:solidFill>
+                  <a:prstClr val="black"/>
+                </a:solidFill>
+                <a:effectLst/>
+                <a:uLnTx/>
+                <a:uFillTx/>
+                <a:latin typeface="Calibri"/>
+                <a:ea typeface="+mn-ea"/>
+                <a:cs typeface="+mn-cs"/>
+              </a:endParaRPr>
+            </a:p>
+          </p:txBody>
+        </p:sp>
+      </p:grpSp>
+      <p:sp>
+        <p:nvSpPr>
+          <p:cNvPr id="6" name="AutoShape 6">
+            <a:extLst>
+              <a:ext uri="{FF2B5EF4-FFF2-40B4-BE49-F238E27FC236}">
+                <a16:creationId xmlns:a16="http://schemas.microsoft.com/office/drawing/2014/main" id="{AAF43E7A-0351-D9F0-12C5-DED6CE907896}"/>
+              </a:ext>
+            </a:extLst>
+          </p:cNvPr>
+          <p:cNvSpPr/>
+          <p:nvPr/>
+        </p:nvSpPr>
+        <p:spPr>
+          <a:xfrm flipV="1">
+            <a:off x="0" y="1023937"/>
+            <a:ext cx="18493007" cy="0"/>
+          </a:xfrm>
+          <a:prstGeom prst="line">
+            <a:avLst/>
+          </a:prstGeom>
+          <a:ln w="9525" cap="flat">
+            <a:solidFill>
+              <a:srgbClr val="FCFEF1"/>
+            </a:solidFill>
+            <a:prstDash val="solid"/>
+            <a:headEnd type="none" w="sm" len="sm"/>
+            <a:tailEnd type="none" w="sm" len="sm"/>
+          </a:ln>
+        </p:spPr>
+        <p:txBody>
+          <a:bodyPr/>
+          <a:lstStyle/>
+          <a:p>
+            <a:pPr marL="0" marR="0" lvl="0" indent="0" algn="l" defTabSz="914400" rtl="0" eaLnBrk="1" fontAlgn="auto" latinLnBrk="0" hangingPunct="1">
+              <a:lnSpc>
+                <a:spcPct val="100000"/>
+              </a:lnSpc>
+              <a:spcBef>
+                <a:spcPts val="0"/>
+              </a:spcBef>
+              <a:spcAft>
+                <a:spcPts val="0"/>
+              </a:spcAft>
+              <a:buClrTx/>
+              <a:buSzTx/>
+              <a:buFontTx/>
+              <a:buNone/>
+              <a:tabLst/>
+              <a:defRPr/>
+            </a:pPr>
+            <a:endParaRPr kumimoji="0" lang="en-US" sz="1800" b="0" i="0" u="none" strike="noStrike" kern="1200" cap="none" spc="0" normalizeH="0" baseline="0" noProof="0">
+              <a:ln>
+                <a:noFill/>
+              </a:ln>
+              <a:solidFill>
+                <a:prstClr val="black"/>
+              </a:solidFill>
+              <a:effectLst/>
+              <a:uLnTx/>
+              <a:uFillTx/>
+              <a:latin typeface="Calibri"/>
+              <a:ea typeface="+mn-ea"/>
+              <a:cs typeface="+mn-cs"/>
+            </a:endParaRPr>
+          </a:p>
+        </p:txBody>
+      </p:sp>
+      <p:sp>
+        <p:nvSpPr>
+          <p:cNvPr id="7" name="TextBox 7">
+            <a:extLst>
+              <a:ext uri="{FF2B5EF4-FFF2-40B4-BE49-F238E27FC236}">
+                <a16:creationId xmlns:a16="http://schemas.microsoft.com/office/drawing/2014/main" id="{0C012BE1-4B21-05B6-179C-5D9CB90A51C7}"/>
+              </a:ext>
+            </a:extLst>
+          </p:cNvPr>
+          <p:cNvSpPr txBox="1"/>
+          <p:nvPr/>
+        </p:nvSpPr>
+        <p:spPr>
+          <a:xfrm>
+            <a:off x="1981200" y="1342425"/>
+            <a:ext cx="15011399" cy="1372171"/>
+          </a:xfrm>
+          <a:prstGeom prst="rect">
+            <a:avLst/>
+          </a:prstGeom>
+        </p:spPr>
+        <p:txBody>
+          <a:bodyPr wrap="square" lIns="0" tIns="0" rIns="0" bIns="0" rtlCol="0" anchor="t">
+            <a:spAutoFit/>
+          </a:bodyPr>
+          <a:lstStyle/>
+          <a:p>
+            <a:pPr marL="0" marR="0" lvl="0" indent="0" algn="l" defTabSz="914400" rtl="0" eaLnBrk="1" fontAlgn="auto" latinLnBrk="0" hangingPunct="1">
+              <a:lnSpc>
+                <a:spcPts val="10670"/>
+              </a:lnSpc>
+              <a:spcBef>
+                <a:spcPts val="0"/>
+              </a:spcBef>
+              <a:spcAft>
+                <a:spcPts val="0"/>
+              </a:spcAft>
+              <a:buClrTx/>
+              <a:buSzTx/>
+              <a:buFontTx/>
+              <a:buNone/>
+              <a:tabLst/>
+              <a:defRPr/>
+            </a:pPr>
+            <a:r>
+              <a:rPr kumimoji="0" lang="fr-FR" sz="9700" b="0" i="0" u="none" strike="noStrike" kern="1200" cap="none" spc="-339" normalizeH="0" baseline="0" noProof="0" dirty="0">
+                <a:ln>
+                  <a:noFill/>
+                </a:ln>
+                <a:solidFill>
+                  <a:srgbClr val="FCFEF1"/>
+                </a:solidFill>
+                <a:effectLst/>
+                <a:uLnTx/>
+                <a:uFillTx/>
+                <a:latin typeface="Noto Serif Display ExtraCondensed"/>
+                <a:ea typeface="Noto Serif Display ExtraCondensed"/>
+                <a:cs typeface="Noto Serif Display ExtraCondensed"/>
+                <a:sym typeface="Noto Serif Display ExtraCondensed"/>
+              </a:rPr>
+              <a:t>EXEMPLE DES QUESTIONS</a:t>
+            </a:r>
+          </a:p>
+        </p:txBody>
+      </p:sp>
+      <p:sp>
+        <p:nvSpPr>
+          <p:cNvPr id="11" name="TextBox 11">
+            <a:extLst>
+              <a:ext uri="{FF2B5EF4-FFF2-40B4-BE49-F238E27FC236}">
+                <a16:creationId xmlns:a16="http://schemas.microsoft.com/office/drawing/2014/main" id="{2626AFAF-8668-B20E-F284-2E11481BE3A7}"/>
+              </a:ext>
+            </a:extLst>
+          </p:cNvPr>
+          <p:cNvSpPr txBox="1"/>
+          <p:nvPr/>
+        </p:nvSpPr>
+        <p:spPr>
+          <a:xfrm>
+            <a:off x="14459293" y="447838"/>
+            <a:ext cx="3157240" cy="218916"/>
+          </a:xfrm>
+          <a:prstGeom prst="rect">
+            <a:avLst/>
+          </a:prstGeom>
+        </p:spPr>
+        <p:txBody>
+          <a:bodyPr lIns="0" tIns="0" rIns="0" bIns="0" rtlCol="0" anchor="t">
+            <a:spAutoFit/>
+          </a:bodyPr>
+          <a:lstStyle/>
+          <a:p>
+            <a:pPr marL="0" marR="0" lvl="0" indent="0" algn="r" defTabSz="914400" rtl="0" eaLnBrk="1" fontAlgn="auto" latinLnBrk="0" hangingPunct="1">
+              <a:lnSpc>
+                <a:spcPts val="1694"/>
+              </a:lnSpc>
+              <a:spcBef>
+                <a:spcPts val="0"/>
+              </a:spcBef>
+              <a:spcAft>
+                <a:spcPts val="0"/>
+              </a:spcAft>
+              <a:buClrTx/>
+              <a:buSzTx/>
+              <a:buFontTx/>
+              <a:buNone/>
+              <a:tabLst/>
+              <a:defRPr/>
+            </a:pPr>
+            <a:r>
+              <a:rPr kumimoji="0" lang="en-US" sz="1598" b="0" i="0" u="none" strike="noStrike" kern="1200" cap="none" spc="-71" normalizeH="0" baseline="0" noProof="0">
+                <a:ln>
+                  <a:noFill/>
+                </a:ln>
+                <a:solidFill>
+                  <a:srgbClr val="FCFEF1"/>
+                </a:solidFill>
+                <a:effectLst/>
+                <a:uLnTx/>
+                <a:uFillTx/>
+                <a:latin typeface="Crimson Pro"/>
+                <a:ea typeface="Crimson Pro"/>
+                <a:cs typeface="Crimson Pro"/>
+                <a:sym typeface="Crimson Pro"/>
+              </a:rPr>
+              <a:t>Scoping and Systematic Reviews Workshop</a:t>
+            </a:r>
+          </a:p>
+        </p:txBody>
+      </p:sp>
+      <p:grpSp>
+        <p:nvGrpSpPr>
+          <p:cNvPr id="12" name="Group 12">
+            <a:extLst>
+              <a:ext uri="{FF2B5EF4-FFF2-40B4-BE49-F238E27FC236}">
+                <a16:creationId xmlns:a16="http://schemas.microsoft.com/office/drawing/2014/main" id="{1507CDB9-DAAB-DAF6-240D-7A014DDF6D3D}"/>
+              </a:ext>
+            </a:extLst>
+          </p:cNvPr>
+          <p:cNvGrpSpPr/>
+          <p:nvPr/>
+        </p:nvGrpSpPr>
+        <p:grpSpPr>
+          <a:xfrm>
+            <a:off x="261289" y="3720367"/>
+            <a:ext cx="17874311" cy="5552854"/>
+            <a:chOff x="0" y="-9503"/>
+            <a:chExt cx="8965897" cy="7403795"/>
+          </a:xfrm>
+        </p:grpSpPr>
+        <p:sp>
+          <p:nvSpPr>
+            <p:cNvPr id="13" name="TextBox 13">
+              <a:extLst>
+                <a:ext uri="{FF2B5EF4-FFF2-40B4-BE49-F238E27FC236}">
+                  <a16:creationId xmlns:a16="http://schemas.microsoft.com/office/drawing/2014/main" id="{97FD54AC-355D-C8E4-388F-010C26B29677}"/>
+                </a:ext>
+              </a:extLst>
+            </p:cNvPr>
+            <p:cNvSpPr txBox="1"/>
+            <p:nvPr/>
+          </p:nvSpPr>
+          <p:spPr>
+            <a:xfrm>
+              <a:off x="0" y="-9503"/>
+              <a:ext cx="8965897" cy="720725"/>
+            </a:xfrm>
+            <a:prstGeom prst="rect">
+              <a:avLst/>
+            </a:prstGeom>
+          </p:spPr>
+          <p:txBody>
+            <a:bodyPr lIns="0" tIns="0" rIns="0" bIns="0" rtlCol="0" anchor="t">
+              <a:spAutoFit/>
+            </a:bodyPr>
+            <a:lstStyle/>
+            <a:p>
+              <a:pPr marL="0" marR="0" lvl="0" indent="0" algn="l" defTabSz="914400" rtl="0" eaLnBrk="1" fontAlgn="auto" latinLnBrk="0" hangingPunct="1">
+                <a:lnSpc>
+                  <a:spcPts val="4200"/>
+                </a:lnSpc>
+                <a:spcBef>
+                  <a:spcPts val="0"/>
+                </a:spcBef>
+                <a:spcAft>
+                  <a:spcPts val="0"/>
+                </a:spcAft>
+                <a:buClrTx/>
+                <a:buSzTx/>
+                <a:buFontTx/>
+                <a:buNone/>
+                <a:tabLst/>
+                <a:defRPr/>
+              </a:pPr>
+              <a:r>
+                <a:rPr kumimoji="0" lang="en-US" sz="3500" b="1" i="0" u="none" strike="noStrike" kern="1200" cap="none" spc="0" normalizeH="0" baseline="0" noProof="0" dirty="0">
+                  <a:ln>
+                    <a:noFill/>
+                  </a:ln>
+                  <a:solidFill>
+                    <a:srgbClr val="013927"/>
+                  </a:solidFill>
+                  <a:effectLst/>
+                  <a:uLnTx/>
+                  <a:uFillTx/>
+                  <a:latin typeface="Crimson Pro Bold"/>
+                  <a:ea typeface="Crimson Pro Bold"/>
+                  <a:cs typeface="Crimson Pro Bold"/>
+                  <a:sym typeface="Crimson Pro Bold"/>
+                </a:rPr>
+                <a:t>QUESTIONS SCOPING ET </a:t>
+              </a:r>
+              <a:r>
+                <a:rPr kumimoji="0" lang="en-US" sz="3500" b="1" i="0" u="none" strike="noStrike" kern="1200" cap="none" spc="0" normalizeH="0" baseline="0" noProof="0" dirty="0">
+                  <a:ln>
+                    <a:noFill/>
+                  </a:ln>
+                  <a:solidFill>
+                    <a:schemeClr val="accent1"/>
+                  </a:solidFill>
+                  <a:effectLst/>
+                  <a:uLnTx/>
+                  <a:uFillTx/>
+                  <a:latin typeface="Crimson Pro Bold"/>
+                  <a:ea typeface="Crimson Pro Bold"/>
+                  <a:cs typeface="Crimson Pro Bold"/>
+                  <a:sym typeface="Crimson Pro Bold"/>
+                </a:rPr>
+                <a:t>SYSTEMATIQUE </a:t>
+              </a:r>
+            </a:p>
+          </p:txBody>
+        </p:sp>
+        <p:sp>
+          <p:nvSpPr>
+            <p:cNvPr id="14" name="TextBox 14">
+              <a:extLst>
+                <a:ext uri="{FF2B5EF4-FFF2-40B4-BE49-F238E27FC236}">
+                  <a16:creationId xmlns:a16="http://schemas.microsoft.com/office/drawing/2014/main" id="{93DBC760-C380-CD38-D7ED-824553CBD390}"/>
+                </a:ext>
+              </a:extLst>
+            </p:cNvPr>
+            <p:cNvSpPr txBox="1"/>
+            <p:nvPr/>
+          </p:nvSpPr>
+          <p:spPr>
+            <a:xfrm>
+              <a:off x="0" y="1033671"/>
+              <a:ext cx="8965897" cy="6360621"/>
+            </a:xfrm>
+            <a:prstGeom prst="rect">
+              <a:avLst/>
+            </a:prstGeom>
+          </p:spPr>
+          <p:txBody>
+            <a:bodyPr lIns="0" tIns="0" rIns="0" bIns="0" rtlCol="0" anchor="t">
+              <a:spAutoFit/>
+            </a:bodyPr>
+            <a:lstStyle/>
+            <a:p>
+              <a:pPr marL="514350" marR="0" lvl="0" indent="-514350" algn="l" defTabSz="914400" rtl="0" eaLnBrk="1" fontAlgn="auto" latinLnBrk="0" hangingPunct="1">
+                <a:lnSpc>
+                  <a:spcPts val="3359"/>
+                </a:lnSpc>
+                <a:spcBef>
+                  <a:spcPts val="0"/>
+                </a:spcBef>
+                <a:spcAft>
+                  <a:spcPts val="0"/>
+                </a:spcAft>
+                <a:buClrTx/>
+                <a:buSzTx/>
+                <a:buFont typeface="+mj-lt"/>
+                <a:buAutoNum type="arabicPeriod"/>
+                <a:tabLst/>
+                <a:defRPr/>
+              </a:pPr>
+              <a:r>
+                <a:rPr kumimoji="0" lang="fr-FR" sz="2799" b="0" i="0" u="none" strike="noStrike" kern="1200" cap="none" spc="-111" normalizeH="0" baseline="0" noProof="0" dirty="0">
+                  <a:ln>
+                    <a:noFill/>
+                  </a:ln>
+                  <a:solidFill>
+                    <a:srgbClr val="013927"/>
+                  </a:solidFill>
+                  <a:effectLst/>
+                  <a:uLnTx/>
+                  <a:uFillTx/>
+                  <a:latin typeface="Crimson Pro"/>
+                  <a:ea typeface="Crimson Pro"/>
+                  <a:cs typeface="Crimson Pro"/>
+                  <a:sym typeface="Crimson Pro"/>
+                </a:rPr>
+                <a:t>Quels sont les types d'interventions disponibles pour améliorer la santé mentale des adolescents en Afrique subsaharienne?</a:t>
+              </a:r>
+            </a:p>
+            <a:p>
+              <a:pPr marL="514350" marR="0" lvl="0" indent="-514350" algn="l" defTabSz="914400" rtl="0" eaLnBrk="1" fontAlgn="auto" latinLnBrk="0" hangingPunct="1">
+                <a:lnSpc>
+                  <a:spcPts val="3359"/>
+                </a:lnSpc>
+                <a:spcBef>
+                  <a:spcPts val="0"/>
+                </a:spcBef>
+                <a:spcAft>
+                  <a:spcPts val="0"/>
+                </a:spcAft>
+                <a:buClrTx/>
+                <a:buSzTx/>
+                <a:buFont typeface="+mj-lt"/>
+                <a:buAutoNum type="arabicPeriod"/>
+                <a:tabLst/>
+                <a:defRPr/>
+              </a:pPr>
+              <a:r>
+                <a:rPr kumimoji="0" lang="fr-FR" sz="2799" b="0" i="0" u="none" strike="noStrike" kern="1200" cap="none" spc="-111" normalizeH="0" baseline="0" noProof="0" dirty="0">
+                  <a:ln>
+                    <a:noFill/>
+                  </a:ln>
+                  <a:solidFill>
+                    <a:schemeClr val="accent1"/>
+                  </a:solidFill>
+                  <a:effectLst/>
+                  <a:uLnTx/>
+                  <a:uFillTx/>
+                  <a:latin typeface="Crimson Pro"/>
+                  <a:ea typeface="Crimson Pro"/>
+                  <a:cs typeface="Crimson Pro"/>
+                  <a:sym typeface="Crimson Pro"/>
+                </a:rPr>
+                <a:t>La méthode X est-elle plus efficace que la méthode Y pour améliorer la gestion de la glycémie chez les adultes atteints de diabète de type 2?</a:t>
+              </a:r>
+            </a:p>
+            <a:p>
+              <a:pPr marL="514350" marR="0" lvl="0" indent="-514350" algn="l" defTabSz="914400" rtl="0" eaLnBrk="1" fontAlgn="auto" latinLnBrk="0" hangingPunct="1">
+                <a:lnSpc>
+                  <a:spcPts val="3359"/>
+                </a:lnSpc>
+                <a:spcBef>
+                  <a:spcPts val="0"/>
+                </a:spcBef>
+                <a:spcAft>
+                  <a:spcPts val="0"/>
+                </a:spcAft>
+                <a:buClrTx/>
+                <a:buSzTx/>
+                <a:buFont typeface="+mj-lt"/>
+                <a:buAutoNum type="arabicPeriod"/>
+                <a:tabLst/>
+                <a:defRPr/>
+              </a:pPr>
+              <a:r>
+                <a:rPr kumimoji="0" lang="fr-FR" sz="2799" b="0" i="0" u="none" strike="noStrike" kern="1200" cap="none" spc="-111" normalizeH="0" baseline="0" noProof="0" dirty="0">
+                  <a:ln>
+                    <a:noFill/>
+                  </a:ln>
+                  <a:solidFill>
+                    <a:srgbClr val="013927"/>
+                  </a:solidFill>
+                  <a:effectLst/>
+                  <a:uLnTx/>
+                  <a:uFillTx/>
+                  <a:latin typeface="Crimson Pro"/>
+                  <a:ea typeface="Crimson Pro"/>
+                  <a:cs typeface="Crimson Pro"/>
+                  <a:sym typeface="Crimson Pro"/>
+                </a:rPr>
+                <a:t>Quelles sont les pratiques nutritionnelles prénatales chez les femmes enceintes dans les zones rurales d'Asie du Sud?</a:t>
+              </a:r>
+            </a:p>
+            <a:p>
+              <a:pPr marL="514350" marR="0" lvl="0" indent="-514350" algn="l" defTabSz="914400" rtl="0" eaLnBrk="1" fontAlgn="auto" latinLnBrk="0" hangingPunct="1">
+                <a:lnSpc>
+                  <a:spcPts val="3359"/>
+                </a:lnSpc>
+                <a:spcBef>
+                  <a:spcPts val="0"/>
+                </a:spcBef>
+                <a:spcAft>
+                  <a:spcPts val="0"/>
+                </a:spcAft>
+                <a:buClrTx/>
+                <a:buSzTx/>
+                <a:buFont typeface="+mj-lt"/>
+                <a:buAutoNum type="arabicPeriod"/>
+                <a:tabLst/>
+                <a:defRPr/>
+              </a:pPr>
+              <a:r>
+                <a:rPr kumimoji="0" lang="fr-FR" sz="2799" b="0" i="0" u="none" strike="noStrike" kern="1200" cap="none" spc="-111" normalizeH="0" baseline="0" noProof="0" dirty="0">
+                  <a:ln>
+                    <a:noFill/>
+                  </a:ln>
+                  <a:solidFill>
+                    <a:schemeClr val="accent1"/>
+                  </a:solidFill>
+                  <a:effectLst/>
+                  <a:uLnTx/>
+                  <a:uFillTx/>
+                  <a:latin typeface="Crimson Pro"/>
+                  <a:ea typeface="Crimson Pro"/>
+                  <a:cs typeface="Crimson Pro"/>
+                  <a:sym typeface="Crimson Pro"/>
+                </a:rPr>
+                <a:t>Le traitement pharmacologique A réduit-il significativement la pression artérielle par rapport à l'absence de traitement chez les patients hypertendus?</a:t>
+              </a:r>
+            </a:p>
+            <a:p>
+              <a:pPr marL="514350" marR="0" lvl="0" indent="-514350" algn="l" defTabSz="914400" rtl="0" eaLnBrk="1" fontAlgn="auto" latinLnBrk="0" hangingPunct="1">
+                <a:lnSpc>
+                  <a:spcPts val="3359"/>
+                </a:lnSpc>
+                <a:spcBef>
+                  <a:spcPts val="0"/>
+                </a:spcBef>
+                <a:spcAft>
+                  <a:spcPts val="0"/>
+                </a:spcAft>
+                <a:buClrTx/>
+                <a:buSzTx/>
+                <a:buFont typeface="+mj-lt"/>
+                <a:buAutoNum type="arabicPeriod"/>
+                <a:tabLst/>
+                <a:defRPr/>
+              </a:pPr>
+              <a:r>
+                <a:rPr kumimoji="0" lang="fr-FR" sz="2799" b="0" i="0" u="none" strike="noStrike" kern="1200" cap="none" spc="-111" normalizeH="0" baseline="0" noProof="0" dirty="0">
+                  <a:ln>
+                    <a:noFill/>
+                  </a:ln>
+                  <a:solidFill>
+                    <a:srgbClr val="013927"/>
+                  </a:solidFill>
+                  <a:effectLst/>
+                  <a:uLnTx/>
+                  <a:uFillTx/>
+                  <a:latin typeface="Crimson Pro"/>
+                  <a:ea typeface="Crimson Pro"/>
+                  <a:cs typeface="Crimson Pro"/>
+                  <a:sym typeface="Crimson Pro"/>
+                </a:rPr>
+                <a:t>Quelles sont les approches de formation utilisées pour préparer les travailleurs de la santé à gérer des crises sanitaires dans les hôpitaux des pays à faible revenu?</a:t>
+              </a:r>
+            </a:p>
+            <a:p>
+              <a:pPr marL="514350" marR="0" lvl="0" indent="-514350" algn="l" defTabSz="914400" rtl="0" eaLnBrk="1" fontAlgn="auto" latinLnBrk="0" hangingPunct="1">
+                <a:lnSpc>
+                  <a:spcPts val="3359"/>
+                </a:lnSpc>
+                <a:spcBef>
+                  <a:spcPts val="0"/>
+                </a:spcBef>
+                <a:spcAft>
+                  <a:spcPts val="0"/>
+                </a:spcAft>
+                <a:buClrTx/>
+                <a:buSzTx/>
+                <a:buFont typeface="+mj-lt"/>
+                <a:buAutoNum type="arabicPeriod"/>
+                <a:tabLst/>
+                <a:defRPr/>
+              </a:pPr>
+              <a:r>
+                <a:rPr kumimoji="0" lang="fr-FR" sz="2799" b="0" i="0" u="none" strike="noStrike" kern="1200" cap="none" spc="-111" normalizeH="0" baseline="0" noProof="0" dirty="0">
+                  <a:ln>
+                    <a:noFill/>
+                  </a:ln>
+                  <a:solidFill>
+                    <a:schemeClr val="accent1"/>
+                  </a:solidFill>
+                  <a:effectLst/>
+                  <a:uLnTx/>
+                  <a:uFillTx/>
+                  <a:latin typeface="Crimson Pro"/>
+                  <a:ea typeface="Crimson Pro"/>
+                  <a:cs typeface="Crimson Pro"/>
+                  <a:sym typeface="Crimson Pro"/>
+                </a:rPr>
+                <a:t>La thérapie comportementale améliore-t-elle les symptômes de l'asthme chez les enfants comparée à la thérapie classique?</a:t>
+              </a:r>
+            </a:p>
+            <a:p>
+              <a:pPr marL="514350" marR="0" lvl="0" indent="-514350" algn="l" defTabSz="914400" rtl="0" eaLnBrk="1" fontAlgn="auto" latinLnBrk="0" hangingPunct="1">
+                <a:lnSpc>
+                  <a:spcPts val="3359"/>
+                </a:lnSpc>
+                <a:spcBef>
+                  <a:spcPts val="0"/>
+                </a:spcBef>
+                <a:spcAft>
+                  <a:spcPts val="0"/>
+                </a:spcAft>
+                <a:buClrTx/>
+                <a:buSzTx/>
+                <a:buFont typeface="+mj-lt"/>
+                <a:buAutoNum type="arabicPeriod"/>
+                <a:tabLst/>
+                <a:defRPr/>
+              </a:pPr>
+              <a:r>
+                <a:rPr kumimoji="0" lang="fr-FR" sz="2799" b="0" i="0" u="none" strike="noStrike" kern="1200" cap="none" spc="-111" normalizeH="0" baseline="0" noProof="0" dirty="0">
+                  <a:ln>
+                    <a:noFill/>
+                  </a:ln>
+                  <a:solidFill>
+                    <a:srgbClr val="013927"/>
+                  </a:solidFill>
+                  <a:effectLst/>
+                  <a:uLnTx/>
+                  <a:uFillTx/>
+                  <a:latin typeface="Crimson Pro"/>
+                  <a:ea typeface="Crimson Pro"/>
+                  <a:cs typeface="Crimson Pro"/>
+                  <a:sym typeface="Crimson Pro"/>
+                </a:rPr>
+                <a:t>Quelle est l'étendue des troubles du sommeil parmi les étudiants universitaires en Europe?</a:t>
+              </a:r>
+            </a:p>
+            <a:p>
+              <a:pPr marL="514350" marR="0" lvl="0" indent="-514350" algn="l" defTabSz="914400" rtl="0" eaLnBrk="1" fontAlgn="auto" latinLnBrk="0" hangingPunct="1">
+                <a:lnSpc>
+                  <a:spcPts val="3359"/>
+                </a:lnSpc>
+                <a:spcBef>
+                  <a:spcPts val="0"/>
+                </a:spcBef>
+                <a:spcAft>
+                  <a:spcPts val="0"/>
+                </a:spcAft>
+                <a:buClrTx/>
+                <a:buSzTx/>
+                <a:buFont typeface="+mj-lt"/>
+                <a:buAutoNum type="arabicPeriod"/>
+                <a:tabLst/>
+                <a:defRPr/>
+              </a:pPr>
+              <a:r>
+                <a:rPr kumimoji="0" lang="fr-FR" sz="2799" b="0" i="0" u="none" strike="noStrike" kern="1200" cap="none" spc="-111" normalizeH="0" baseline="0" noProof="0" dirty="0">
+                  <a:ln>
+                    <a:noFill/>
+                  </a:ln>
+                  <a:solidFill>
+                    <a:schemeClr val="accent1"/>
+                  </a:solidFill>
+                  <a:effectLst/>
+                  <a:uLnTx/>
+                  <a:uFillTx/>
+                  <a:latin typeface="Crimson Pro"/>
+                  <a:ea typeface="Crimson Pro"/>
+                  <a:cs typeface="Crimson Pro"/>
+                  <a:sym typeface="Crimson Pro"/>
+                </a:rPr>
+                <a:t>Les suppléments de calcium et de vitamine D réduisent-ils le risque de fractures chez les femmes post-ménopausées</a:t>
+              </a:r>
+              <a:r>
+                <a:rPr kumimoji="0" lang="fr-FR" sz="2799" b="0" i="1" u="none" strike="noStrike" kern="1200" cap="none" spc="-111" normalizeH="0" baseline="0" noProof="0" dirty="0">
+                  <a:ln>
+                    <a:noFill/>
+                  </a:ln>
+                  <a:solidFill>
+                    <a:schemeClr val="accent1"/>
+                  </a:solidFill>
+                  <a:effectLst/>
+                  <a:uLnTx/>
+                  <a:uFillTx/>
+                  <a:latin typeface="Crimson Pro"/>
+                  <a:ea typeface="Crimson Pro"/>
+                  <a:cs typeface="Crimson Pro"/>
+                  <a:sym typeface="Crimson Pro"/>
+                </a:rPr>
+                <a:t>?</a:t>
+              </a:r>
+              <a:endParaRPr kumimoji="0" lang="en-US" sz="2799" b="0" i="1" u="none" strike="noStrike" kern="1200" cap="none" spc="-111" normalizeH="0" baseline="0" noProof="0" dirty="0">
+                <a:ln>
+                  <a:noFill/>
+                </a:ln>
+                <a:solidFill>
+                  <a:schemeClr val="accent1"/>
+                </a:solidFill>
+                <a:effectLst/>
+                <a:uLnTx/>
+                <a:uFillTx/>
+                <a:latin typeface="Crimson Pro"/>
+                <a:ea typeface="Crimson Pro"/>
+                <a:cs typeface="Crimson Pro"/>
+                <a:sym typeface="Crimson Pro"/>
+              </a:endParaRPr>
+            </a:p>
+          </p:txBody>
+        </p:sp>
+      </p:grpSp>
+      <p:sp>
+        <p:nvSpPr>
+          <p:cNvPr id="15" name="AutoShape 15">
+            <a:extLst>
+              <a:ext uri="{FF2B5EF4-FFF2-40B4-BE49-F238E27FC236}">
+                <a16:creationId xmlns:a16="http://schemas.microsoft.com/office/drawing/2014/main" id="{57A4FE47-E775-8AA6-550D-AF7E799C418D}"/>
+              </a:ext>
+            </a:extLst>
+          </p:cNvPr>
+          <p:cNvSpPr/>
+          <p:nvPr/>
+        </p:nvSpPr>
+        <p:spPr>
+          <a:xfrm flipV="1">
+            <a:off x="261292" y="4260376"/>
+            <a:ext cx="17188508" cy="0"/>
+          </a:xfrm>
+          <a:prstGeom prst="line">
+            <a:avLst/>
+          </a:prstGeom>
+          <a:ln w="9525" cap="flat">
+            <a:solidFill>
+              <a:srgbClr val="013927"/>
+            </a:solidFill>
+            <a:prstDash val="solid"/>
+            <a:headEnd type="none" w="sm" len="sm"/>
+            <a:tailEnd type="none" w="sm" len="sm"/>
+          </a:ln>
+        </p:spPr>
+        <p:txBody>
+          <a:bodyPr/>
+          <a:lstStyle/>
+          <a:p>
+            <a:pPr marL="0" marR="0" lvl="0" indent="0" algn="l" defTabSz="914400" rtl="0" eaLnBrk="1" fontAlgn="auto" latinLnBrk="0" hangingPunct="1">
+              <a:lnSpc>
+                <a:spcPct val="100000"/>
+              </a:lnSpc>
+              <a:spcBef>
+                <a:spcPts val="0"/>
+              </a:spcBef>
+              <a:spcAft>
+                <a:spcPts val="0"/>
+              </a:spcAft>
+              <a:buClrTx/>
+              <a:buSzTx/>
+              <a:buFontTx/>
+              <a:buNone/>
+              <a:tabLst/>
+              <a:defRPr/>
+            </a:pPr>
+            <a:endParaRPr kumimoji="0" lang="en-US" sz="1800" b="0" i="0" u="none" strike="noStrike" kern="1200" cap="none" spc="0" normalizeH="0" baseline="0" noProof="0">
+              <a:ln>
+                <a:noFill/>
+              </a:ln>
+              <a:solidFill>
+                <a:prstClr val="black"/>
+              </a:solidFill>
+              <a:effectLst/>
+              <a:uLnTx/>
+              <a:uFillTx/>
+              <a:latin typeface="Calibri"/>
+              <a:ea typeface="+mn-ea"/>
+              <a:cs typeface="+mn-cs"/>
+            </a:endParaRPr>
+          </a:p>
+        </p:txBody>
+      </p:sp>
+    </p:spTree>
+    <p:extLst>
+      <p:ext uri="{BB962C8B-B14F-4D97-AF65-F5344CB8AC3E}">
+        <p14:creationId xmlns:p14="http://schemas.microsoft.com/office/powerpoint/2010/main" val="1537756610"/>
+      </p:ext>
+    </p:extLst>
+  </p:cSld>
+  <p:clrMapOvr>
+    <a:masterClrMapping/>
+  </p:clrMapOvr>
+</p:sld>
+</file>
+
+<file path=ppt/slides/slide28.xml><?xml version="1.0" encoding="utf-8"?>
+<p:sld xmlns:a="http://schemas.openxmlformats.org/drawingml/2006/main" xmlns:r="http://schemas.openxmlformats.org/officeDocument/2006/relationships" xmlns:p="http://schemas.openxmlformats.org/presentationml/2006/main">
+  <p:cSld>
+    <p:bg>
+      <p:bgPr>
+        <a:solidFill>
           <a:srgbClr val="013927"/>
         </a:solidFill>
         <a:effectLst/>
@@ -30152,7 +31320,7 @@
 </p:sld>
 </file>
 
-<file path=ppt/slides/slide28.xml><?xml version="1.0" encoding="utf-8"?>
+<file path=ppt/slides/slide29.xml><?xml version="1.0" encoding="utf-8"?>
 <p:sld xmlns:a="http://schemas.openxmlformats.org/drawingml/2006/main" xmlns:r="http://schemas.openxmlformats.org/officeDocument/2006/relationships" xmlns:p="http://schemas.openxmlformats.org/presentationml/2006/main">
   <p:cSld>
     <p:bg>
@@ -31356,7 +32524,1703 @@
 </p:sld>
 </file>
 
-<file path=ppt/slides/slide29.xml><?xml version="1.0" encoding="utf-8"?>
+<file path=ppt/slides/slide3.xml><?xml version="1.0" encoding="utf-8"?>
+<p:sld xmlns:a="http://schemas.openxmlformats.org/drawingml/2006/main" xmlns:r="http://schemas.openxmlformats.org/officeDocument/2006/relationships" xmlns:p="http://schemas.openxmlformats.org/presentationml/2006/main">
+  <p:cSld>
+    <p:bg>
+      <p:bgPr>
+        <a:solidFill>
+          <a:schemeClr val="bg2"/>
+        </a:solidFill>
+        <a:effectLst/>
+      </p:bgPr>
+    </p:bg>
+    <p:spTree>
+      <p:nvGrpSpPr>
+        <p:cNvPr id="1" name=""/>
+        <p:cNvGrpSpPr/>
+        <p:nvPr/>
+      </p:nvGrpSpPr>
+      <p:grpSpPr>
+        <a:xfrm>
+          <a:off x="0" y="0"/>
+          <a:ext cx="0" cy="0"/>
+          <a:chOff x="0" y="0"/>
+          <a:chExt cx="0" cy="0"/>
+        </a:xfrm>
+      </p:grpSpPr>
+      <p:sp>
+        <p:nvSpPr>
+          <p:cNvPr id="2" name="Title 1">
+            <a:extLst>
+              <a:ext uri="{FF2B5EF4-FFF2-40B4-BE49-F238E27FC236}">
+                <a16:creationId xmlns:a16="http://schemas.microsoft.com/office/drawing/2014/main" id="{BD4BD587-3939-9982-FAB0-3AB0C7016109}"/>
+              </a:ext>
+            </a:extLst>
+          </p:cNvPr>
+          <p:cNvSpPr>
+            <a:spLocks noGrp="1"/>
+          </p:cNvSpPr>
+          <p:nvPr>
+            <p:ph type="title"/>
+          </p:nvPr>
+        </p:nvSpPr>
+        <p:spPr>
+          <a:xfrm>
+            <a:off x="685800" y="258659"/>
+            <a:ext cx="16154400" cy="1143000"/>
+          </a:xfrm>
+          <a:solidFill>
+            <a:schemeClr val="bg2"/>
+          </a:solidFill>
+        </p:spPr>
+        <p:txBody>
+          <a:bodyPr>
+            <a:normAutofit/>
+          </a:bodyPr>
+          <a:lstStyle/>
+          <a:p>
+            <a:r>
+              <a:rPr lang="en-US" sz="6600" b="1" dirty="0">
+                <a:latin typeface="Noto Serif Display ExtraCondensed" panose="020B0604020202020204"/>
+                <a:ea typeface="Noto Serif Display ExtraCondensed" panose="020B0604020202020204"/>
+                <a:cs typeface="Noto Serif Display ExtraCondensed" panose="020B0604020202020204"/>
+              </a:rPr>
+              <a:t>PROGRAMME</a:t>
+            </a:r>
+            <a:r>
+              <a:rPr lang="en-US" sz="6600" b="1" dirty="0"/>
+              <a:t> </a:t>
+            </a:r>
+            <a:r>
+              <a:rPr lang="en-US" sz="6600" b="1" dirty="0">
+                <a:latin typeface="Noto Serif Display ExtraCondensed" panose="020B0604020202020204"/>
+                <a:ea typeface="Noto Serif Display ExtraCondensed" panose="020B0604020202020204"/>
+                <a:cs typeface="Noto Serif Display ExtraCondensed" panose="020B0604020202020204"/>
+              </a:rPr>
+              <a:t>DE L’ATELIER</a:t>
+            </a:r>
+          </a:p>
+        </p:txBody>
+      </p:sp>
+      <p:graphicFrame>
+        <p:nvGraphicFramePr>
+          <p:cNvPr id="3" name="Table 2">
+            <a:extLst>
+              <a:ext uri="{FF2B5EF4-FFF2-40B4-BE49-F238E27FC236}">
+                <a16:creationId xmlns:a16="http://schemas.microsoft.com/office/drawing/2014/main" id="{DB70DD09-1E95-BDE0-28DD-22248EB4E5FD}"/>
+              </a:ext>
+            </a:extLst>
+          </p:cNvPr>
+          <p:cNvGraphicFramePr>
+            <a:graphicFrameLocks noGrp="1"/>
+          </p:cNvGraphicFramePr>
+          <p:nvPr>
+            <p:extLst>
+              <p:ext uri="{D42A27DB-BD31-4B8C-83A1-F6EECF244321}">
+                <p14:modId xmlns:p14="http://schemas.microsoft.com/office/powerpoint/2010/main" val="187829850"/>
+              </p:ext>
+            </p:extLst>
+          </p:nvPr>
+        </p:nvGraphicFramePr>
+        <p:xfrm>
+          <a:off x="228600" y="1104900"/>
+          <a:ext cx="17678400" cy="9032549"/>
+        </p:xfrm>
+        <a:graphic>
+          <a:graphicData uri="http://schemas.openxmlformats.org/drawingml/2006/table">
+            <a:tbl>
+              <a:tblPr firstRow="1" firstCol="1" bandRow="1">
+                <a:tableStyleId>{1FECB4D8-DB02-4DC6-A0A2-4F2EBAE1DC90}</a:tableStyleId>
+              </a:tblPr>
+              <a:tblGrid>
+                <a:gridCol w="2268467">
+                  <a:extLst>
+                    <a:ext uri="{9D8B030D-6E8A-4147-A177-3AD203B41FA5}">
+                      <a16:colId xmlns:a16="http://schemas.microsoft.com/office/drawing/2014/main" val="2108653749"/>
+                    </a:ext>
+                  </a:extLst>
+                </a:gridCol>
+                <a:gridCol w="3050697">
+                  <a:extLst>
+                    <a:ext uri="{9D8B030D-6E8A-4147-A177-3AD203B41FA5}">
+                      <a16:colId xmlns:a16="http://schemas.microsoft.com/office/drawing/2014/main" val="351969896"/>
+                    </a:ext>
+                  </a:extLst>
+                </a:gridCol>
+                <a:gridCol w="5632057">
+                  <a:extLst>
+                    <a:ext uri="{9D8B030D-6E8A-4147-A177-3AD203B41FA5}">
+                      <a16:colId xmlns:a16="http://schemas.microsoft.com/office/drawing/2014/main" val="1107738723"/>
+                    </a:ext>
+                  </a:extLst>
+                </a:gridCol>
+                <a:gridCol w="6727179">
+                  <a:extLst>
+                    <a:ext uri="{9D8B030D-6E8A-4147-A177-3AD203B41FA5}">
+                      <a16:colId xmlns:a16="http://schemas.microsoft.com/office/drawing/2014/main" val="794698219"/>
+                    </a:ext>
+                  </a:extLst>
+                </a:gridCol>
+              </a:tblGrid>
+              <a:tr h="411502">
+                <a:tc>
+                  <a:txBody>
+                    <a:bodyPr/>
+                    <a:lstStyle/>
+                    <a:p>
+                      <a:pPr marL="0" marR="0" algn="l">
+                        <a:lnSpc>
+                          <a:spcPct val="115000"/>
+                        </a:lnSpc>
+                        <a:spcAft>
+                          <a:spcPts val="1000"/>
+                        </a:spcAft>
+                      </a:pPr>
+                      <a:r>
+                        <a:rPr lang="en-US" sz="2400" b="1" dirty="0">
+                          <a:solidFill>
+                            <a:srgbClr val="FFFFFF"/>
+                          </a:solidFill>
+                          <a:effectLst/>
+                        </a:rPr>
+                        <a:t>Jour</a:t>
+                      </a:r>
+                      <a:endParaRPr lang="en-US" sz="2400" dirty="0">
+                        <a:effectLst/>
+                        <a:latin typeface="Cambria" panose="02040503050406030204" pitchFamily="18" charset="0"/>
+                        <a:ea typeface="MS Mincho" panose="02020609040205080304" pitchFamily="49" charset="-128"/>
+                        <a:cs typeface="Times New Roman" panose="02020603050405020304" pitchFamily="18" charset="0"/>
+                      </a:endParaRPr>
+                    </a:p>
+                  </a:txBody>
+                  <a:tcPr marL="68580" marR="68580" marT="0" marB="0">
+                    <a:solidFill>
+                      <a:schemeClr val="accent3">
+                        <a:lumMod val="50000"/>
+                      </a:schemeClr>
+                    </a:solidFill>
+                  </a:tcPr>
+                </a:tc>
+                <a:tc>
+                  <a:txBody>
+                    <a:bodyPr/>
+                    <a:lstStyle/>
+                    <a:p>
+                      <a:pPr marL="0" marR="0" algn="l">
+                        <a:lnSpc>
+                          <a:spcPct val="115000"/>
+                        </a:lnSpc>
+                        <a:spcAft>
+                          <a:spcPts val="1000"/>
+                        </a:spcAft>
+                      </a:pPr>
+                      <a:r>
+                        <a:rPr lang="en-US" sz="2400" b="1" dirty="0" err="1">
+                          <a:solidFill>
+                            <a:srgbClr val="FFFFFF"/>
+                          </a:solidFill>
+                          <a:effectLst/>
+                        </a:rPr>
+                        <a:t>Heure</a:t>
+                      </a:r>
+                      <a:endParaRPr lang="en-US" sz="2400" dirty="0">
+                        <a:effectLst/>
+                        <a:latin typeface="Cambria" panose="02040503050406030204" pitchFamily="18" charset="0"/>
+                        <a:ea typeface="MS Mincho" panose="02020609040205080304" pitchFamily="49" charset="-128"/>
+                        <a:cs typeface="Times New Roman" panose="02020603050405020304" pitchFamily="18" charset="0"/>
+                      </a:endParaRPr>
+                    </a:p>
+                  </a:txBody>
+                  <a:tcPr marL="68580" marR="68580" marT="0" marB="0">
+                    <a:solidFill>
+                      <a:schemeClr val="accent3">
+                        <a:lumMod val="50000"/>
+                      </a:schemeClr>
+                    </a:solidFill>
+                  </a:tcPr>
+                </a:tc>
+                <a:tc>
+                  <a:txBody>
+                    <a:bodyPr/>
+                    <a:lstStyle/>
+                    <a:p>
+                      <a:pPr marL="0" marR="0" algn="l">
+                        <a:lnSpc>
+                          <a:spcPct val="115000"/>
+                        </a:lnSpc>
+                        <a:spcAft>
+                          <a:spcPts val="1000"/>
+                        </a:spcAft>
+                      </a:pPr>
+                      <a:r>
+                        <a:rPr lang="en-US" sz="2400" b="1" dirty="0" err="1">
+                          <a:solidFill>
+                            <a:srgbClr val="FFFFFF"/>
+                          </a:solidFill>
+                          <a:effectLst/>
+                        </a:rPr>
+                        <a:t>Événement</a:t>
+                      </a:r>
+                      <a:endParaRPr lang="en-US" sz="2400" dirty="0">
+                        <a:effectLst/>
+                        <a:latin typeface="Cambria" panose="02040503050406030204" pitchFamily="18" charset="0"/>
+                        <a:ea typeface="MS Mincho" panose="02020609040205080304" pitchFamily="49" charset="-128"/>
+                        <a:cs typeface="Times New Roman" panose="02020603050405020304" pitchFamily="18" charset="0"/>
+                      </a:endParaRPr>
+                    </a:p>
+                  </a:txBody>
+                  <a:tcPr marL="68580" marR="68580" marT="0" marB="0">
+                    <a:solidFill>
+                      <a:schemeClr val="accent3">
+                        <a:lumMod val="50000"/>
+                      </a:schemeClr>
+                    </a:solidFill>
+                  </a:tcPr>
+                </a:tc>
+                <a:tc>
+                  <a:txBody>
+                    <a:bodyPr/>
+                    <a:lstStyle/>
+                    <a:p>
+                      <a:pPr marL="0" marR="0" algn="l">
+                        <a:lnSpc>
+                          <a:spcPct val="115000"/>
+                        </a:lnSpc>
+                        <a:spcAft>
+                          <a:spcPts val="1000"/>
+                        </a:spcAft>
+                      </a:pPr>
+                      <a:r>
+                        <a:rPr lang="en-US" sz="2400" b="1" dirty="0">
+                          <a:solidFill>
+                            <a:srgbClr val="FFFFFF"/>
+                          </a:solidFill>
+                          <a:effectLst/>
+                        </a:rPr>
+                        <a:t>Notes</a:t>
+                      </a:r>
+                      <a:endParaRPr lang="en-US" sz="2400" dirty="0">
+                        <a:effectLst/>
+                        <a:latin typeface="Cambria" panose="02040503050406030204" pitchFamily="18" charset="0"/>
+                        <a:ea typeface="MS Mincho" panose="02020609040205080304" pitchFamily="49" charset="-128"/>
+                        <a:cs typeface="Times New Roman" panose="02020603050405020304" pitchFamily="18" charset="0"/>
+                      </a:endParaRPr>
+                    </a:p>
+                  </a:txBody>
+                  <a:tcPr marL="68580" marR="68580" marT="0" marB="0">
+                    <a:solidFill>
+                      <a:schemeClr val="accent3">
+                        <a:lumMod val="50000"/>
+                      </a:schemeClr>
+                    </a:solidFill>
+                  </a:tcPr>
+                </a:tc>
+                <a:extLst>
+                  <a:ext uri="{0D108BD9-81ED-4DB2-BD59-A6C34878D82A}">
+                    <a16:rowId xmlns:a16="http://schemas.microsoft.com/office/drawing/2014/main" val="3649553123"/>
+                  </a:ext>
+                </a:extLst>
+              </a:tr>
+              <a:tr h="861375">
+                <a:tc>
+                  <a:txBody>
+                    <a:bodyPr/>
+                    <a:lstStyle/>
+                    <a:p>
+                      <a:pPr marL="0" marR="0">
+                        <a:lnSpc>
+                          <a:spcPct val="115000"/>
+                        </a:lnSpc>
+                        <a:spcAft>
+                          <a:spcPts val="1000"/>
+                        </a:spcAft>
+                      </a:pPr>
+                      <a:r>
+                        <a:rPr lang="en-US" sz="2400" b="1" dirty="0">
+                          <a:solidFill>
+                            <a:srgbClr val="000000"/>
+                          </a:solidFill>
+                          <a:effectLst/>
+                          <a:hlinkClick r:id="rId3" action="ppaction://hlinksldjump"/>
+                        </a:rPr>
+                        <a:t>Jour 1</a:t>
+                      </a:r>
+                      <a:endParaRPr lang="en-US" sz="2400" dirty="0">
+                        <a:effectLst/>
+                        <a:latin typeface="Cambria" panose="02040503050406030204" pitchFamily="18" charset="0"/>
+                        <a:ea typeface="MS Mincho" panose="02020609040205080304" pitchFamily="49" charset="-128"/>
+                        <a:cs typeface="Times New Roman" panose="02020603050405020304" pitchFamily="18" charset="0"/>
+                      </a:endParaRPr>
+                    </a:p>
+                  </a:txBody>
+                  <a:tcPr marL="68580" marR="68580" marT="0" marB="0"/>
+                </a:tc>
+                <a:tc>
+                  <a:txBody>
+                    <a:bodyPr/>
+                    <a:lstStyle/>
+                    <a:p>
+                      <a:pPr marL="0" marR="0">
+                        <a:lnSpc>
+                          <a:spcPct val="115000"/>
+                        </a:lnSpc>
+                        <a:spcAft>
+                          <a:spcPts val="1000"/>
+                        </a:spcAft>
+                      </a:pPr>
+                      <a:r>
+                        <a:rPr lang="en-US" sz="2400" dirty="0">
+                          <a:effectLst/>
+                        </a:rPr>
+                        <a:t>9:00 - 9:30</a:t>
+                      </a:r>
+                      <a:endParaRPr lang="en-US" sz="2400" dirty="0">
+                        <a:effectLst/>
+                        <a:latin typeface="Cambria" panose="02040503050406030204" pitchFamily="18" charset="0"/>
+                        <a:ea typeface="MS Mincho" panose="02020609040205080304" pitchFamily="49" charset="-128"/>
+                        <a:cs typeface="Times New Roman" panose="02020603050405020304" pitchFamily="18" charset="0"/>
+                      </a:endParaRPr>
+                    </a:p>
+                  </a:txBody>
+                  <a:tcPr marL="68580" marR="68580" marT="0" marB="0"/>
+                </a:tc>
+                <a:tc>
+                  <a:txBody>
+                    <a:bodyPr/>
+                    <a:lstStyle/>
+                    <a:p>
+                      <a:pPr marL="0" marR="0">
+                        <a:lnSpc>
+                          <a:spcPct val="115000"/>
+                        </a:lnSpc>
+                        <a:spcAft>
+                          <a:spcPts val="1000"/>
+                        </a:spcAft>
+                      </a:pPr>
+                      <a:r>
+                        <a:rPr lang="fr-FR" sz="2400" dirty="0">
+                          <a:effectLst/>
+                        </a:rPr>
+                        <a:t>Bienvenue et Aperçu de l'Atelier </a:t>
+                      </a:r>
+                    </a:p>
+                    <a:p>
+                      <a:pPr marL="0" marR="0">
+                        <a:lnSpc>
+                          <a:spcPct val="115000"/>
+                        </a:lnSpc>
+                        <a:spcAft>
+                          <a:spcPts val="1000"/>
+                        </a:spcAft>
+                      </a:pPr>
+                      <a:r>
+                        <a:rPr lang="fr-FR" sz="2400" dirty="0">
+                          <a:effectLst/>
+                        </a:rPr>
+                        <a:t>(</a:t>
+                      </a:r>
+                      <a:r>
+                        <a:rPr lang="fr-FR" sz="2400" b="1" i="1" dirty="0">
+                          <a:effectLst/>
+                        </a:rPr>
+                        <a:t>Dr. Idiatou Diallo</a:t>
+                      </a:r>
+                      <a:r>
+                        <a:rPr lang="fr-FR" sz="2400" dirty="0">
+                          <a:effectLst/>
+                        </a:rPr>
+                        <a:t>)</a:t>
+                      </a:r>
+                      <a:endParaRPr lang="en-US" sz="2400" dirty="0">
+                        <a:effectLst/>
+                        <a:latin typeface="Cambria" panose="02040503050406030204" pitchFamily="18" charset="0"/>
+                        <a:ea typeface="MS Mincho" panose="02020609040205080304" pitchFamily="49" charset="-128"/>
+                        <a:cs typeface="Times New Roman" panose="02020603050405020304" pitchFamily="18" charset="0"/>
+                      </a:endParaRPr>
+                    </a:p>
+                  </a:txBody>
+                  <a:tcPr marL="68580" marR="68580" marT="0" marB="0"/>
+                </a:tc>
+                <a:tc>
+                  <a:txBody>
+                    <a:bodyPr/>
+                    <a:lstStyle/>
+                    <a:p>
+                      <a:pPr marL="0" marR="0">
+                        <a:lnSpc>
+                          <a:spcPct val="115000"/>
+                        </a:lnSpc>
+                        <a:spcAft>
+                          <a:spcPts val="1000"/>
+                        </a:spcAft>
+                      </a:pPr>
+                      <a:r>
+                        <a:rPr lang="fr-FR" sz="2400" dirty="0">
+                          <a:effectLst/>
+                        </a:rPr>
+                        <a:t>Présentations, objectifs et structure de l'atelier</a:t>
+                      </a:r>
+                      <a:endParaRPr lang="en-US" sz="2400" dirty="0">
+                        <a:effectLst/>
+                        <a:latin typeface="Cambria" panose="02040503050406030204" pitchFamily="18" charset="0"/>
+                        <a:ea typeface="MS Mincho" panose="02020609040205080304" pitchFamily="49" charset="-128"/>
+                        <a:cs typeface="Times New Roman" panose="02020603050405020304" pitchFamily="18" charset="0"/>
+                      </a:endParaRPr>
+                    </a:p>
+                  </a:txBody>
+                  <a:tcPr marL="68580" marR="68580" marT="0" marB="0"/>
+                </a:tc>
+                <a:extLst>
+                  <a:ext uri="{0D108BD9-81ED-4DB2-BD59-A6C34878D82A}">
+                    <a16:rowId xmlns:a16="http://schemas.microsoft.com/office/drawing/2014/main" val="656021347"/>
+                  </a:ext>
+                </a:extLst>
+              </a:tr>
+              <a:tr h="1024955">
+                <a:tc>
+                  <a:txBody>
+                    <a:bodyPr/>
+                    <a:lstStyle/>
+                    <a:p>
+                      <a:pPr marL="0" marR="0">
+                        <a:lnSpc>
+                          <a:spcPct val="115000"/>
+                        </a:lnSpc>
+                        <a:spcAft>
+                          <a:spcPts val="1000"/>
+                        </a:spcAft>
+                      </a:pPr>
+                      <a:r>
+                        <a:rPr lang="en-US" sz="2400" b="1" dirty="0">
+                          <a:solidFill>
+                            <a:srgbClr val="000000"/>
+                          </a:solidFill>
+                          <a:effectLst/>
+                          <a:hlinkClick r:id="rId4" action="ppaction://hlinksldjump"/>
+                        </a:rPr>
+                        <a:t>Jour 1</a:t>
+                      </a:r>
+                      <a:endParaRPr lang="en-US" sz="2400" dirty="0">
+                        <a:effectLst/>
+                        <a:latin typeface="Cambria" panose="02040503050406030204" pitchFamily="18" charset="0"/>
+                        <a:ea typeface="MS Mincho" panose="02020609040205080304" pitchFamily="49" charset="-128"/>
+                        <a:cs typeface="Times New Roman" panose="02020603050405020304" pitchFamily="18" charset="0"/>
+                      </a:endParaRPr>
+                    </a:p>
+                  </a:txBody>
+                  <a:tcPr marL="68580" marR="68580" marT="0" marB="0"/>
+                </a:tc>
+                <a:tc>
+                  <a:txBody>
+                    <a:bodyPr/>
+                    <a:lstStyle/>
+                    <a:p>
+                      <a:pPr marL="0" marR="0">
+                        <a:lnSpc>
+                          <a:spcPct val="115000"/>
+                        </a:lnSpc>
+                        <a:spcAft>
+                          <a:spcPts val="1000"/>
+                        </a:spcAft>
+                      </a:pPr>
+                      <a:r>
+                        <a:rPr lang="en-US" sz="2400" dirty="0">
+                          <a:effectLst/>
+                        </a:rPr>
+                        <a:t>9:30 - 10:15</a:t>
+                      </a:r>
+                      <a:endParaRPr lang="en-US" sz="2400" dirty="0">
+                        <a:effectLst/>
+                        <a:latin typeface="Cambria" panose="02040503050406030204" pitchFamily="18" charset="0"/>
+                        <a:ea typeface="MS Mincho" panose="02020609040205080304" pitchFamily="49" charset="-128"/>
+                        <a:cs typeface="Times New Roman" panose="02020603050405020304" pitchFamily="18" charset="0"/>
+                      </a:endParaRPr>
+                    </a:p>
+                  </a:txBody>
+                  <a:tcPr marL="68580" marR="68580" marT="0" marB="0"/>
+                </a:tc>
+                <a:tc>
+                  <a:txBody>
+                    <a:bodyPr/>
+                    <a:lstStyle/>
+                    <a:p>
+                      <a:pPr marL="0" marR="0">
+                        <a:lnSpc>
+                          <a:spcPct val="115000"/>
+                        </a:lnSpc>
+                        <a:spcAft>
+                          <a:spcPts val="1000"/>
+                        </a:spcAft>
+                      </a:pPr>
+                      <a:r>
+                        <a:rPr lang="fr-FR" sz="2400" dirty="0">
+                          <a:effectLst/>
+                        </a:rPr>
+                        <a:t>Aperçu des Revues de Portée/</a:t>
+                      </a:r>
+                      <a:r>
+                        <a:rPr lang="fr-FR" sz="2400" dirty="0" err="1">
+                          <a:effectLst/>
+                        </a:rPr>
+                        <a:t>Scoping</a:t>
+                      </a:r>
+                      <a:r>
+                        <a:rPr lang="fr-FR" sz="2400" dirty="0">
+                          <a:effectLst/>
+                        </a:rPr>
+                        <a:t> vs. Revues Systématiques</a:t>
+                      </a:r>
+                    </a:p>
+                    <a:p>
+                      <a:pPr marL="0" marR="0" lvl="0" indent="0" algn="l" defTabSz="914400" rtl="0" eaLnBrk="1" fontAlgn="auto" latinLnBrk="0" hangingPunct="1">
+                        <a:lnSpc>
+                          <a:spcPct val="115000"/>
+                        </a:lnSpc>
+                        <a:spcBef>
+                          <a:spcPts val="0"/>
+                        </a:spcBef>
+                        <a:spcAft>
+                          <a:spcPts val="1000"/>
+                        </a:spcAft>
+                        <a:buClrTx/>
+                        <a:buSzTx/>
+                        <a:buFontTx/>
+                        <a:buNone/>
+                        <a:tabLst/>
+                        <a:defRPr/>
+                      </a:pPr>
+                      <a:r>
+                        <a:rPr kumimoji="0" lang="fr-FR" sz="2400" b="0" i="0" u="none" strike="noStrike" kern="1200" cap="none" spc="0" normalizeH="0" baseline="0" noProof="0" dirty="0">
+                          <a:ln>
+                            <a:noFill/>
+                          </a:ln>
+                          <a:solidFill>
+                            <a:prstClr val="black"/>
+                          </a:solidFill>
+                          <a:effectLst/>
+                          <a:uLnTx/>
+                          <a:uFillTx/>
+                          <a:latin typeface="+mn-lt"/>
+                          <a:ea typeface="+mn-ea"/>
+                          <a:cs typeface="+mn-cs"/>
+                        </a:rPr>
+                        <a:t>(</a:t>
+                      </a:r>
+                      <a:r>
+                        <a:rPr kumimoji="0" lang="fr-FR" sz="2400" b="1" i="1" u="none" strike="noStrike" kern="1200" cap="none" spc="0" normalizeH="0" baseline="0" noProof="0" dirty="0">
+                          <a:ln>
+                            <a:noFill/>
+                          </a:ln>
+                          <a:solidFill>
+                            <a:prstClr val="black"/>
+                          </a:solidFill>
+                          <a:effectLst/>
+                          <a:uLnTx/>
+                          <a:uFillTx/>
+                          <a:latin typeface="+mn-lt"/>
+                          <a:ea typeface="+mn-ea"/>
+                          <a:cs typeface="+mn-cs"/>
+                        </a:rPr>
+                        <a:t>Dr. Idiatou Diallo</a:t>
+                      </a:r>
+                      <a:r>
+                        <a:rPr kumimoji="0" lang="fr-FR" sz="2400" b="0" i="0" u="none" strike="noStrike" kern="1200" cap="none" spc="0" normalizeH="0" baseline="0" noProof="0" dirty="0">
+                          <a:ln>
+                            <a:noFill/>
+                          </a:ln>
+                          <a:solidFill>
+                            <a:prstClr val="black"/>
+                          </a:solidFill>
+                          <a:effectLst/>
+                          <a:uLnTx/>
+                          <a:uFillTx/>
+                          <a:latin typeface="+mn-lt"/>
+                          <a:ea typeface="+mn-ea"/>
+                          <a:cs typeface="+mn-cs"/>
+                        </a:rPr>
+                        <a:t>)</a:t>
+                      </a:r>
+                      <a:endParaRPr kumimoji="0" lang="en-US" sz="2400" b="0" i="0" u="none" strike="noStrike" kern="1200" cap="none" spc="0" normalizeH="0" baseline="0" noProof="0" dirty="0">
+                        <a:ln>
+                          <a:noFill/>
+                        </a:ln>
+                        <a:solidFill>
+                          <a:prstClr val="black"/>
+                        </a:solidFill>
+                        <a:effectLst/>
+                        <a:uLnTx/>
+                        <a:uFillTx/>
+                        <a:latin typeface="Cambria" panose="02040503050406030204" pitchFamily="18" charset="0"/>
+                        <a:ea typeface="MS Mincho" panose="02020609040205080304" pitchFamily="49" charset="-128"/>
+                        <a:cs typeface="Times New Roman" panose="02020603050405020304" pitchFamily="18" charset="0"/>
+                      </a:endParaRPr>
+                    </a:p>
+                  </a:txBody>
+                  <a:tcPr marL="68580" marR="68580" marT="0" marB="0"/>
+                </a:tc>
+                <a:tc>
+                  <a:txBody>
+                    <a:bodyPr/>
+                    <a:lstStyle/>
+                    <a:p>
+                      <a:pPr marL="0" marR="0">
+                        <a:lnSpc>
+                          <a:spcPct val="115000"/>
+                        </a:lnSpc>
+                        <a:spcAft>
+                          <a:spcPts val="1000"/>
+                        </a:spcAft>
+                      </a:pPr>
+                      <a:r>
+                        <a:rPr lang="fr-FR" sz="2400" dirty="0">
+                          <a:effectLst/>
+                        </a:rPr>
+                        <a:t>Principales différences, objectifs et quand choisir chaque type</a:t>
+                      </a:r>
+                      <a:endParaRPr lang="en-US" sz="2400" dirty="0">
+                        <a:effectLst/>
+                        <a:latin typeface="Cambria" panose="02040503050406030204" pitchFamily="18" charset="0"/>
+                        <a:ea typeface="MS Mincho" panose="02020609040205080304" pitchFamily="49" charset="-128"/>
+                        <a:cs typeface="Times New Roman" panose="02020603050405020304" pitchFamily="18" charset="0"/>
+                      </a:endParaRPr>
+                    </a:p>
+                  </a:txBody>
+                  <a:tcPr marL="68580" marR="68580" marT="0" marB="0"/>
+                </a:tc>
+                <a:extLst>
+                  <a:ext uri="{0D108BD9-81ED-4DB2-BD59-A6C34878D82A}">
+                    <a16:rowId xmlns:a16="http://schemas.microsoft.com/office/drawing/2014/main" val="1812740107"/>
+                  </a:ext>
+                </a:extLst>
+              </a:tr>
+              <a:tr h="1311249">
+                <a:tc>
+                  <a:txBody>
+                    <a:bodyPr/>
+                    <a:lstStyle/>
+                    <a:p>
+                      <a:pPr marL="0" marR="0">
+                        <a:lnSpc>
+                          <a:spcPct val="115000"/>
+                        </a:lnSpc>
+                        <a:spcAft>
+                          <a:spcPts val="1000"/>
+                        </a:spcAft>
+                      </a:pPr>
+                      <a:r>
+                        <a:rPr lang="en-US" sz="2400" b="1" dirty="0">
+                          <a:solidFill>
+                            <a:srgbClr val="000000"/>
+                          </a:solidFill>
+                          <a:effectLst/>
+                          <a:hlinkClick r:id="rId5" action="ppaction://hlinksldjump"/>
+                        </a:rPr>
+                        <a:t>Jour</a:t>
+                      </a:r>
+                      <a:r>
+                        <a:rPr lang="en-US" sz="2400" b="1" dirty="0">
+                          <a:solidFill>
+                            <a:srgbClr val="000000"/>
+                          </a:solidFill>
+                          <a:effectLst/>
+                        </a:rPr>
+                        <a:t> 1</a:t>
+                      </a:r>
+                      <a:endParaRPr lang="en-US" sz="2400" dirty="0">
+                        <a:effectLst/>
+                        <a:latin typeface="Cambria" panose="02040503050406030204" pitchFamily="18" charset="0"/>
+                        <a:ea typeface="MS Mincho" panose="02020609040205080304" pitchFamily="49" charset="-128"/>
+                        <a:cs typeface="Times New Roman" panose="02020603050405020304" pitchFamily="18" charset="0"/>
+                      </a:endParaRPr>
+                    </a:p>
+                  </a:txBody>
+                  <a:tcPr marL="68580" marR="68580" marT="0" marB="0"/>
+                </a:tc>
+                <a:tc>
+                  <a:txBody>
+                    <a:bodyPr/>
+                    <a:lstStyle/>
+                    <a:p>
+                      <a:pPr marL="0" marR="0">
+                        <a:lnSpc>
+                          <a:spcPct val="115000"/>
+                        </a:lnSpc>
+                        <a:spcAft>
+                          <a:spcPts val="1000"/>
+                        </a:spcAft>
+                      </a:pPr>
+                      <a:r>
+                        <a:rPr lang="en-US" sz="2400" dirty="0">
+                          <a:effectLst/>
+                        </a:rPr>
+                        <a:t>10:15 - 11:00</a:t>
+                      </a:r>
+                      <a:endParaRPr lang="en-US" sz="2400" dirty="0">
+                        <a:effectLst/>
+                        <a:latin typeface="Cambria" panose="02040503050406030204" pitchFamily="18" charset="0"/>
+                        <a:ea typeface="MS Mincho" panose="02020609040205080304" pitchFamily="49" charset="-128"/>
+                        <a:cs typeface="Times New Roman" panose="02020603050405020304" pitchFamily="18" charset="0"/>
+                      </a:endParaRPr>
+                    </a:p>
+                  </a:txBody>
+                  <a:tcPr marL="68580" marR="68580" marT="0" marB="0"/>
+                </a:tc>
+                <a:tc>
+                  <a:txBody>
+                    <a:bodyPr/>
+                    <a:lstStyle/>
+                    <a:p>
+                      <a:pPr marL="0" marR="0">
+                        <a:lnSpc>
+                          <a:spcPct val="115000"/>
+                        </a:lnSpc>
+                        <a:spcAft>
+                          <a:spcPts val="1000"/>
+                        </a:spcAft>
+                      </a:pPr>
+                      <a:r>
+                        <a:rPr lang="fr-FR" sz="2400" dirty="0">
+                          <a:effectLst/>
+                        </a:rPr>
+                        <a:t>Élaboration d'une Question de Recherche</a:t>
+                      </a:r>
+                    </a:p>
+                    <a:p>
+                      <a:pPr marL="0" marR="0">
+                        <a:lnSpc>
+                          <a:spcPct val="115000"/>
+                        </a:lnSpc>
+                        <a:spcAft>
+                          <a:spcPts val="1000"/>
+                        </a:spcAft>
+                      </a:pPr>
+                      <a:r>
+                        <a:rPr lang="fr-FR" sz="2400" dirty="0">
+                          <a:effectLst/>
+                        </a:rPr>
+                        <a:t>(</a:t>
+                      </a:r>
+                      <a:r>
+                        <a:rPr lang="fr-FR" sz="2400" b="1" i="1" dirty="0">
+                          <a:effectLst/>
+                        </a:rPr>
+                        <a:t>Dr. Idiatou Diallo</a:t>
+                      </a:r>
+                      <a:r>
+                        <a:rPr lang="fr-FR" sz="2400" dirty="0">
+                          <a:effectLst/>
+                        </a:rPr>
+                        <a:t>)</a:t>
+                      </a:r>
+                      <a:endParaRPr lang="en-US" sz="2400" dirty="0">
+                        <a:effectLst/>
+                        <a:latin typeface="Cambria" panose="02040503050406030204" pitchFamily="18" charset="0"/>
+                        <a:ea typeface="MS Mincho" panose="02020609040205080304" pitchFamily="49" charset="-128"/>
+                        <a:cs typeface="Times New Roman" panose="02020603050405020304" pitchFamily="18" charset="0"/>
+                      </a:endParaRPr>
+                    </a:p>
+                  </a:txBody>
+                  <a:tcPr marL="68580" marR="68580" marT="0" marB="0"/>
+                </a:tc>
+                <a:tc>
+                  <a:txBody>
+                    <a:bodyPr/>
+                    <a:lstStyle/>
+                    <a:p>
+                      <a:pPr marL="0" marR="0">
+                        <a:lnSpc>
+                          <a:spcPct val="115000"/>
+                        </a:lnSpc>
+                        <a:spcAft>
+                          <a:spcPts val="1000"/>
+                        </a:spcAft>
+                      </a:pPr>
+                      <a:r>
+                        <a:rPr lang="fr-FR" sz="2400" dirty="0">
+                          <a:effectLst/>
+                        </a:rPr>
+                        <a:t>Utilisation du cadre PICOS pour les revues systématiques et PCC pour les revues de portée/</a:t>
+                      </a:r>
+                      <a:r>
+                        <a:rPr lang="fr-FR" sz="2400" dirty="0" err="1">
+                          <a:effectLst/>
+                        </a:rPr>
+                        <a:t>scoping</a:t>
+                      </a:r>
+                      <a:endParaRPr lang="en-US" sz="2400" dirty="0">
+                        <a:effectLst/>
+                        <a:latin typeface="Cambria" panose="02040503050406030204" pitchFamily="18" charset="0"/>
+                        <a:ea typeface="MS Mincho" panose="02020609040205080304" pitchFamily="49" charset="-128"/>
+                        <a:cs typeface="Times New Roman" panose="02020603050405020304" pitchFamily="18" charset="0"/>
+                      </a:endParaRPr>
+                    </a:p>
+                  </a:txBody>
+                  <a:tcPr marL="68580" marR="68580" marT="0" marB="0"/>
+                </a:tc>
+                <a:extLst>
+                  <a:ext uri="{0D108BD9-81ED-4DB2-BD59-A6C34878D82A}">
+                    <a16:rowId xmlns:a16="http://schemas.microsoft.com/office/drawing/2014/main" val="919470939"/>
+                  </a:ext>
+                </a:extLst>
+              </a:tr>
+              <a:tr h="411502">
+                <a:tc>
+                  <a:txBody>
+                    <a:bodyPr/>
+                    <a:lstStyle/>
+                    <a:p>
+                      <a:pPr marL="0" marR="0">
+                        <a:lnSpc>
+                          <a:spcPct val="115000"/>
+                        </a:lnSpc>
+                        <a:spcAft>
+                          <a:spcPts val="1000"/>
+                        </a:spcAft>
+                      </a:pPr>
+                      <a:r>
+                        <a:rPr lang="en-US" sz="2400" b="1" dirty="0">
+                          <a:solidFill>
+                            <a:srgbClr val="000000"/>
+                          </a:solidFill>
+                          <a:effectLst/>
+                          <a:hlinkClick r:id="rId6" action="ppaction://hlinksldjump"/>
+                        </a:rPr>
+                        <a:t>Jour 1</a:t>
+                      </a:r>
+                      <a:endParaRPr lang="en-US" sz="2400" dirty="0">
+                        <a:effectLst/>
+                        <a:latin typeface="Cambria" panose="02040503050406030204" pitchFamily="18" charset="0"/>
+                        <a:ea typeface="MS Mincho" panose="02020609040205080304" pitchFamily="49" charset="-128"/>
+                        <a:cs typeface="Times New Roman" panose="02020603050405020304" pitchFamily="18" charset="0"/>
+                      </a:endParaRPr>
+                    </a:p>
+                  </a:txBody>
+                  <a:tcPr marL="68580" marR="68580" marT="0" marB="0"/>
+                </a:tc>
+                <a:tc>
+                  <a:txBody>
+                    <a:bodyPr/>
+                    <a:lstStyle/>
+                    <a:p>
+                      <a:pPr marL="0" marR="0">
+                        <a:lnSpc>
+                          <a:spcPct val="115000"/>
+                        </a:lnSpc>
+                        <a:spcAft>
+                          <a:spcPts val="1000"/>
+                        </a:spcAft>
+                      </a:pPr>
+                      <a:r>
+                        <a:rPr lang="en-US" sz="2400">
+                          <a:effectLst/>
+                        </a:rPr>
+                        <a:t>11:00 - 11:15</a:t>
+                      </a:r>
+                      <a:endParaRPr lang="en-US" sz="2400">
+                        <a:effectLst/>
+                        <a:latin typeface="Cambria" panose="02040503050406030204" pitchFamily="18" charset="0"/>
+                        <a:ea typeface="MS Mincho" panose="02020609040205080304" pitchFamily="49" charset="-128"/>
+                        <a:cs typeface="Times New Roman" panose="02020603050405020304" pitchFamily="18" charset="0"/>
+                      </a:endParaRPr>
+                    </a:p>
+                  </a:txBody>
+                  <a:tcPr marL="68580" marR="68580" marT="0" marB="0"/>
+                </a:tc>
+                <a:tc>
+                  <a:txBody>
+                    <a:bodyPr/>
+                    <a:lstStyle/>
+                    <a:p>
+                      <a:pPr marL="0" marR="0">
+                        <a:lnSpc>
+                          <a:spcPct val="115000"/>
+                        </a:lnSpc>
+                        <a:spcAft>
+                          <a:spcPts val="1000"/>
+                        </a:spcAft>
+                      </a:pPr>
+                      <a:r>
+                        <a:rPr lang="en-US" sz="2400" b="1" dirty="0">
+                          <a:effectLst/>
+                        </a:rPr>
+                        <a:t>Pause</a:t>
+                      </a:r>
+                      <a:endParaRPr lang="en-US" sz="2400" b="1" dirty="0">
+                        <a:effectLst/>
+                        <a:latin typeface="Cambria" panose="02040503050406030204" pitchFamily="18" charset="0"/>
+                        <a:ea typeface="MS Mincho" panose="02020609040205080304" pitchFamily="49" charset="-128"/>
+                        <a:cs typeface="Times New Roman" panose="02020603050405020304" pitchFamily="18" charset="0"/>
+                      </a:endParaRPr>
+                    </a:p>
+                  </a:txBody>
+                  <a:tcPr marL="68580" marR="68580" marT="0" marB="0"/>
+                </a:tc>
+                <a:tc>
+                  <a:txBody>
+                    <a:bodyPr/>
+                    <a:lstStyle/>
+                    <a:p>
+                      <a:pPr marL="0" marR="0">
+                        <a:lnSpc>
+                          <a:spcPct val="115000"/>
+                        </a:lnSpc>
+                        <a:spcAft>
+                          <a:spcPts val="1000"/>
+                        </a:spcAft>
+                      </a:pPr>
+                      <a:r>
+                        <a:rPr lang="en-US" sz="2400">
+                          <a:effectLst/>
+                        </a:rPr>
+                        <a:t> </a:t>
+                      </a:r>
+                      <a:endParaRPr lang="en-US" sz="2400">
+                        <a:effectLst/>
+                        <a:latin typeface="Cambria" panose="02040503050406030204" pitchFamily="18" charset="0"/>
+                        <a:ea typeface="MS Mincho" panose="02020609040205080304" pitchFamily="49" charset="-128"/>
+                        <a:cs typeface="Times New Roman" panose="02020603050405020304" pitchFamily="18" charset="0"/>
+                      </a:endParaRPr>
+                    </a:p>
+                  </a:txBody>
+                  <a:tcPr marL="68580" marR="68580" marT="0" marB="0"/>
+                </a:tc>
+                <a:extLst>
+                  <a:ext uri="{0D108BD9-81ED-4DB2-BD59-A6C34878D82A}">
+                    <a16:rowId xmlns:a16="http://schemas.microsoft.com/office/drawing/2014/main" val="3363686074"/>
+                  </a:ext>
+                </a:extLst>
+              </a:tr>
+              <a:tr h="1376565">
+                <a:tc>
+                  <a:txBody>
+                    <a:bodyPr/>
+                    <a:lstStyle/>
+                    <a:p>
+                      <a:pPr marL="0" marR="0">
+                        <a:lnSpc>
+                          <a:spcPct val="115000"/>
+                        </a:lnSpc>
+                        <a:spcAft>
+                          <a:spcPts val="1000"/>
+                        </a:spcAft>
+                      </a:pPr>
+                      <a:r>
+                        <a:rPr lang="en-US" sz="2400" b="1" dirty="0">
+                          <a:solidFill>
+                            <a:srgbClr val="000000"/>
+                          </a:solidFill>
+                          <a:effectLst/>
+                          <a:hlinkClick r:id="rId7" action="ppaction://hlinksldjump"/>
+                        </a:rPr>
+                        <a:t>Jour 1</a:t>
+                      </a:r>
+                      <a:endParaRPr lang="en-US" sz="2400" dirty="0">
+                        <a:effectLst/>
+                        <a:latin typeface="Cambria" panose="02040503050406030204" pitchFamily="18" charset="0"/>
+                        <a:ea typeface="MS Mincho" panose="02020609040205080304" pitchFamily="49" charset="-128"/>
+                        <a:cs typeface="Times New Roman" panose="02020603050405020304" pitchFamily="18" charset="0"/>
+                      </a:endParaRPr>
+                    </a:p>
+                  </a:txBody>
+                  <a:tcPr marL="68580" marR="68580" marT="0" marB="0"/>
+                </a:tc>
+                <a:tc>
+                  <a:txBody>
+                    <a:bodyPr/>
+                    <a:lstStyle/>
+                    <a:p>
+                      <a:pPr marL="0" marR="0">
+                        <a:lnSpc>
+                          <a:spcPct val="115000"/>
+                        </a:lnSpc>
+                        <a:spcAft>
+                          <a:spcPts val="1000"/>
+                        </a:spcAft>
+                      </a:pPr>
+                      <a:r>
+                        <a:rPr lang="en-US" sz="2400" dirty="0">
+                          <a:effectLst/>
+                        </a:rPr>
+                        <a:t>11:15 - 12:15</a:t>
+                      </a:r>
+                      <a:endParaRPr lang="en-US" sz="2400" dirty="0">
+                        <a:effectLst/>
+                        <a:latin typeface="Cambria" panose="02040503050406030204" pitchFamily="18" charset="0"/>
+                        <a:ea typeface="MS Mincho" panose="02020609040205080304" pitchFamily="49" charset="-128"/>
+                        <a:cs typeface="Times New Roman" panose="02020603050405020304" pitchFamily="18" charset="0"/>
+                      </a:endParaRPr>
+                    </a:p>
+                  </a:txBody>
+                  <a:tcPr marL="68580" marR="68580" marT="0" marB="0"/>
+                </a:tc>
+                <a:tc>
+                  <a:txBody>
+                    <a:bodyPr/>
+                    <a:lstStyle/>
+                    <a:p>
+                      <a:pPr marL="0" marR="0">
+                        <a:lnSpc>
+                          <a:spcPct val="115000"/>
+                        </a:lnSpc>
+                        <a:spcAft>
+                          <a:spcPts val="1000"/>
+                        </a:spcAft>
+                      </a:pPr>
+                      <a:r>
+                        <a:rPr lang="en-US" sz="2400" dirty="0">
+                          <a:effectLst/>
+                        </a:rPr>
+                        <a:t>Développement du </a:t>
+                      </a:r>
+                      <a:r>
+                        <a:rPr lang="en-US" sz="2400" dirty="0" err="1">
+                          <a:effectLst/>
+                        </a:rPr>
+                        <a:t>Protocole</a:t>
+                      </a:r>
+                      <a:endParaRPr lang="en-US" sz="2400" dirty="0">
+                        <a:effectLst/>
+                      </a:endParaRPr>
+                    </a:p>
+                    <a:p>
+                      <a:pPr marL="0" marR="0" lvl="0" indent="0" algn="l" defTabSz="914400" rtl="0" eaLnBrk="1" fontAlgn="auto" latinLnBrk="0" hangingPunct="1">
+                        <a:lnSpc>
+                          <a:spcPct val="115000"/>
+                        </a:lnSpc>
+                        <a:spcBef>
+                          <a:spcPts val="0"/>
+                        </a:spcBef>
+                        <a:spcAft>
+                          <a:spcPts val="1000"/>
+                        </a:spcAft>
+                        <a:buClrTx/>
+                        <a:buSzTx/>
+                        <a:buFontTx/>
+                        <a:buNone/>
+                        <a:tabLst/>
+                        <a:defRPr/>
+                      </a:pPr>
+                      <a:r>
+                        <a:rPr lang="fr-FR" sz="2400" dirty="0">
+                          <a:effectLst/>
+                        </a:rPr>
+                        <a:t>(</a:t>
+                      </a:r>
+                      <a:r>
+                        <a:rPr lang="fr-FR" sz="2400" b="1" i="1" dirty="0">
+                          <a:effectLst/>
+                        </a:rPr>
+                        <a:t>Dr. Idiatou Diallo)</a:t>
+                      </a:r>
+                      <a:endParaRPr lang="en-US" sz="2400" dirty="0">
+                        <a:effectLst/>
+                        <a:latin typeface="Cambria" panose="02040503050406030204" pitchFamily="18" charset="0"/>
+                        <a:ea typeface="MS Mincho" panose="02020609040205080304" pitchFamily="49" charset="-128"/>
+                        <a:cs typeface="Times New Roman" panose="02020603050405020304" pitchFamily="18" charset="0"/>
+                      </a:endParaRPr>
+                    </a:p>
+                  </a:txBody>
+                  <a:tcPr marL="68580" marR="68580" marT="0" marB="0"/>
+                </a:tc>
+                <a:tc>
+                  <a:txBody>
+                    <a:bodyPr/>
+                    <a:lstStyle/>
+                    <a:p>
+                      <a:pPr marL="0" marR="0">
+                        <a:lnSpc>
+                          <a:spcPct val="115000"/>
+                        </a:lnSpc>
+                        <a:spcAft>
+                          <a:spcPts val="1000"/>
+                        </a:spcAft>
+                      </a:pPr>
+                      <a:r>
+                        <a:rPr lang="fr-FR" sz="2400" dirty="0">
+                          <a:effectLst/>
+                        </a:rPr>
+                        <a:t>Aperçu de PRISMA-P pour les revues systématiques et PRISMA-</a:t>
+                      </a:r>
+                      <a:r>
+                        <a:rPr lang="fr-FR" sz="2400" dirty="0" err="1">
+                          <a:effectLst/>
+                        </a:rPr>
+                        <a:t>ScR</a:t>
+                      </a:r>
+                      <a:r>
+                        <a:rPr lang="fr-FR" sz="2400" dirty="0">
+                          <a:effectLst/>
+                        </a:rPr>
+                        <a:t> pour les revues de portée/</a:t>
+                      </a:r>
+                      <a:r>
+                        <a:rPr lang="fr-FR" sz="2400" dirty="0" err="1">
+                          <a:effectLst/>
+                        </a:rPr>
+                        <a:t>scoping</a:t>
+                      </a:r>
+                      <a:endParaRPr lang="en-US" sz="2400" dirty="0">
+                        <a:effectLst/>
+                        <a:latin typeface="Cambria" panose="02040503050406030204" pitchFamily="18" charset="0"/>
+                        <a:ea typeface="MS Mincho" panose="02020609040205080304" pitchFamily="49" charset="-128"/>
+                        <a:cs typeface="Times New Roman" panose="02020603050405020304" pitchFamily="18" charset="0"/>
+                      </a:endParaRPr>
+                    </a:p>
+                  </a:txBody>
+                  <a:tcPr marL="68580" marR="68580" marT="0" marB="0"/>
+                </a:tc>
+                <a:extLst>
+                  <a:ext uri="{0D108BD9-81ED-4DB2-BD59-A6C34878D82A}">
+                    <a16:rowId xmlns:a16="http://schemas.microsoft.com/office/drawing/2014/main" val="4067401890"/>
+                  </a:ext>
+                </a:extLst>
+              </a:tr>
+              <a:tr h="411502">
+                <a:tc>
+                  <a:txBody>
+                    <a:bodyPr/>
+                    <a:lstStyle/>
+                    <a:p>
+                      <a:pPr marL="0" marR="0">
+                        <a:lnSpc>
+                          <a:spcPct val="115000"/>
+                        </a:lnSpc>
+                        <a:spcAft>
+                          <a:spcPts val="1000"/>
+                        </a:spcAft>
+                      </a:pPr>
+                      <a:r>
+                        <a:rPr lang="en-US" sz="2400" b="1" dirty="0">
+                          <a:solidFill>
+                            <a:srgbClr val="000000"/>
+                          </a:solidFill>
+                          <a:effectLst/>
+                          <a:hlinkClick r:id="rId8" action="ppaction://hlinksldjump"/>
+                        </a:rPr>
+                        <a:t>Jour 1</a:t>
+                      </a:r>
+                      <a:endParaRPr lang="en-US" sz="2400" dirty="0">
+                        <a:effectLst/>
+                        <a:latin typeface="Cambria" panose="02040503050406030204" pitchFamily="18" charset="0"/>
+                        <a:ea typeface="MS Mincho" panose="02020609040205080304" pitchFamily="49" charset="-128"/>
+                        <a:cs typeface="Times New Roman" panose="02020603050405020304" pitchFamily="18" charset="0"/>
+                      </a:endParaRPr>
+                    </a:p>
+                  </a:txBody>
+                  <a:tcPr marL="68580" marR="68580" marT="0" marB="0"/>
+                </a:tc>
+                <a:tc>
+                  <a:txBody>
+                    <a:bodyPr/>
+                    <a:lstStyle/>
+                    <a:p>
+                      <a:pPr marL="0" marR="0">
+                        <a:lnSpc>
+                          <a:spcPct val="115000"/>
+                        </a:lnSpc>
+                        <a:spcAft>
+                          <a:spcPts val="1000"/>
+                        </a:spcAft>
+                      </a:pPr>
+                      <a:r>
+                        <a:rPr lang="en-US" sz="2400">
+                          <a:effectLst/>
+                        </a:rPr>
+                        <a:t>12:15 - 13:00</a:t>
+                      </a:r>
+                      <a:endParaRPr lang="en-US" sz="2400">
+                        <a:effectLst/>
+                        <a:latin typeface="Cambria" panose="02040503050406030204" pitchFamily="18" charset="0"/>
+                        <a:ea typeface="MS Mincho" panose="02020609040205080304" pitchFamily="49" charset="-128"/>
+                        <a:cs typeface="Times New Roman" panose="02020603050405020304" pitchFamily="18" charset="0"/>
+                      </a:endParaRPr>
+                    </a:p>
+                  </a:txBody>
+                  <a:tcPr marL="68580" marR="68580" marT="0" marB="0"/>
+                </a:tc>
+                <a:tc>
+                  <a:txBody>
+                    <a:bodyPr/>
+                    <a:lstStyle/>
+                    <a:p>
+                      <a:pPr marL="0" marR="0">
+                        <a:lnSpc>
+                          <a:spcPct val="115000"/>
+                        </a:lnSpc>
+                        <a:spcAft>
+                          <a:spcPts val="1000"/>
+                        </a:spcAft>
+                      </a:pPr>
+                      <a:r>
+                        <a:rPr lang="en-US" sz="2400" b="1" dirty="0">
+                          <a:effectLst/>
+                        </a:rPr>
+                        <a:t>Déjeuner</a:t>
+                      </a:r>
+                      <a:endParaRPr lang="en-US" sz="2400" b="1" dirty="0">
+                        <a:effectLst/>
+                        <a:latin typeface="Cambria" panose="02040503050406030204" pitchFamily="18" charset="0"/>
+                        <a:ea typeface="MS Mincho" panose="02020609040205080304" pitchFamily="49" charset="-128"/>
+                        <a:cs typeface="Times New Roman" panose="02020603050405020304" pitchFamily="18" charset="0"/>
+                      </a:endParaRPr>
+                    </a:p>
+                  </a:txBody>
+                  <a:tcPr marL="68580" marR="68580" marT="0" marB="0"/>
+                </a:tc>
+                <a:tc>
+                  <a:txBody>
+                    <a:bodyPr/>
+                    <a:lstStyle/>
+                    <a:p>
+                      <a:pPr marL="0" marR="0">
+                        <a:lnSpc>
+                          <a:spcPct val="115000"/>
+                        </a:lnSpc>
+                        <a:spcAft>
+                          <a:spcPts val="1000"/>
+                        </a:spcAft>
+                      </a:pPr>
+                      <a:r>
+                        <a:rPr lang="en-US" sz="2400">
+                          <a:effectLst/>
+                        </a:rPr>
+                        <a:t> </a:t>
+                      </a:r>
+                      <a:endParaRPr lang="en-US" sz="2400">
+                        <a:effectLst/>
+                        <a:latin typeface="Cambria" panose="02040503050406030204" pitchFamily="18" charset="0"/>
+                        <a:ea typeface="MS Mincho" panose="02020609040205080304" pitchFamily="49" charset="-128"/>
+                        <a:cs typeface="Times New Roman" panose="02020603050405020304" pitchFamily="18" charset="0"/>
+                      </a:endParaRPr>
+                    </a:p>
+                  </a:txBody>
+                  <a:tcPr marL="68580" marR="68580" marT="0" marB="0"/>
+                </a:tc>
+                <a:extLst>
+                  <a:ext uri="{0D108BD9-81ED-4DB2-BD59-A6C34878D82A}">
+                    <a16:rowId xmlns:a16="http://schemas.microsoft.com/office/drawing/2014/main" val="3502867343"/>
+                  </a:ext>
+                </a:extLst>
+              </a:tr>
+              <a:tr h="1761121">
+                <a:tc>
+                  <a:txBody>
+                    <a:bodyPr/>
+                    <a:lstStyle/>
+                    <a:p>
+                      <a:pPr marL="0" marR="0">
+                        <a:lnSpc>
+                          <a:spcPct val="115000"/>
+                        </a:lnSpc>
+                        <a:spcAft>
+                          <a:spcPts val="1000"/>
+                        </a:spcAft>
+                      </a:pPr>
+                      <a:r>
+                        <a:rPr lang="en-US" sz="2400" b="1" dirty="0">
+                          <a:solidFill>
+                            <a:srgbClr val="000000"/>
+                          </a:solidFill>
+                          <a:effectLst/>
+                          <a:hlinkClick r:id="rId9" action="ppaction://hlinksldjump"/>
+                        </a:rPr>
+                        <a:t>Jour 1</a:t>
+                      </a:r>
+                      <a:endParaRPr lang="en-US" sz="2400" dirty="0">
+                        <a:effectLst/>
+                        <a:latin typeface="Cambria" panose="02040503050406030204" pitchFamily="18" charset="0"/>
+                        <a:ea typeface="MS Mincho" panose="02020609040205080304" pitchFamily="49" charset="-128"/>
+                        <a:cs typeface="Times New Roman" panose="02020603050405020304" pitchFamily="18" charset="0"/>
+                      </a:endParaRPr>
+                    </a:p>
+                  </a:txBody>
+                  <a:tcPr marL="68580" marR="68580" marT="0" marB="0"/>
+                </a:tc>
+                <a:tc>
+                  <a:txBody>
+                    <a:bodyPr/>
+                    <a:lstStyle/>
+                    <a:p>
+                      <a:pPr marL="0" marR="0">
+                        <a:lnSpc>
+                          <a:spcPct val="115000"/>
+                        </a:lnSpc>
+                        <a:spcAft>
+                          <a:spcPts val="1000"/>
+                        </a:spcAft>
+                      </a:pPr>
+                      <a:r>
+                        <a:rPr lang="en-US" sz="2400">
+                          <a:effectLst/>
+                        </a:rPr>
+                        <a:t>13:00 - 15:00</a:t>
+                      </a:r>
+                      <a:endParaRPr lang="en-US" sz="2400">
+                        <a:effectLst/>
+                        <a:latin typeface="Cambria" panose="02040503050406030204" pitchFamily="18" charset="0"/>
+                        <a:ea typeface="MS Mincho" panose="02020609040205080304" pitchFamily="49" charset="-128"/>
+                        <a:cs typeface="Times New Roman" panose="02020603050405020304" pitchFamily="18" charset="0"/>
+                      </a:endParaRPr>
+                    </a:p>
+                  </a:txBody>
+                  <a:tcPr marL="68580" marR="68580" marT="0" marB="0"/>
+                </a:tc>
+                <a:tc>
+                  <a:txBody>
+                    <a:bodyPr/>
+                    <a:lstStyle/>
+                    <a:p>
+                      <a:pPr marL="0" marR="0">
+                        <a:lnSpc>
+                          <a:spcPct val="115000"/>
+                        </a:lnSpc>
+                        <a:spcAft>
+                          <a:spcPts val="1000"/>
+                        </a:spcAft>
+                      </a:pPr>
+                      <a:r>
+                        <a:rPr lang="fr-FR" sz="2400" dirty="0">
+                          <a:effectLst/>
+                        </a:rPr>
+                        <a:t>Élaboration d'une Stratégie de Recherche et </a:t>
+                      </a:r>
+                      <a:r>
+                        <a:rPr lang="en-US" sz="2400" dirty="0">
+                          <a:effectLst/>
+                          <a:latin typeface="Cambria" panose="02040503050406030204" pitchFamily="18" charset="0"/>
+                          <a:ea typeface="MS Mincho" panose="02020609040205080304" pitchFamily="49" charset="-128"/>
+                          <a:cs typeface="Times New Roman" panose="02020603050405020304" pitchFamily="18" charset="0"/>
+                        </a:rPr>
+                        <a:t>Demo PubMed </a:t>
+                      </a:r>
+                      <a:endParaRPr lang="fr-FR" sz="2400" dirty="0">
+                        <a:effectLst/>
+                      </a:endParaRPr>
+                    </a:p>
+                    <a:p>
+                      <a:pPr marL="0" marR="0">
+                        <a:lnSpc>
+                          <a:spcPct val="115000"/>
+                        </a:lnSpc>
+                        <a:spcAft>
+                          <a:spcPts val="1000"/>
+                        </a:spcAft>
+                      </a:pPr>
+                      <a:r>
+                        <a:rPr lang="fr-FR" sz="2400" i="1" dirty="0">
+                          <a:effectLst/>
+                          <a:latin typeface="Cambria" panose="02040503050406030204" pitchFamily="18" charset="0"/>
+                          <a:ea typeface="MS Mincho" panose="02020609040205080304" pitchFamily="49" charset="-128"/>
+                          <a:cs typeface="Times New Roman" panose="02020603050405020304" pitchFamily="18" charset="0"/>
+                        </a:rPr>
+                        <a:t>(</a:t>
+                      </a:r>
+                      <a:r>
+                        <a:rPr lang="fr-FR" sz="2400" b="1" i="1" dirty="0">
+                          <a:effectLst/>
+                          <a:latin typeface="Cambria" panose="02040503050406030204" pitchFamily="18" charset="0"/>
+                          <a:ea typeface="MS Mincho" panose="02020609040205080304" pitchFamily="49" charset="-128"/>
+                          <a:cs typeface="Times New Roman" panose="02020603050405020304" pitchFamily="18" charset="0"/>
+                        </a:rPr>
+                        <a:t>Prof Yaya Togo  </a:t>
+                      </a:r>
+                      <a:r>
+                        <a:rPr lang="fr-FR" sz="2400" b="0" i="0" dirty="0">
+                          <a:effectLst/>
+                          <a:latin typeface="Cambria" panose="02040503050406030204" pitchFamily="18" charset="0"/>
+                          <a:ea typeface="MS Mincho" panose="02020609040205080304" pitchFamily="49" charset="-128"/>
+                          <a:cs typeface="Times New Roman" panose="02020603050405020304" pitchFamily="18" charset="0"/>
+                        </a:rPr>
+                        <a:t>[Lecture] </a:t>
+                      </a:r>
+                      <a:r>
+                        <a:rPr lang="fr-FR" sz="2400" b="1" i="1" dirty="0">
+                          <a:effectLst/>
+                          <a:latin typeface="Cambria" panose="02040503050406030204" pitchFamily="18" charset="0"/>
+                          <a:ea typeface="MS Mincho" panose="02020609040205080304" pitchFamily="49" charset="-128"/>
+                          <a:cs typeface="Times New Roman" panose="02020603050405020304" pitchFamily="18" charset="0"/>
+                        </a:rPr>
+                        <a:t>&amp; </a:t>
+                      </a:r>
+                      <a:r>
+                        <a:rPr lang="fr-FR" sz="2400" b="1" i="1" dirty="0">
+                          <a:effectLst/>
+                        </a:rPr>
+                        <a:t>Dr. Idiatou Diallo </a:t>
+                      </a:r>
+                      <a:r>
+                        <a:rPr lang="fr-FR" sz="2400" b="0" i="0" dirty="0">
+                          <a:effectLst/>
+                        </a:rPr>
+                        <a:t>[</a:t>
+                      </a:r>
+                      <a:r>
+                        <a:rPr lang="fr-FR" sz="2400" b="0" i="0" dirty="0" err="1">
+                          <a:effectLst/>
+                        </a:rPr>
+                        <a:t>Demo</a:t>
+                      </a:r>
+                      <a:r>
+                        <a:rPr lang="fr-FR" sz="2400" b="0" i="0" dirty="0">
+                          <a:effectLst/>
+                        </a:rPr>
+                        <a:t>]</a:t>
+                      </a:r>
+                      <a:r>
+                        <a:rPr lang="fr-FR" sz="2400" dirty="0">
+                          <a:effectLst/>
+                        </a:rPr>
+                        <a:t>)</a:t>
+                      </a:r>
+                      <a:endParaRPr lang="en-US" sz="2400" dirty="0">
+                        <a:effectLst/>
+                        <a:latin typeface="Cambria" panose="02040503050406030204" pitchFamily="18" charset="0"/>
+                        <a:ea typeface="MS Mincho" panose="02020609040205080304" pitchFamily="49" charset="-128"/>
+                        <a:cs typeface="Times New Roman" panose="02020603050405020304" pitchFamily="18" charset="0"/>
+                      </a:endParaRPr>
+                    </a:p>
+                  </a:txBody>
+                  <a:tcPr marL="68580" marR="68580" marT="0" marB="0"/>
+                </a:tc>
+                <a:tc>
+                  <a:txBody>
+                    <a:bodyPr/>
+                    <a:lstStyle/>
+                    <a:p>
+                      <a:pPr marL="0" marR="0">
+                        <a:lnSpc>
+                          <a:spcPct val="115000"/>
+                        </a:lnSpc>
+                        <a:spcAft>
+                          <a:spcPts val="1000"/>
+                        </a:spcAft>
+                      </a:pPr>
+                      <a:r>
+                        <a:rPr lang="fr-FR" sz="2400" dirty="0">
+                          <a:effectLst/>
+                        </a:rPr>
+                        <a:t>Création de stratégies de recherche, sélection de mots-clés/opérateurs booléens et choix des bases de données pertinentes</a:t>
+                      </a:r>
+                      <a:endParaRPr lang="en-US" sz="2400" dirty="0">
+                        <a:effectLst/>
+                        <a:latin typeface="Cambria" panose="02040503050406030204" pitchFamily="18" charset="0"/>
+                        <a:ea typeface="MS Mincho" panose="02020609040205080304" pitchFamily="49" charset="-128"/>
+                        <a:cs typeface="Times New Roman" panose="02020603050405020304" pitchFamily="18" charset="0"/>
+                      </a:endParaRPr>
+                    </a:p>
+                  </a:txBody>
+                  <a:tcPr marL="68580" marR="68580" marT="0" marB="0"/>
+                </a:tc>
+                <a:extLst>
+                  <a:ext uri="{0D108BD9-81ED-4DB2-BD59-A6C34878D82A}">
+                    <a16:rowId xmlns:a16="http://schemas.microsoft.com/office/drawing/2014/main" val="4026531000"/>
+                  </a:ext>
+                </a:extLst>
+              </a:tr>
+              <a:tr h="1024955">
+                <a:tc>
+                  <a:txBody>
+                    <a:bodyPr/>
+                    <a:lstStyle/>
+                    <a:p>
+                      <a:pPr marL="0" marR="0">
+                        <a:lnSpc>
+                          <a:spcPct val="115000"/>
+                        </a:lnSpc>
+                        <a:spcAft>
+                          <a:spcPts val="1000"/>
+                        </a:spcAft>
+                      </a:pPr>
+                      <a:r>
+                        <a:rPr lang="en-US" sz="2400" b="1" dirty="0">
+                          <a:solidFill>
+                            <a:srgbClr val="000000"/>
+                          </a:solidFill>
+                          <a:effectLst/>
+                          <a:hlinkClick r:id="rId10" action="ppaction://hlinksldjump"/>
+                        </a:rPr>
+                        <a:t>Jour 1</a:t>
+                      </a:r>
+                      <a:endParaRPr lang="en-US" sz="2400" dirty="0">
+                        <a:effectLst/>
+                        <a:latin typeface="Cambria" panose="02040503050406030204" pitchFamily="18" charset="0"/>
+                        <a:ea typeface="MS Mincho" panose="02020609040205080304" pitchFamily="49" charset="-128"/>
+                        <a:cs typeface="Times New Roman" panose="02020603050405020304" pitchFamily="18" charset="0"/>
+                      </a:endParaRPr>
+                    </a:p>
+                  </a:txBody>
+                  <a:tcPr marL="68580" marR="68580" marT="0" marB="0"/>
+                </a:tc>
+                <a:tc>
+                  <a:txBody>
+                    <a:bodyPr/>
+                    <a:lstStyle/>
+                    <a:p>
+                      <a:pPr marL="0" marR="0">
+                        <a:lnSpc>
+                          <a:spcPct val="115000"/>
+                        </a:lnSpc>
+                        <a:spcAft>
+                          <a:spcPts val="1000"/>
+                        </a:spcAft>
+                      </a:pPr>
+                      <a:r>
+                        <a:rPr lang="en-US" sz="2400" dirty="0">
+                          <a:effectLst/>
+                        </a:rPr>
+                        <a:t>15:00 - 15:30</a:t>
+                      </a:r>
+                      <a:endParaRPr lang="en-US" sz="2400" dirty="0">
+                        <a:effectLst/>
+                        <a:latin typeface="Cambria" panose="02040503050406030204" pitchFamily="18" charset="0"/>
+                        <a:ea typeface="MS Mincho" panose="02020609040205080304" pitchFamily="49" charset="-128"/>
+                        <a:cs typeface="Times New Roman" panose="02020603050405020304" pitchFamily="18" charset="0"/>
+                      </a:endParaRPr>
+                    </a:p>
+                  </a:txBody>
+                  <a:tcPr marL="68580" marR="68580" marT="0" marB="0"/>
+                </a:tc>
+                <a:tc>
+                  <a:txBody>
+                    <a:bodyPr/>
+                    <a:lstStyle/>
+                    <a:p>
+                      <a:pPr marL="0" marR="0">
+                        <a:lnSpc>
+                          <a:spcPct val="115000"/>
+                        </a:lnSpc>
+                        <a:spcAft>
+                          <a:spcPts val="1000"/>
+                        </a:spcAft>
+                      </a:pPr>
+                      <a:r>
+                        <a:rPr lang="en-US" sz="2400" dirty="0">
+                          <a:effectLst/>
+                        </a:rPr>
+                        <a:t>Questions/</a:t>
+                      </a:r>
+                      <a:r>
+                        <a:rPr lang="en-US" sz="2400" dirty="0" err="1">
+                          <a:effectLst/>
+                        </a:rPr>
+                        <a:t>Réponses</a:t>
+                      </a:r>
+                      <a:r>
+                        <a:rPr lang="en-US" sz="2400" dirty="0">
+                          <a:effectLst/>
+                        </a:rPr>
+                        <a:t> et </a:t>
+                      </a:r>
+                      <a:r>
+                        <a:rPr lang="en-US" sz="2400" dirty="0" err="1">
+                          <a:effectLst/>
+                        </a:rPr>
+                        <a:t>Réflexions</a:t>
+                      </a:r>
+                      <a:endParaRPr lang="en-US" sz="2400" dirty="0">
+                        <a:effectLst/>
+                      </a:endParaRPr>
+                    </a:p>
+                    <a:p>
+                      <a:pPr marL="0" marR="0" lvl="0" indent="0" algn="l" defTabSz="914400" rtl="0" eaLnBrk="1" fontAlgn="auto" latinLnBrk="0" hangingPunct="1">
+                        <a:lnSpc>
+                          <a:spcPct val="115000"/>
+                        </a:lnSpc>
+                        <a:spcBef>
+                          <a:spcPts val="0"/>
+                        </a:spcBef>
+                        <a:spcAft>
+                          <a:spcPts val="1000"/>
+                        </a:spcAft>
+                        <a:buClrTx/>
+                        <a:buSzTx/>
+                        <a:buFontTx/>
+                        <a:buNone/>
+                        <a:tabLst/>
+                        <a:defRPr/>
+                      </a:pPr>
+                      <a:r>
+                        <a:rPr lang="fr-FR" sz="2400" dirty="0">
+                          <a:effectLst/>
+                        </a:rPr>
+                        <a:t>(</a:t>
+                      </a:r>
+                      <a:r>
+                        <a:rPr lang="fr-FR" sz="2400" b="1" i="1" dirty="0">
+                          <a:effectLst/>
+                        </a:rPr>
+                        <a:t>Dr. Idiatou Diallo</a:t>
+                      </a:r>
+                      <a:r>
+                        <a:rPr lang="fr-FR" sz="2400" dirty="0">
+                          <a:effectLst/>
+                        </a:rPr>
+                        <a:t>)</a:t>
+                      </a:r>
+                      <a:endParaRPr lang="en-US" sz="2400" dirty="0">
+                        <a:effectLst/>
+                        <a:latin typeface="Cambria" panose="02040503050406030204" pitchFamily="18" charset="0"/>
+                        <a:ea typeface="MS Mincho" panose="02020609040205080304" pitchFamily="49" charset="-128"/>
+                        <a:cs typeface="Times New Roman" panose="02020603050405020304" pitchFamily="18" charset="0"/>
+                      </a:endParaRPr>
+                    </a:p>
+                  </a:txBody>
+                  <a:tcPr marL="68580" marR="68580" marT="0" marB="0"/>
+                </a:tc>
+                <a:tc>
+                  <a:txBody>
+                    <a:bodyPr/>
+                    <a:lstStyle/>
+                    <a:p>
+                      <a:pPr marL="0" marR="0">
+                        <a:lnSpc>
+                          <a:spcPct val="115000"/>
+                        </a:lnSpc>
+                        <a:spcAft>
+                          <a:spcPts val="1000"/>
+                        </a:spcAft>
+                      </a:pPr>
+                      <a:r>
+                        <a:rPr lang="fr-FR" sz="2400" dirty="0">
+                          <a:effectLst/>
+                        </a:rPr>
+                        <a:t>Discussion de groupe sur les sujets du jour 1 et défis individuels</a:t>
+                      </a:r>
+                      <a:endParaRPr lang="en-US" sz="2400" dirty="0">
+                        <a:effectLst/>
+                        <a:latin typeface="Cambria" panose="02040503050406030204" pitchFamily="18" charset="0"/>
+                        <a:ea typeface="MS Mincho" panose="02020609040205080304" pitchFamily="49" charset="-128"/>
+                        <a:cs typeface="Times New Roman" panose="02020603050405020304" pitchFamily="18" charset="0"/>
+                      </a:endParaRPr>
+                    </a:p>
+                  </a:txBody>
+                  <a:tcPr marL="68580" marR="68580" marT="0" marB="0"/>
+                </a:tc>
+                <a:extLst>
+                  <a:ext uri="{0D108BD9-81ED-4DB2-BD59-A6C34878D82A}">
+                    <a16:rowId xmlns:a16="http://schemas.microsoft.com/office/drawing/2014/main" val="4197427548"/>
+                  </a:ext>
+                </a:extLst>
+              </a:tr>
+            </a:tbl>
+          </a:graphicData>
+        </a:graphic>
+      </p:graphicFrame>
+    </p:spTree>
+    <p:extLst>
+      <p:ext uri="{BB962C8B-B14F-4D97-AF65-F5344CB8AC3E}">
+        <p14:creationId xmlns:p14="http://schemas.microsoft.com/office/powerpoint/2010/main" val="1815333758"/>
+      </p:ext>
+    </p:extLst>
+  </p:cSld>
+  <p:clrMapOvr>
+    <a:masterClrMapping/>
+  </p:clrMapOvr>
+</p:sld>
+</file>
+
+<file path=ppt/slides/slide30.xml><?xml version="1.0" encoding="utf-8"?>
 <p:sld xmlns:a="http://schemas.openxmlformats.org/drawingml/2006/main" xmlns:r="http://schemas.openxmlformats.org/officeDocument/2006/relationships" xmlns:p="http://schemas.openxmlformats.org/presentationml/2006/main">
   <p:cSld>
     <p:bg>
@@ -32319,1703 +35183,7 @@
 </p:sld>
 </file>
 
-<file path=ppt/slides/slide3.xml><?xml version="1.0" encoding="utf-8"?>
-<p:sld xmlns:a="http://schemas.openxmlformats.org/drawingml/2006/main" xmlns:r="http://schemas.openxmlformats.org/officeDocument/2006/relationships" xmlns:p="http://schemas.openxmlformats.org/presentationml/2006/main">
-  <p:cSld>
-    <p:bg>
-      <p:bgPr>
-        <a:solidFill>
-          <a:schemeClr val="bg2"/>
-        </a:solidFill>
-        <a:effectLst/>
-      </p:bgPr>
-    </p:bg>
-    <p:spTree>
-      <p:nvGrpSpPr>
-        <p:cNvPr id="1" name=""/>
-        <p:cNvGrpSpPr/>
-        <p:nvPr/>
-      </p:nvGrpSpPr>
-      <p:grpSpPr>
-        <a:xfrm>
-          <a:off x="0" y="0"/>
-          <a:ext cx="0" cy="0"/>
-          <a:chOff x="0" y="0"/>
-          <a:chExt cx="0" cy="0"/>
-        </a:xfrm>
-      </p:grpSpPr>
-      <p:sp>
-        <p:nvSpPr>
-          <p:cNvPr id="2" name="Title 1">
-            <a:extLst>
-              <a:ext uri="{FF2B5EF4-FFF2-40B4-BE49-F238E27FC236}">
-                <a16:creationId xmlns:a16="http://schemas.microsoft.com/office/drawing/2014/main" id="{BD4BD587-3939-9982-FAB0-3AB0C7016109}"/>
-              </a:ext>
-            </a:extLst>
-          </p:cNvPr>
-          <p:cNvSpPr>
-            <a:spLocks noGrp="1"/>
-          </p:cNvSpPr>
-          <p:nvPr>
-            <p:ph type="title"/>
-          </p:nvPr>
-        </p:nvSpPr>
-        <p:spPr>
-          <a:xfrm>
-            <a:off x="685800" y="258659"/>
-            <a:ext cx="16154400" cy="1143000"/>
-          </a:xfrm>
-          <a:solidFill>
-            <a:schemeClr val="bg2"/>
-          </a:solidFill>
-        </p:spPr>
-        <p:txBody>
-          <a:bodyPr>
-            <a:normAutofit/>
-          </a:bodyPr>
-          <a:lstStyle/>
-          <a:p>
-            <a:r>
-              <a:rPr lang="en-US" sz="6600" b="1" dirty="0">
-                <a:latin typeface="Noto Serif Display ExtraCondensed" panose="020B0604020202020204"/>
-                <a:ea typeface="Noto Serif Display ExtraCondensed" panose="020B0604020202020204"/>
-                <a:cs typeface="Noto Serif Display ExtraCondensed" panose="020B0604020202020204"/>
-              </a:rPr>
-              <a:t>PROGRAMME</a:t>
-            </a:r>
-            <a:r>
-              <a:rPr lang="en-US" sz="6600" b="1" dirty="0"/>
-              <a:t> </a:t>
-            </a:r>
-            <a:r>
-              <a:rPr lang="en-US" sz="6600" b="1" dirty="0">
-                <a:latin typeface="Noto Serif Display ExtraCondensed" panose="020B0604020202020204"/>
-                <a:ea typeface="Noto Serif Display ExtraCondensed" panose="020B0604020202020204"/>
-                <a:cs typeface="Noto Serif Display ExtraCondensed" panose="020B0604020202020204"/>
-              </a:rPr>
-              <a:t>DE L’ATELIER</a:t>
-            </a:r>
-          </a:p>
-        </p:txBody>
-      </p:sp>
-      <p:graphicFrame>
-        <p:nvGraphicFramePr>
-          <p:cNvPr id="3" name="Table 2">
-            <a:extLst>
-              <a:ext uri="{FF2B5EF4-FFF2-40B4-BE49-F238E27FC236}">
-                <a16:creationId xmlns:a16="http://schemas.microsoft.com/office/drawing/2014/main" id="{DB70DD09-1E95-BDE0-28DD-22248EB4E5FD}"/>
-              </a:ext>
-            </a:extLst>
-          </p:cNvPr>
-          <p:cNvGraphicFramePr>
-            <a:graphicFrameLocks noGrp="1"/>
-          </p:cNvGraphicFramePr>
-          <p:nvPr>
-            <p:extLst>
-              <p:ext uri="{D42A27DB-BD31-4B8C-83A1-F6EECF244321}">
-                <p14:modId xmlns:p14="http://schemas.microsoft.com/office/powerpoint/2010/main" val="187829850"/>
-              </p:ext>
-            </p:extLst>
-          </p:nvPr>
-        </p:nvGraphicFramePr>
-        <p:xfrm>
-          <a:off x="228600" y="1104900"/>
-          <a:ext cx="17678400" cy="9032549"/>
-        </p:xfrm>
-        <a:graphic>
-          <a:graphicData uri="http://schemas.openxmlformats.org/drawingml/2006/table">
-            <a:tbl>
-              <a:tblPr firstRow="1" firstCol="1" bandRow="1">
-                <a:tableStyleId>{1FECB4D8-DB02-4DC6-A0A2-4F2EBAE1DC90}</a:tableStyleId>
-              </a:tblPr>
-              <a:tblGrid>
-                <a:gridCol w="2268467">
-                  <a:extLst>
-                    <a:ext uri="{9D8B030D-6E8A-4147-A177-3AD203B41FA5}">
-                      <a16:colId xmlns:a16="http://schemas.microsoft.com/office/drawing/2014/main" val="2108653749"/>
-                    </a:ext>
-                  </a:extLst>
-                </a:gridCol>
-                <a:gridCol w="3050697">
-                  <a:extLst>
-                    <a:ext uri="{9D8B030D-6E8A-4147-A177-3AD203B41FA5}">
-                      <a16:colId xmlns:a16="http://schemas.microsoft.com/office/drawing/2014/main" val="351969896"/>
-                    </a:ext>
-                  </a:extLst>
-                </a:gridCol>
-                <a:gridCol w="5632057">
-                  <a:extLst>
-                    <a:ext uri="{9D8B030D-6E8A-4147-A177-3AD203B41FA5}">
-                      <a16:colId xmlns:a16="http://schemas.microsoft.com/office/drawing/2014/main" val="1107738723"/>
-                    </a:ext>
-                  </a:extLst>
-                </a:gridCol>
-                <a:gridCol w="6727179">
-                  <a:extLst>
-                    <a:ext uri="{9D8B030D-6E8A-4147-A177-3AD203B41FA5}">
-                      <a16:colId xmlns:a16="http://schemas.microsoft.com/office/drawing/2014/main" val="794698219"/>
-                    </a:ext>
-                  </a:extLst>
-                </a:gridCol>
-              </a:tblGrid>
-              <a:tr h="411502">
-                <a:tc>
-                  <a:txBody>
-                    <a:bodyPr/>
-                    <a:lstStyle/>
-                    <a:p>
-                      <a:pPr marL="0" marR="0" algn="l">
-                        <a:lnSpc>
-                          <a:spcPct val="115000"/>
-                        </a:lnSpc>
-                        <a:spcAft>
-                          <a:spcPts val="1000"/>
-                        </a:spcAft>
-                      </a:pPr>
-                      <a:r>
-                        <a:rPr lang="en-US" sz="2400" b="1" dirty="0">
-                          <a:solidFill>
-                            <a:srgbClr val="FFFFFF"/>
-                          </a:solidFill>
-                          <a:effectLst/>
-                        </a:rPr>
-                        <a:t>Jour</a:t>
-                      </a:r>
-                      <a:endParaRPr lang="en-US" sz="2400" dirty="0">
-                        <a:effectLst/>
-                        <a:latin typeface="Cambria" panose="02040503050406030204" pitchFamily="18" charset="0"/>
-                        <a:ea typeface="MS Mincho" panose="02020609040205080304" pitchFamily="49" charset="-128"/>
-                        <a:cs typeface="Times New Roman" panose="02020603050405020304" pitchFamily="18" charset="0"/>
-                      </a:endParaRPr>
-                    </a:p>
-                  </a:txBody>
-                  <a:tcPr marL="68580" marR="68580" marT="0" marB="0">
-                    <a:solidFill>
-                      <a:schemeClr val="accent3">
-                        <a:lumMod val="50000"/>
-                      </a:schemeClr>
-                    </a:solidFill>
-                  </a:tcPr>
-                </a:tc>
-                <a:tc>
-                  <a:txBody>
-                    <a:bodyPr/>
-                    <a:lstStyle/>
-                    <a:p>
-                      <a:pPr marL="0" marR="0" algn="l">
-                        <a:lnSpc>
-                          <a:spcPct val="115000"/>
-                        </a:lnSpc>
-                        <a:spcAft>
-                          <a:spcPts val="1000"/>
-                        </a:spcAft>
-                      </a:pPr>
-                      <a:r>
-                        <a:rPr lang="en-US" sz="2400" b="1" dirty="0" err="1">
-                          <a:solidFill>
-                            <a:srgbClr val="FFFFFF"/>
-                          </a:solidFill>
-                          <a:effectLst/>
-                        </a:rPr>
-                        <a:t>Heure</a:t>
-                      </a:r>
-                      <a:endParaRPr lang="en-US" sz="2400" dirty="0">
-                        <a:effectLst/>
-                        <a:latin typeface="Cambria" panose="02040503050406030204" pitchFamily="18" charset="0"/>
-                        <a:ea typeface="MS Mincho" panose="02020609040205080304" pitchFamily="49" charset="-128"/>
-                        <a:cs typeface="Times New Roman" panose="02020603050405020304" pitchFamily="18" charset="0"/>
-                      </a:endParaRPr>
-                    </a:p>
-                  </a:txBody>
-                  <a:tcPr marL="68580" marR="68580" marT="0" marB="0">
-                    <a:solidFill>
-                      <a:schemeClr val="accent3">
-                        <a:lumMod val="50000"/>
-                      </a:schemeClr>
-                    </a:solidFill>
-                  </a:tcPr>
-                </a:tc>
-                <a:tc>
-                  <a:txBody>
-                    <a:bodyPr/>
-                    <a:lstStyle/>
-                    <a:p>
-                      <a:pPr marL="0" marR="0" algn="l">
-                        <a:lnSpc>
-                          <a:spcPct val="115000"/>
-                        </a:lnSpc>
-                        <a:spcAft>
-                          <a:spcPts val="1000"/>
-                        </a:spcAft>
-                      </a:pPr>
-                      <a:r>
-                        <a:rPr lang="en-US" sz="2400" b="1" dirty="0" err="1">
-                          <a:solidFill>
-                            <a:srgbClr val="FFFFFF"/>
-                          </a:solidFill>
-                          <a:effectLst/>
-                        </a:rPr>
-                        <a:t>Événement</a:t>
-                      </a:r>
-                      <a:endParaRPr lang="en-US" sz="2400" dirty="0">
-                        <a:effectLst/>
-                        <a:latin typeface="Cambria" panose="02040503050406030204" pitchFamily="18" charset="0"/>
-                        <a:ea typeface="MS Mincho" panose="02020609040205080304" pitchFamily="49" charset="-128"/>
-                        <a:cs typeface="Times New Roman" panose="02020603050405020304" pitchFamily="18" charset="0"/>
-                      </a:endParaRPr>
-                    </a:p>
-                  </a:txBody>
-                  <a:tcPr marL="68580" marR="68580" marT="0" marB="0">
-                    <a:solidFill>
-                      <a:schemeClr val="accent3">
-                        <a:lumMod val="50000"/>
-                      </a:schemeClr>
-                    </a:solidFill>
-                  </a:tcPr>
-                </a:tc>
-                <a:tc>
-                  <a:txBody>
-                    <a:bodyPr/>
-                    <a:lstStyle/>
-                    <a:p>
-                      <a:pPr marL="0" marR="0" algn="l">
-                        <a:lnSpc>
-                          <a:spcPct val="115000"/>
-                        </a:lnSpc>
-                        <a:spcAft>
-                          <a:spcPts val="1000"/>
-                        </a:spcAft>
-                      </a:pPr>
-                      <a:r>
-                        <a:rPr lang="en-US" sz="2400" b="1" dirty="0">
-                          <a:solidFill>
-                            <a:srgbClr val="FFFFFF"/>
-                          </a:solidFill>
-                          <a:effectLst/>
-                        </a:rPr>
-                        <a:t>Notes</a:t>
-                      </a:r>
-                      <a:endParaRPr lang="en-US" sz="2400" dirty="0">
-                        <a:effectLst/>
-                        <a:latin typeface="Cambria" panose="02040503050406030204" pitchFamily="18" charset="0"/>
-                        <a:ea typeface="MS Mincho" panose="02020609040205080304" pitchFamily="49" charset="-128"/>
-                        <a:cs typeface="Times New Roman" panose="02020603050405020304" pitchFamily="18" charset="0"/>
-                      </a:endParaRPr>
-                    </a:p>
-                  </a:txBody>
-                  <a:tcPr marL="68580" marR="68580" marT="0" marB="0">
-                    <a:solidFill>
-                      <a:schemeClr val="accent3">
-                        <a:lumMod val="50000"/>
-                      </a:schemeClr>
-                    </a:solidFill>
-                  </a:tcPr>
-                </a:tc>
-                <a:extLst>
-                  <a:ext uri="{0D108BD9-81ED-4DB2-BD59-A6C34878D82A}">
-                    <a16:rowId xmlns:a16="http://schemas.microsoft.com/office/drawing/2014/main" val="3649553123"/>
-                  </a:ext>
-                </a:extLst>
-              </a:tr>
-              <a:tr h="861375">
-                <a:tc>
-                  <a:txBody>
-                    <a:bodyPr/>
-                    <a:lstStyle/>
-                    <a:p>
-                      <a:pPr marL="0" marR="0">
-                        <a:lnSpc>
-                          <a:spcPct val="115000"/>
-                        </a:lnSpc>
-                        <a:spcAft>
-                          <a:spcPts val="1000"/>
-                        </a:spcAft>
-                      </a:pPr>
-                      <a:r>
-                        <a:rPr lang="en-US" sz="2400" b="1" dirty="0">
-                          <a:solidFill>
-                            <a:srgbClr val="000000"/>
-                          </a:solidFill>
-                          <a:effectLst/>
-                          <a:hlinkClick r:id="rId3" action="ppaction://hlinksldjump"/>
-                        </a:rPr>
-                        <a:t>Jour 1</a:t>
-                      </a:r>
-                      <a:endParaRPr lang="en-US" sz="2400" dirty="0">
-                        <a:effectLst/>
-                        <a:latin typeface="Cambria" panose="02040503050406030204" pitchFamily="18" charset="0"/>
-                        <a:ea typeface="MS Mincho" panose="02020609040205080304" pitchFamily="49" charset="-128"/>
-                        <a:cs typeface="Times New Roman" panose="02020603050405020304" pitchFamily="18" charset="0"/>
-                      </a:endParaRPr>
-                    </a:p>
-                  </a:txBody>
-                  <a:tcPr marL="68580" marR="68580" marT="0" marB="0"/>
-                </a:tc>
-                <a:tc>
-                  <a:txBody>
-                    <a:bodyPr/>
-                    <a:lstStyle/>
-                    <a:p>
-                      <a:pPr marL="0" marR="0">
-                        <a:lnSpc>
-                          <a:spcPct val="115000"/>
-                        </a:lnSpc>
-                        <a:spcAft>
-                          <a:spcPts val="1000"/>
-                        </a:spcAft>
-                      </a:pPr>
-                      <a:r>
-                        <a:rPr lang="en-US" sz="2400" dirty="0">
-                          <a:effectLst/>
-                        </a:rPr>
-                        <a:t>9:00 - 9:30</a:t>
-                      </a:r>
-                      <a:endParaRPr lang="en-US" sz="2400" dirty="0">
-                        <a:effectLst/>
-                        <a:latin typeface="Cambria" panose="02040503050406030204" pitchFamily="18" charset="0"/>
-                        <a:ea typeface="MS Mincho" panose="02020609040205080304" pitchFamily="49" charset="-128"/>
-                        <a:cs typeface="Times New Roman" panose="02020603050405020304" pitchFamily="18" charset="0"/>
-                      </a:endParaRPr>
-                    </a:p>
-                  </a:txBody>
-                  <a:tcPr marL="68580" marR="68580" marT="0" marB="0"/>
-                </a:tc>
-                <a:tc>
-                  <a:txBody>
-                    <a:bodyPr/>
-                    <a:lstStyle/>
-                    <a:p>
-                      <a:pPr marL="0" marR="0">
-                        <a:lnSpc>
-                          <a:spcPct val="115000"/>
-                        </a:lnSpc>
-                        <a:spcAft>
-                          <a:spcPts val="1000"/>
-                        </a:spcAft>
-                      </a:pPr>
-                      <a:r>
-                        <a:rPr lang="fr-FR" sz="2400" dirty="0">
-                          <a:effectLst/>
-                        </a:rPr>
-                        <a:t>Bienvenue et Aperçu de l'Atelier </a:t>
-                      </a:r>
-                    </a:p>
-                    <a:p>
-                      <a:pPr marL="0" marR="0">
-                        <a:lnSpc>
-                          <a:spcPct val="115000"/>
-                        </a:lnSpc>
-                        <a:spcAft>
-                          <a:spcPts val="1000"/>
-                        </a:spcAft>
-                      </a:pPr>
-                      <a:r>
-                        <a:rPr lang="fr-FR" sz="2400" dirty="0">
-                          <a:effectLst/>
-                        </a:rPr>
-                        <a:t>(</a:t>
-                      </a:r>
-                      <a:r>
-                        <a:rPr lang="fr-FR" sz="2400" b="1" i="1" dirty="0">
-                          <a:effectLst/>
-                        </a:rPr>
-                        <a:t>Dr. Idiatou Diallo</a:t>
-                      </a:r>
-                      <a:r>
-                        <a:rPr lang="fr-FR" sz="2400" dirty="0">
-                          <a:effectLst/>
-                        </a:rPr>
-                        <a:t>)</a:t>
-                      </a:r>
-                      <a:endParaRPr lang="en-US" sz="2400" dirty="0">
-                        <a:effectLst/>
-                        <a:latin typeface="Cambria" panose="02040503050406030204" pitchFamily="18" charset="0"/>
-                        <a:ea typeface="MS Mincho" panose="02020609040205080304" pitchFamily="49" charset="-128"/>
-                        <a:cs typeface="Times New Roman" panose="02020603050405020304" pitchFamily="18" charset="0"/>
-                      </a:endParaRPr>
-                    </a:p>
-                  </a:txBody>
-                  <a:tcPr marL="68580" marR="68580" marT="0" marB="0"/>
-                </a:tc>
-                <a:tc>
-                  <a:txBody>
-                    <a:bodyPr/>
-                    <a:lstStyle/>
-                    <a:p>
-                      <a:pPr marL="0" marR="0">
-                        <a:lnSpc>
-                          <a:spcPct val="115000"/>
-                        </a:lnSpc>
-                        <a:spcAft>
-                          <a:spcPts val="1000"/>
-                        </a:spcAft>
-                      </a:pPr>
-                      <a:r>
-                        <a:rPr lang="fr-FR" sz="2400" dirty="0">
-                          <a:effectLst/>
-                        </a:rPr>
-                        <a:t>Présentations, objectifs et structure de l'atelier</a:t>
-                      </a:r>
-                      <a:endParaRPr lang="en-US" sz="2400" dirty="0">
-                        <a:effectLst/>
-                        <a:latin typeface="Cambria" panose="02040503050406030204" pitchFamily="18" charset="0"/>
-                        <a:ea typeface="MS Mincho" panose="02020609040205080304" pitchFamily="49" charset="-128"/>
-                        <a:cs typeface="Times New Roman" panose="02020603050405020304" pitchFamily="18" charset="0"/>
-                      </a:endParaRPr>
-                    </a:p>
-                  </a:txBody>
-                  <a:tcPr marL="68580" marR="68580" marT="0" marB="0"/>
-                </a:tc>
-                <a:extLst>
-                  <a:ext uri="{0D108BD9-81ED-4DB2-BD59-A6C34878D82A}">
-                    <a16:rowId xmlns:a16="http://schemas.microsoft.com/office/drawing/2014/main" val="656021347"/>
-                  </a:ext>
-                </a:extLst>
-              </a:tr>
-              <a:tr h="1024955">
-                <a:tc>
-                  <a:txBody>
-                    <a:bodyPr/>
-                    <a:lstStyle/>
-                    <a:p>
-                      <a:pPr marL="0" marR="0">
-                        <a:lnSpc>
-                          <a:spcPct val="115000"/>
-                        </a:lnSpc>
-                        <a:spcAft>
-                          <a:spcPts val="1000"/>
-                        </a:spcAft>
-                      </a:pPr>
-                      <a:r>
-                        <a:rPr lang="en-US" sz="2400" b="1" dirty="0">
-                          <a:solidFill>
-                            <a:srgbClr val="000000"/>
-                          </a:solidFill>
-                          <a:effectLst/>
-                          <a:hlinkClick r:id="rId4" action="ppaction://hlinksldjump"/>
-                        </a:rPr>
-                        <a:t>Jour 1</a:t>
-                      </a:r>
-                      <a:endParaRPr lang="en-US" sz="2400" dirty="0">
-                        <a:effectLst/>
-                        <a:latin typeface="Cambria" panose="02040503050406030204" pitchFamily="18" charset="0"/>
-                        <a:ea typeface="MS Mincho" panose="02020609040205080304" pitchFamily="49" charset="-128"/>
-                        <a:cs typeface="Times New Roman" panose="02020603050405020304" pitchFamily="18" charset="0"/>
-                      </a:endParaRPr>
-                    </a:p>
-                  </a:txBody>
-                  <a:tcPr marL="68580" marR="68580" marT="0" marB="0"/>
-                </a:tc>
-                <a:tc>
-                  <a:txBody>
-                    <a:bodyPr/>
-                    <a:lstStyle/>
-                    <a:p>
-                      <a:pPr marL="0" marR="0">
-                        <a:lnSpc>
-                          <a:spcPct val="115000"/>
-                        </a:lnSpc>
-                        <a:spcAft>
-                          <a:spcPts val="1000"/>
-                        </a:spcAft>
-                      </a:pPr>
-                      <a:r>
-                        <a:rPr lang="en-US" sz="2400" dirty="0">
-                          <a:effectLst/>
-                        </a:rPr>
-                        <a:t>9:30 - 10:15</a:t>
-                      </a:r>
-                      <a:endParaRPr lang="en-US" sz="2400" dirty="0">
-                        <a:effectLst/>
-                        <a:latin typeface="Cambria" panose="02040503050406030204" pitchFamily="18" charset="0"/>
-                        <a:ea typeface="MS Mincho" panose="02020609040205080304" pitchFamily="49" charset="-128"/>
-                        <a:cs typeface="Times New Roman" panose="02020603050405020304" pitchFamily="18" charset="0"/>
-                      </a:endParaRPr>
-                    </a:p>
-                  </a:txBody>
-                  <a:tcPr marL="68580" marR="68580" marT="0" marB="0"/>
-                </a:tc>
-                <a:tc>
-                  <a:txBody>
-                    <a:bodyPr/>
-                    <a:lstStyle/>
-                    <a:p>
-                      <a:pPr marL="0" marR="0">
-                        <a:lnSpc>
-                          <a:spcPct val="115000"/>
-                        </a:lnSpc>
-                        <a:spcAft>
-                          <a:spcPts val="1000"/>
-                        </a:spcAft>
-                      </a:pPr>
-                      <a:r>
-                        <a:rPr lang="fr-FR" sz="2400" dirty="0">
-                          <a:effectLst/>
-                        </a:rPr>
-                        <a:t>Aperçu des Revues de Portée/</a:t>
-                      </a:r>
-                      <a:r>
-                        <a:rPr lang="fr-FR" sz="2400" dirty="0" err="1">
-                          <a:effectLst/>
-                        </a:rPr>
-                        <a:t>Scoping</a:t>
-                      </a:r>
-                      <a:r>
-                        <a:rPr lang="fr-FR" sz="2400" dirty="0">
-                          <a:effectLst/>
-                        </a:rPr>
-                        <a:t> vs. Revues Systématiques</a:t>
-                      </a:r>
-                    </a:p>
-                    <a:p>
-                      <a:pPr marL="0" marR="0" lvl="0" indent="0" algn="l" defTabSz="914400" rtl="0" eaLnBrk="1" fontAlgn="auto" latinLnBrk="0" hangingPunct="1">
-                        <a:lnSpc>
-                          <a:spcPct val="115000"/>
-                        </a:lnSpc>
-                        <a:spcBef>
-                          <a:spcPts val="0"/>
-                        </a:spcBef>
-                        <a:spcAft>
-                          <a:spcPts val="1000"/>
-                        </a:spcAft>
-                        <a:buClrTx/>
-                        <a:buSzTx/>
-                        <a:buFontTx/>
-                        <a:buNone/>
-                        <a:tabLst/>
-                        <a:defRPr/>
-                      </a:pPr>
-                      <a:r>
-                        <a:rPr kumimoji="0" lang="fr-FR" sz="2400" b="0" i="0" u="none" strike="noStrike" kern="1200" cap="none" spc="0" normalizeH="0" baseline="0" noProof="0" dirty="0">
-                          <a:ln>
-                            <a:noFill/>
-                          </a:ln>
-                          <a:solidFill>
-                            <a:prstClr val="black"/>
-                          </a:solidFill>
-                          <a:effectLst/>
-                          <a:uLnTx/>
-                          <a:uFillTx/>
-                          <a:latin typeface="+mn-lt"/>
-                          <a:ea typeface="+mn-ea"/>
-                          <a:cs typeface="+mn-cs"/>
-                        </a:rPr>
-                        <a:t>(</a:t>
-                      </a:r>
-                      <a:r>
-                        <a:rPr kumimoji="0" lang="fr-FR" sz="2400" b="1" i="1" u="none" strike="noStrike" kern="1200" cap="none" spc="0" normalizeH="0" baseline="0" noProof="0" dirty="0">
-                          <a:ln>
-                            <a:noFill/>
-                          </a:ln>
-                          <a:solidFill>
-                            <a:prstClr val="black"/>
-                          </a:solidFill>
-                          <a:effectLst/>
-                          <a:uLnTx/>
-                          <a:uFillTx/>
-                          <a:latin typeface="+mn-lt"/>
-                          <a:ea typeface="+mn-ea"/>
-                          <a:cs typeface="+mn-cs"/>
-                        </a:rPr>
-                        <a:t>Dr. Idiatou Diallo</a:t>
-                      </a:r>
-                      <a:r>
-                        <a:rPr kumimoji="0" lang="fr-FR" sz="2400" b="0" i="0" u="none" strike="noStrike" kern="1200" cap="none" spc="0" normalizeH="0" baseline="0" noProof="0" dirty="0">
-                          <a:ln>
-                            <a:noFill/>
-                          </a:ln>
-                          <a:solidFill>
-                            <a:prstClr val="black"/>
-                          </a:solidFill>
-                          <a:effectLst/>
-                          <a:uLnTx/>
-                          <a:uFillTx/>
-                          <a:latin typeface="+mn-lt"/>
-                          <a:ea typeface="+mn-ea"/>
-                          <a:cs typeface="+mn-cs"/>
-                        </a:rPr>
-                        <a:t>)</a:t>
-                      </a:r>
-                      <a:endParaRPr kumimoji="0" lang="en-US" sz="2400" b="0" i="0" u="none" strike="noStrike" kern="1200" cap="none" spc="0" normalizeH="0" baseline="0" noProof="0" dirty="0">
-                        <a:ln>
-                          <a:noFill/>
-                        </a:ln>
-                        <a:solidFill>
-                          <a:prstClr val="black"/>
-                        </a:solidFill>
-                        <a:effectLst/>
-                        <a:uLnTx/>
-                        <a:uFillTx/>
-                        <a:latin typeface="Cambria" panose="02040503050406030204" pitchFamily="18" charset="0"/>
-                        <a:ea typeface="MS Mincho" panose="02020609040205080304" pitchFamily="49" charset="-128"/>
-                        <a:cs typeface="Times New Roman" panose="02020603050405020304" pitchFamily="18" charset="0"/>
-                      </a:endParaRPr>
-                    </a:p>
-                  </a:txBody>
-                  <a:tcPr marL="68580" marR="68580" marT="0" marB="0"/>
-                </a:tc>
-                <a:tc>
-                  <a:txBody>
-                    <a:bodyPr/>
-                    <a:lstStyle/>
-                    <a:p>
-                      <a:pPr marL="0" marR="0">
-                        <a:lnSpc>
-                          <a:spcPct val="115000"/>
-                        </a:lnSpc>
-                        <a:spcAft>
-                          <a:spcPts val="1000"/>
-                        </a:spcAft>
-                      </a:pPr>
-                      <a:r>
-                        <a:rPr lang="fr-FR" sz="2400" dirty="0">
-                          <a:effectLst/>
-                        </a:rPr>
-                        <a:t>Principales différences, objectifs et quand choisir chaque type</a:t>
-                      </a:r>
-                      <a:endParaRPr lang="en-US" sz="2400" dirty="0">
-                        <a:effectLst/>
-                        <a:latin typeface="Cambria" panose="02040503050406030204" pitchFamily="18" charset="0"/>
-                        <a:ea typeface="MS Mincho" panose="02020609040205080304" pitchFamily="49" charset="-128"/>
-                        <a:cs typeface="Times New Roman" panose="02020603050405020304" pitchFamily="18" charset="0"/>
-                      </a:endParaRPr>
-                    </a:p>
-                  </a:txBody>
-                  <a:tcPr marL="68580" marR="68580" marT="0" marB="0"/>
-                </a:tc>
-                <a:extLst>
-                  <a:ext uri="{0D108BD9-81ED-4DB2-BD59-A6C34878D82A}">
-                    <a16:rowId xmlns:a16="http://schemas.microsoft.com/office/drawing/2014/main" val="1812740107"/>
-                  </a:ext>
-                </a:extLst>
-              </a:tr>
-              <a:tr h="1311249">
-                <a:tc>
-                  <a:txBody>
-                    <a:bodyPr/>
-                    <a:lstStyle/>
-                    <a:p>
-                      <a:pPr marL="0" marR="0">
-                        <a:lnSpc>
-                          <a:spcPct val="115000"/>
-                        </a:lnSpc>
-                        <a:spcAft>
-                          <a:spcPts val="1000"/>
-                        </a:spcAft>
-                      </a:pPr>
-                      <a:r>
-                        <a:rPr lang="en-US" sz="2400" b="1" dirty="0">
-                          <a:solidFill>
-                            <a:srgbClr val="000000"/>
-                          </a:solidFill>
-                          <a:effectLst/>
-                          <a:hlinkClick r:id="rId5" action="ppaction://hlinksldjump"/>
-                        </a:rPr>
-                        <a:t>Jour</a:t>
-                      </a:r>
-                      <a:r>
-                        <a:rPr lang="en-US" sz="2400" b="1" dirty="0">
-                          <a:solidFill>
-                            <a:srgbClr val="000000"/>
-                          </a:solidFill>
-                          <a:effectLst/>
-                        </a:rPr>
-                        <a:t> 1</a:t>
-                      </a:r>
-                      <a:endParaRPr lang="en-US" sz="2400" dirty="0">
-                        <a:effectLst/>
-                        <a:latin typeface="Cambria" panose="02040503050406030204" pitchFamily="18" charset="0"/>
-                        <a:ea typeface="MS Mincho" panose="02020609040205080304" pitchFamily="49" charset="-128"/>
-                        <a:cs typeface="Times New Roman" panose="02020603050405020304" pitchFamily="18" charset="0"/>
-                      </a:endParaRPr>
-                    </a:p>
-                  </a:txBody>
-                  <a:tcPr marL="68580" marR="68580" marT="0" marB="0"/>
-                </a:tc>
-                <a:tc>
-                  <a:txBody>
-                    <a:bodyPr/>
-                    <a:lstStyle/>
-                    <a:p>
-                      <a:pPr marL="0" marR="0">
-                        <a:lnSpc>
-                          <a:spcPct val="115000"/>
-                        </a:lnSpc>
-                        <a:spcAft>
-                          <a:spcPts val="1000"/>
-                        </a:spcAft>
-                      </a:pPr>
-                      <a:r>
-                        <a:rPr lang="en-US" sz="2400" dirty="0">
-                          <a:effectLst/>
-                        </a:rPr>
-                        <a:t>10:15 - 11:00</a:t>
-                      </a:r>
-                      <a:endParaRPr lang="en-US" sz="2400" dirty="0">
-                        <a:effectLst/>
-                        <a:latin typeface="Cambria" panose="02040503050406030204" pitchFamily="18" charset="0"/>
-                        <a:ea typeface="MS Mincho" panose="02020609040205080304" pitchFamily="49" charset="-128"/>
-                        <a:cs typeface="Times New Roman" panose="02020603050405020304" pitchFamily="18" charset="0"/>
-                      </a:endParaRPr>
-                    </a:p>
-                  </a:txBody>
-                  <a:tcPr marL="68580" marR="68580" marT="0" marB="0"/>
-                </a:tc>
-                <a:tc>
-                  <a:txBody>
-                    <a:bodyPr/>
-                    <a:lstStyle/>
-                    <a:p>
-                      <a:pPr marL="0" marR="0">
-                        <a:lnSpc>
-                          <a:spcPct val="115000"/>
-                        </a:lnSpc>
-                        <a:spcAft>
-                          <a:spcPts val="1000"/>
-                        </a:spcAft>
-                      </a:pPr>
-                      <a:r>
-                        <a:rPr lang="fr-FR" sz="2400" dirty="0">
-                          <a:effectLst/>
-                        </a:rPr>
-                        <a:t>Élaboration d'une Question de Recherche</a:t>
-                      </a:r>
-                    </a:p>
-                    <a:p>
-                      <a:pPr marL="0" marR="0">
-                        <a:lnSpc>
-                          <a:spcPct val="115000"/>
-                        </a:lnSpc>
-                        <a:spcAft>
-                          <a:spcPts val="1000"/>
-                        </a:spcAft>
-                      </a:pPr>
-                      <a:r>
-                        <a:rPr lang="fr-FR" sz="2400" dirty="0">
-                          <a:effectLst/>
-                        </a:rPr>
-                        <a:t>(</a:t>
-                      </a:r>
-                      <a:r>
-                        <a:rPr lang="fr-FR" sz="2400" b="1" i="1" dirty="0">
-                          <a:effectLst/>
-                        </a:rPr>
-                        <a:t>Dr. Idiatou Diallo</a:t>
-                      </a:r>
-                      <a:r>
-                        <a:rPr lang="fr-FR" sz="2400" dirty="0">
-                          <a:effectLst/>
-                        </a:rPr>
-                        <a:t>)</a:t>
-                      </a:r>
-                      <a:endParaRPr lang="en-US" sz="2400" dirty="0">
-                        <a:effectLst/>
-                        <a:latin typeface="Cambria" panose="02040503050406030204" pitchFamily="18" charset="0"/>
-                        <a:ea typeface="MS Mincho" panose="02020609040205080304" pitchFamily="49" charset="-128"/>
-                        <a:cs typeface="Times New Roman" panose="02020603050405020304" pitchFamily="18" charset="0"/>
-                      </a:endParaRPr>
-                    </a:p>
-                  </a:txBody>
-                  <a:tcPr marL="68580" marR="68580" marT="0" marB="0"/>
-                </a:tc>
-                <a:tc>
-                  <a:txBody>
-                    <a:bodyPr/>
-                    <a:lstStyle/>
-                    <a:p>
-                      <a:pPr marL="0" marR="0">
-                        <a:lnSpc>
-                          <a:spcPct val="115000"/>
-                        </a:lnSpc>
-                        <a:spcAft>
-                          <a:spcPts val="1000"/>
-                        </a:spcAft>
-                      </a:pPr>
-                      <a:r>
-                        <a:rPr lang="fr-FR" sz="2400" dirty="0">
-                          <a:effectLst/>
-                        </a:rPr>
-                        <a:t>Utilisation du cadre PICOS pour les revues systématiques et PCC pour les revues de portée/</a:t>
-                      </a:r>
-                      <a:r>
-                        <a:rPr lang="fr-FR" sz="2400" dirty="0" err="1">
-                          <a:effectLst/>
-                        </a:rPr>
-                        <a:t>scoping</a:t>
-                      </a:r>
-                      <a:endParaRPr lang="en-US" sz="2400" dirty="0">
-                        <a:effectLst/>
-                        <a:latin typeface="Cambria" panose="02040503050406030204" pitchFamily="18" charset="0"/>
-                        <a:ea typeface="MS Mincho" panose="02020609040205080304" pitchFamily="49" charset="-128"/>
-                        <a:cs typeface="Times New Roman" panose="02020603050405020304" pitchFamily="18" charset="0"/>
-                      </a:endParaRPr>
-                    </a:p>
-                  </a:txBody>
-                  <a:tcPr marL="68580" marR="68580" marT="0" marB="0"/>
-                </a:tc>
-                <a:extLst>
-                  <a:ext uri="{0D108BD9-81ED-4DB2-BD59-A6C34878D82A}">
-                    <a16:rowId xmlns:a16="http://schemas.microsoft.com/office/drawing/2014/main" val="919470939"/>
-                  </a:ext>
-                </a:extLst>
-              </a:tr>
-              <a:tr h="411502">
-                <a:tc>
-                  <a:txBody>
-                    <a:bodyPr/>
-                    <a:lstStyle/>
-                    <a:p>
-                      <a:pPr marL="0" marR="0">
-                        <a:lnSpc>
-                          <a:spcPct val="115000"/>
-                        </a:lnSpc>
-                        <a:spcAft>
-                          <a:spcPts val="1000"/>
-                        </a:spcAft>
-                      </a:pPr>
-                      <a:r>
-                        <a:rPr lang="en-US" sz="2400" b="1" dirty="0">
-                          <a:solidFill>
-                            <a:srgbClr val="000000"/>
-                          </a:solidFill>
-                          <a:effectLst/>
-                          <a:hlinkClick r:id="rId6" action="ppaction://hlinksldjump"/>
-                        </a:rPr>
-                        <a:t>Jour 1</a:t>
-                      </a:r>
-                      <a:endParaRPr lang="en-US" sz="2400" dirty="0">
-                        <a:effectLst/>
-                        <a:latin typeface="Cambria" panose="02040503050406030204" pitchFamily="18" charset="0"/>
-                        <a:ea typeface="MS Mincho" panose="02020609040205080304" pitchFamily="49" charset="-128"/>
-                        <a:cs typeface="Times New Roman" panose="02020603050405020304" pitchFamily="18" charset="0"/>
-                      </a:endParaRPr>
-                    </a:p>
-                  </a:txBody>
-                  <a:tcPr marL="68580" marR="68580" marT="0" marB="0"/>
-                </a:tc>
-                <a:tc>
-                  <a:txBody>
-                    <a:bodyPr/>
-                    <a:lstStyle/>
-                    <a:p>
-                      <a:pPr marL="0" marR="0">
-                        <a:lnSpc>
-                          <a:spcPct val="115000"/>
-                        </a:lnSpc>
-                        <a:spcAft>
-                          <a:spcPts val="1000"/>
-                        </a:spcAft>
-                      </a:pPr>
-                      <a:r>
-                        <a:rPr lang="en-US" sz="2400">
-                          <a:effectLst/>
-                        </a:rPr>
-                        <a:t>11:00 - 11:15</a:t>
-                      </a:r>
-                      <a:endParaRPr lang="en-US" sz="2400">
-                        <a:effectLst/>
-                        <a:latin typeface="Cambria" panose="02040503050406030204" pitchFamily="18" charset="0"/>
-                        <a:ea typeface="MS Mincho" panose="02020609040205080304" pitchFamily="49" charset="-128"/>
-                        <a:cs typeface="Times New Roman" panose="02020603050405020304" pitchFamily="18" charset="0"/>
-                      </a:endParaRPr>
-                    </a:p>
-                  </a:txBody>
-                  <a:tcPr marL="68580" marR="68580" marT="0" marB="0"/>
-                </a:tc>
-                <a:tc>
-                  <a:txBody>
-                    <a:bodyPr/>
-                    <a:lstStyle/>
-                    <a:p>
-                      <a:pPr marL="0" marR="0">
-                        <a:lnSpc>
-                          <a:spcPct val="115000"/>
-                        </a:lnSpc>
-                        <a:spcAft>
-                          <a:spcPts val="1000"/>
-                        </a:spcAft>
-                      </a:pPr>
-                      <a:r>
-                        <a:rPr lang="en-US" sz="2400" b="1" dirty="0">
-                          <a:effectLst/>
-                        </a:rPr>
-                        <a:t>Pause</a:t>
-                      </a:r>
-                      <a:endParaRPr lang="en-US" sz="2400" b="1" dirty="0">
-                        <a:effectLst/>
-                        <a:latin typeface="Cambria" panose="02040503050406030204" pitchFamily="18" charset="0"/>
-                        <a:ea typeface="MS Mincho" panose="02020609040205080304" pitchFamily="49" charset="-128"/>
-                        <a:cs typeface="Times New Roman" panose="02020603050405020304" pitchFamily="18" charset="0"/>
-                      </a:endParaRPr>
-                    </a:p>
-                  </a:txBody>
-                  <a:tcPr marL="68580" marR="68580" marT="0" marB="0"/>
-                </a:tc>
-                <a:tc>
-                  <a:txBody>
-                    <a:bodyPr/>
-                    <a:lstStyle/>
-                    <a:p>
-                      <a:pPr marL="0" marR="0">
-                        <a:lnSpc>
-                          <a:spcPct val="115000"/>
-                        </a:lnSpc>
-                        <a:spcAft>
-                          <a:spcPts val="1000"/>
-                        </a:spcAft>
-                      </a:pPr>
-                      <a:r>
-                        <a:rPr lang="en-US" sz="2400">
-                          <a:effectLst/>
-                        </a:rPr>
-                        <a:t> </a:t>
-                      </a:r>
-                      <a:endParaRPr lang="en-US" sz="2400">
-                        <a:effectLst/>
-                        <a:latin typeface="Cambria" panose="02040503050406030204" pitchFamily="18" charset="0"/>
-                        <a:ea typeface="MS Mincho" panose="02020609040205080304" pitchFamily="49" charset="-128"/>
-                        <a:cs typeface="Times New Roman" panose="02020603050405020304" pitchFamily="18" charset="0"/>
-                      </a:endParaRPr>
-                    </a:p>
-                  </a:txBody>
-                  <a:tcPr marL="68580" marR="68580" marT="0" marB="0"/>
-                </a:tc>
-                <a:extLst>
-                  <a:ext uri="{0D108BD9-81ED-4DB2-BD59-A6C34878D82A}">
-                    <a16:rowId xmlns:a16="http://schemas.microsoft.com/office/drawing/2014/main" val="3363686074"/>
-                  </a:ext>
-                </a:extLst>
-              </a:tr>
-              <a:tr h="1376565">
-                <a:tc>
-                  <a:txBody>
-                    <a:bodyPr/>
-                    <a:lstStyle/>
-                    <a:p>
-                      <a:pPr marL="0" marR="0">
-                        <a:lnSpc>
-                          <a:spcPct val="115000"/>
-                        </a:lnSpc>
-                        <a:spcAft>
-                          <a:spcPts val="1000"/>
-                        </a:spcAft>
-                      </a:pPr>
-                      <a:r>
-                        <a:rPr lang="en-US" sz="2400" b="1" dirty="0">
-                          <a:solidFill>
-                            <a:srgbClr val="000000"/>
-                          </a:solidFill>
-                          <a:effectLst/>
-                          <a:hlinkClick r:id="rId7" action="ppaction://hlinksldjump"/>
-                        </a:rPr>
-                        <a:t>Jour 1</a:t>
-                      </a:r>
-                      <a:endParaRPr lang="en-US" sz="2400" dirty="0">
-                        <a:effectLst/>
-                        <a:latin typeface="Cambria" panose="02040503050406030204" pitchFamily="18" charset="0"/>
-                        <a:ea typeface="MS Mincho" panose="02020609040205080304" pitchFamily="49" charset="-128"/>
-                        <a:cs typeface="Times New Roman" panose="02020603050405020304" pitchFamily="18" charset="0"/>
-                      </a:endParaRPr>
-                    </a:p>
-                  </a:txBody>
-                  <a:tcPr marL="68580" marR="68580" marT="0" marB="0"/>
-                </a:tc>
-                <a:tc>
-                  <a:txBody>
-                    <a:bodyPr/>
-                    <a:lstStyle/>
-                    <a:p>
-                      <a:pPr marL="0" marR="0">
-                        <a:lnSpc>
-                          <a:spcPct val="115000"/>
-                        </a:lnSpc>
-                        <a:spcAft>
-                          <a:spcPts val="1000"/>
-                        </a:spcAft>
-                      </a:pPr>
-                      <a:r>
-                        <a:rPr lang="en-US" sz="2400" dirty="0">
-                          <a:effectLst/>
-                        </a:rPr>
-                        <a:t>11:15 - 12:15</a:t>
-                      </a:r>
-                      <a:endParaRPr lang="en-US" sz="2400" dirty="0">
-                        <a:effectLst/>
-                        <a:latin typeface="Cambria" panose="02040503050406030204" pitchFamily="18" charset="0"/>
-                        <a:ea typeface="MS Mincho" panose="02020609040205080304" pitchFamily="49" charset="-128"/>
-                        <a:cs typeface="Times New Roman" panose="02020603050405020304" pitchFamily="18" charset="0"/>
-                      </a:endParaRPr>
-                    </a:p>
-                  </a:txBody>
-                  <a:tcPr marL="68580" marR="68580" marT="0" marB="0"/>
-                </a:tc>
-                <a:tc>
-                  <a:txBody>
-                    <a:bodyPr/>
-                    <a:lstStyle/>
-                    <a:p>
-                      <a:pPr marL="0" marR="0">
-                        <a:lnSpc>
-                          <a:spcPct val="115000"/>
-                        </a:lnSpc>
-                        <a:spcAft>
-                          <a:spcPts val="1000"/>
-                        </a:spcAft>
-                      </a:pPr>
-                      <a:r>
-                        <a:rPr lang="en-US" sz="2400" dirty="0">
-                          <a:effectLst/>
-                        </a:rPr>
-                        <a:t>Développement du </a:t>
-                      </a:r>
-                      <a:r>
-                        <a:rPr lang="en-US" sz="2400" dirty="0" err="1">
-                          <a:effectLst/>
-                        </a:rPr>
-                        <a:t>Protocole</a:t>
-                      </a:r>
-                      <a:endParaRPr lang="en-US" sz="2400" dirty="0">
-                        <a:effectLst/>
-                      </a:endParaRPr>
-                    </a:p>
-                    <a:p>
-                      <a:pPr marL="0" marR="0" lvl="0" indent="0" algn="l" defTabSz="914400" rtl="0" eaLnBrk="1" fontAlgn="auto" latinLnBrk="0" hangingPunct="1">
-                        <a:lnSpc>
-                          <a:spcPct val="115000"/>
-                        </a:lnSpc>
-                        <a:spcBef>
-                          <a:spcPts val="0"/>
-                        </a:spcBef>
-                        <a:spcAft>
-                          <a:spcPts val="1000"/>
-                        </a:spcAft>
-                        <a:buClrTx/>
-                        <a:buSzTx/>
-                        <a:buFontTx/>
-                        <a:buNone/>
-                        <a:tabLst/>
-                        <a:defRPr/>
-                      </a:pPr>
-                      <a:r>
-                        <a:rPr lang="fr-FR" sz="2400" dirty="0">
-                          <a:effectLst/>
-                        </a:rPr>
-                        <a:t>(</a:t>
-                      </a:r>
-                      <a:r>
-                        <a:rPr lang="fr-FR" sz="2400" b="1" i="1" dirty="0">
-                          <a:effectLst/>
-                        </a:rPr>
-                        <a:t>Dr. Idiatou Diallo)</a:t>
-                      </a:r>
-                      <a:endParaRPr lang="en-US" sz="2400" dirty="0">
-                        <a:effectLst/>
-                        <a:latin typeface="Cambria" panose="02040503050406030204" pitchFamily="18" charset="0"/>
-                        <a:ea typeface="MS Mincho" panose="02020609040205080304" pitchFamily="49" charset="-128"/>
-                        <a:cs typeface="Times New Roman" panose="02020603050405020304" pitchFamily="18" charset="0"/>
-                      </a:endParaRPr>
-                    </a:p>
-                  </a:txBody>
-                  <a:tcPr marL="68580" marR="68580" marT="0" marB="0"/>
-                </a:tc>
-                <a:tc>
-                  <a:txBody>
-                    <a:bodyPr/>
-                    <a:lstStyle/>
-                    <a:p>
-                      <a:pPr marL="0" marR="0">
-                        <a:lnSpc>
-                          <a:spcPct val="115000"/>
-                        </a:lnSpc>
-                        <a:spcAft>
-                          <a:spcPts val="1000"/>
-                        </a:spcAft>
-                      </a:pPr>
-                      <a:r>
-                        <a:rPr lang="fr-FR" sz="2400" dirty="0">
-                          <a:effectLst/>
-                        </a:rPr>
-                        <a:t>Aperçu de PRISMA-P pour les revues systématiques et PRISMA-</a:t>
-                      </a:r>
-                      <a:r>
-                        <a:rPr lang="fr-FR" sz="2400" dirty="0" err="1">
-                          <a:effectLst/>
-                        </a:rPr>
-                        <a:t>ScR</a:t>
-                      </a:r>
-                      <a:r>
-                        <a:rPr lang="fr-FR" sz="2400" dirty="0">
-                          <a:effectLst/>
-                        </a:rPr>
-                        <a:t> pour les revues de portée/</a:t>
-                      </a:r>
-                      <a:r>
-                        <a:rPr lang="fr-FR" sz="2400" dirty="0" err="1">
-                          <a:effectLst/>
-                        </a:rPr>
-                        <a:t>scoping</a:t>
-                      </a:r>
-                      <a:endParaRPr lang="en-US" sz="2400" dirty="0">
-                        <a:effectLst/>
-                        <a:latin typeface="Cambria" panose="02040503050406030204" pitchFamily="18" charset="0"/>
-                        <a:ea typeface="MS Mincho" panose="02020609040205080304" pitchFamily="49" charset="-128"/>
-                        <a:cs typeface="Times New Roman" panose="02020603050405020304" pitchFamily="18" charset="0"/>
-                      </a:endParaRPr>
-                    </a:p>
-                  </a:txBody>
-                  <a:tcPr marL="68580" marR="68580" marT="0" marB="0"/>
-                </a:tc>
-                <a:extLst>
-                  <a:ext uri="{0D108BD9-81ED-4DB2-BD59-A6C34878D82A}">
-                    <a16:rowId xmlns:a16="http://schemas.microsoft.com/office/drawing/2014/main" val="4067401890"/>
-                  </a:ext>
-                </a:extLst>
-              </a:tr>
-              <a:tr h="411502">
-                <a:tc>
-                  <a:txBody>
-                    <a:bodyPr/>
-                    <a:lstStyle/>
-                    <a:p>
-                      <a:pPr marL="0" marR="0">
-                        <a:lnSpc>
-                          <a:spcPct val="115000"/>
-                        </a:lnSpc>
-                        <a:spcAft>
-                          <a:spcPts val="1000"/>
-                        </a:spcAft>
-                      </a:pPr>
-                      <a:r>
-                        <a:rPr lang="en-US" sz="2400" b="1" dirty="0">
-                          <a:solidFill>
-                            <a:srgbClr val="000000"/>
-                          </a:solidFill>
-                          <a:effectLst/>
-                          <a:hlinkClick r:id="rId8" action="ppaction://hlinksldjump"/>
-                        </a:rPr>
-                        <a:t>Jour 1</a:t>
-                      </a:r>
-                      <a:endParaRPr lang="en-US" sz="2400" dirty="0">
-                        <a:effectLst/>
-                        <a:latin typeface="Cambria" panose="02040503050406030204" pitchFamily="18" charset="0"/>
-                        <a:ea typeface="MS Mincho" panose="02020609040205080304" pitchFamily="49" charset="-128"/>
-                        <a:cs typeface="Times New Roman" panose="02020603050405020304" pitchFamily="18" charset="0"/>
-                      </a:endParaRPr>
-                    </a:p>
-                  </a:txBody>
-                  <a:tcPr marL="68580" marR="68580" marT="0" marB="0"/>
-                </a:tc>
-                <a:tc>
-                  <a:txBody>
-                    <a:bodyPr/>
-                    <a:lstStyle/>
-                    <a:p>
-                      <a:pPr marL="0" marR="0">
-                        <a:lnSpc>
-                          <a:spcPct val="115000"/>
-                        </a:lnSpc>
-                        <a:spcAft>
-                          <a:spcPts val="1000"/>
-                        </a:spcAft>
-                      </a:pPr>
-                      <a:r>
-                        <a:rPr lang="en-US" sz="2400">
-                          <a:effectLst/>
-                        </a:rPr>
-                        <a:t>12:15 - 13:00</a:t>
-                      </a:r>
-                      <a:endParaRPr lang="en-US" sz="2400">
-                        <a:effectLst/>
-                        <a:latin typeface="Cambria" panose="02040503050406030204" pitchFamily="18" charset="0"/>
-                        <a:ea typeface="MS Mincho" panose="02020609040205080304" pitchFamily="49" charset="-128"/>
-                        <a:cs typeface="Times New Roman" panose="02020603050405020304" pitchFamily="18" charset="0"/>
-                      </a:endParaRPr>
-                    </a:p>
-                  </a:txBody>
-                  <a:tcPr marL="68580" marR="68580" marT="0" marB="0"/>
-                </a:tc>
-                <a:tc>
-                  <a:txBody>
-                    <a:bodyPr/>
-                    <a:lstStyle/>
-                    <a:p>
-                      <a:pPr marL="0" marR="0">
-                        <a:lnSpc>
-                          <a:spcPct val="115000"/>
-                        </a:lnSpc>
-                        <a:spcAft>
-                          <a:spcPts val="1000"/>
-                        </a:spcAft>
-                      </a:pPr>
-                      <a:r>
-                        <a:rPr lang="en-US" sz="2400" b="1" dirty="0">
-                          <a:effectLst/>
-                        </a:rPr>
-                        <a:t>Déjeuner</a:t>
-                      </a:r>
-                      <a:endParaRPr lang="en-US" sz="2400" b="1" dirty="0">
-                        <a:effectLst/>
-                        <a:latin typeface="Cambria" panose="02040503050406030204" pitchFamily="18" charset="0"/>
-                        <a:ea typeface="MS Mincho" panose="02020609040205080304" pitchFamily="49" charset="-128"/>
-                        <a:cs typeface="Times New Roman" panose="02020603050405020304" pitchFamily="18" charset="0"/>
-                      </a:endParaRPr>
-                    </a:p>
-                  </a:txBody>
-                  <a:tcPr marL="68580" marR="68580" marT="0" marB="0"/>
-                </a:tc>
-                <a:tc>
-                  <a:txBody>
-                    <a:bodyPr/>
-                    <a:lstStyle/>
-                    <a:p>
-                      <a:pPr marL="0" marR="0">
-                        <a:lnSpc>
-                          <a:spcPct val="115000"/>
-                        </a:lnSpc>
-                        <a:spcAft>
-                          <a:spcPts val="1000"/>
-                        </a:spcAft>
-                      </a:pPr>
-                      <a:r>
-                        <a:rPr lang="en-US" sz="2400">
-                          <a:effectLst/>
-                        </a:rPr>
-                        <a:t> </a:t>
-                      </a:r>
-                      <a:endParaRPr lang="en-US" sz="2400">
-                        <a:effectLst/>
-                        <a:latin typeface="Cambria" panose="02040503050406030204" pitchFamily="18" charset="0"/>
-                        <a:ea typeface="MS Mincho" panose="02020609040205080304" pitchFamily="49" charset="-128"/>
-                        <a:cs typeface="Times New Roman" panose="02020603050405020304" pitchFamily="18" charset="0"/>
-                      </a:endParaRPr>
-                    </a:p>
-                  </a:txBody>
-                  <a:tcPr marL="68580" marR="68580" marT="0" marB="0"/>
-                </a:tc>
-                <a:extLst>
-                  <a:ext uri="{0D108BD9-81ED-4DB2-BD59-A6C34878D82A}">
-                    <a16:rowId xmlns:a16="http://schemas.microsoft.com/office/drawing/2014/main" val="3502867343"/>
-                  </a:ext>
-                </a:extLst>
-              </a:tr>
-              <a:tr h="1761121">
-                <a:tc>
-                  <a:txBody>
-                    <a:bodyPr/>
-                    <a:lstStyle/>
-                    <a:p>
-                      <a:pPr marL="0" marR="0">
-                        <a:lnSpc>
-                          <a:spcPct val="115000"/>
-                        </a:lnSpc>
-                        <a:spcAft>
-                          <a:spcPts val="1000"/>
-                        </a:spcAft>
-                      </a:pPr>
-                      <a:r>
-                        <a:rPr lang="en-US" sz="2400" b="1" dirty="0">
-                          <a:solidFill>
-                            <a:srgbClr val="000000"/>
-                          </a:solidFill>
-                          <a:effectLst/>
-                          <a:hlinkClick r:id="rId9" action="ppaction://hlinksldjump"/>
-                        </a:rPr>
-                        <a:t>Jour 1</a:t>
-                      </a:r>
-                      <a:endParaRPr lang="en-US" sz="2400" dirty="0">
-                        <a:effectLst/>
-                        <a:latin typeface="Cambria" panose="02040503050406030204" pitchFamily="18" charset="0"/>
-                        <a:ea typeface="MS Mincho" panose="02020609040205080304" pitchFamily="49" charset="-128"/>
-                        <a:cs typeface="Times New Roman" panose="02020603050405020304" pitchFamily="18" charset="0"/>
-                      </a:endParaRPr>
-                    </a:p>
-                  </a:txBody>
-                  <a:tcPr marL="68580" marR="68580" marT="0" marB="0"/>
-                </a:tc>
-                <a:tc>
-                  <a:txBody>
-                    <a:bodyPr/>
-                    <a:lstStyle/>
-                    <a:p>
-                      <a:pPr marL="0" marR="0">
-                        <a:lnSpc>
-                          <a:spcPct val="115000"/>
-                        </a:lnSpc>
-                        <a:spcAft>
-                          <a:spcPts val="1000"/>
-                        </a:spcAft>
-                      </a:pPr>
-                      <a:r>
-                        <a:rPr lang="en-US" sz="2400">
-                          <a:effectLst/>
-                        </a:rPr>
-                        <a:t>13:00 - 15:00</a:t>
-                      </a:r>
-                      <a:endParaRPr lang="en-US" sz="2400">
-                        <a:effectLst/>
-                        <a:latin typeface="Cambria" panose="02040503050406030204" pitchFamily="18" charset="0"/>
-                        <a:ea typeface="MS Mincho" panose="02020609040205080304" pitchFamily="49" charset="-128"/>
-                        <a:cs typeface="Times New Roman" panose="02020603050405020304" pitchFamily="18" charset="0"/>
-                      </a:endParaRPr>
-                    </a:p>
-                  </a:txBody>
-                  <a:tcPr marL="68580" marR="68580" marT="0" marB="0"/>
-                </a:tc>
-                <a:tc>
-                  <a:txBody>
-                    <a:bodyPr/>
-                    <a:lstStyle/>
-                    <a:p>
-                      <a:pPr marL="0" marR="0">
-                        <a:lnSpc>
-                          <a:spcPct val="115000"/>
-                        </a:lnSpc>
-                        <a:spcAft>
-                          <a:spcPts val="1000"/>
-                        </a:spcAft>
-                      </a:pPr>
-                      <a:r>
-                        <a:rPr lang="fr-FR" sz="2400" dirty="0">
-                          <a:effectLst/>
-                        </a:rPr>
-                        <a:t>Élaboration d'une Stratégie de Recherche et </a:t>
-                      </a:r>
-                      <a:r>
-                        <a:rPr lang="en-US" sz="2400" dirty="0">
-                          <a:effectLst/>
-                          <a:latin typeface="Cambria" panose="02040503050406030204" pitchFamily="18" charset="0"/>
-                          <a:ea typeface="MS Mincho" panose="02020609040205080304" pitchFamily="49" charset="-128"/>
-                          <a:cs typeface="Times New Roman" panose="02020603050405020304" pitchFamily="18" charset="0"/>
-                        </a:rPr>
-                        <a:t>Demo PubMed </a:t>
-                      </a:r>
-                      <a:endParaRPr lang="fr-FR" sz="2400" dirty="0">
-                        <a:effectLst/>
-                      </a:endParaRPr>
-                    </a:p>
-                    <a:p>
-                      <a:pPr marL="0" marR="0">
-                        <a:lnSpc>
-                          <a:spcPct val="115000"/>
-                        </a:lnSpc>
-                        <a:spcAft>
-                          <a:spcPts val="1000"/>
-                        </a:spcAft>
-                      </a:pPr>
-                      <a:r>
-                        <a:rPr lang="fr-FR" sz="2400" i="1" dirty="0">
-                          <a:effectLst/>
-                          <a:latin typeface="Cambria" panose="02040503050406030204" pitchFamily="18" charset="0"/>
-                          <a:ea typeface="MS Mincho" panose="02020609040205080304" pitchFamily="49" charset="-128"/>
-                          <a:cs typeface="Times New Roman" panose="02020603050405020304" pitchFamily="18" charset="0"/>
-                        </a:rPr>
-                        <a:t>(</a:t>
-                      </a:r>
-                      <a:r>
-                        <a:rPr lang="fr-FR" sz="2400" b="1" i="1" dirty="0">
-                          <a:effectLst/>
-                          <a:latin typeface="Cambria" panose="02040503050406030204" pitchFamily="18" charset="0"/>
-                          <a:ea typeface="MS Mincho" panose="02020609040205080304" pitchFamily="49" charset="-128"/>
-                          <a:cs typeface="Times New Roman" panose="02020603050405020304" pitchFamily="18" charset="0"/>
-                        </a:rPr>
-                        <a:t>Prof Yaya Togo  </a:t>
-                      </a:r>
-                      <a:r>
-                        <a:rPr lang="fr-FR" sz="2400" b="0" i="0" dirty="0">
-                          <a:effectLst/>
-                          <a:latin typeface="Cambria" panose="02040503050406030204" pitchFamily="18" charset="0"/>
-                          <a:ea typeface="MS Mincho" panose="02020609040205080304" pitchFamily="49" charset="-128"/>
-                          <a:cs typeface="Times New Roman" panose="02020603050405020304" pitchFamily="18" charset="0"/>
-                        </a:rPr>
-                        <a:t>[Lecture] </a:t>
-                      </a:r>
-                      <a:r>
-                        <a:rPr lang="fr-FR" sz="2400" b="1" i="1" dirty="0">
-                          <a:effectLst/>
-                          <a:latin typeface="Cambria" panose="02040503050406030204" pitchFamily="18" charset="0"/>
-                          <a:ea typeface="MS Mincho" panose="02020609040205080304" pitchFamily="49" charset="-128"/>
-                          <a:cs typeface="Times New Roman" panose="02020603050405020304" pitchFamily="18" charset="0"/>
-                        </a:rPr>
-                        <a:t>&amp; </a:t>
-                      </a:r>
-                      <a:r>
-                        <a:rPr lang="fr-FR" sz="2400" b="1" i="1" dirty="0">
-                          <a:effectLst/>
-                        </a:rPr>
-                        <a:t>Dr. Idiatou Diallo </a:t>
-                      </a:r>
-                      <a:r>
-                        <a:rPr lang="fr-FR" sz="2400" b="0" i="0" dirty="0">
-                          <a:effectLst/>
-                        </a:rPr>
-                        <a:t>[</a:t>
-                      </a:r>
-                      <a:r>
-                        <a:rPr lang="fr-FR" sz="2400" b="0" i="0" dirty="0" err="1">
-                          <a:effectLst/>
-                        </a:rPr>
-                        <a:t>Demo</a:t>
-                      </a:r>
-                      <a:r>
-                        <a:rPr lang="fr-FR" sz="2400" b="0" i="0" dirty="0">
-                          <a:effectLst/>
-                        </a:rPr>
-                        <a:t>]</a:t>
-                      </a:r>
-                      <a:r>
-                        <a:rPr lang="fr-FR" sz="2400" dirty="0">
-                          <a:effectLst/>
-                        </a:rPr>
-                        <a:t>)</a:t>
-                      </a:r>
-                      <a:endParaRPr lang="en-US" sz="2400" dirty="0">
-                        <a:effectLst/>
-                        <a:latin typeface="Cambria" panose="02040503050406030204" pitchFamily="18" charset="0"/>
-                        <a:ea typeface="MS Mincho" panose="02020609040205080304" pitchFamily="49" charset="-128"/>
-                        <a:cs typeface="Times New Roman" panose="02020603050405020304" pitchFamily="18" charset="0"/>
-                      </a:endParaRPr>
-                    </a:p>
-                  </a:txBody>
-                  <a:tcPr marL="68580" marR="68580" marT="0" marB="0"/>
-                </a:tc>
-                <a:tc>
-                  <a:txBody>
-                    <a:bodyPr/>
-                    <a:lstStyle/>
-                    <a:p>
-                      <a:pPr marL="0" marR="0">
-                        <a:lnSpc>
-                          <a:spcPct val="115000"/>
-                        </a:lnSpc>
-                        <a:spcAft>
-                          <a:spcPts val="1000"/>
-                        </a:spcAft>
-                      </a:pPr>
-                      <a:r>
-                        <a:rPr lang="fr-FR" sz="2400" dirty="0">
-                          <a:effectLst/>
-                        </a:rPr>
-                        <a:t>Création de stratégies de recherche, sélection de mots-clés/opérateurs booléens et choix des bases de données pertinentes</a:t>
-                      </a:r>
-                      <a:endParaRPr lang="en-US" sz="2400" dirty="0">
-                        <a:effectLst/>
-                        <a:latin typeface="Cambria" panose="02040503050406030204" pitchFamily="18" charset="0"/>
-                        <a:ea typeface="MS Mincho" panose="02020609040205080304" pitchFamily="49" charset="-128"/>
-                        <a:cs typeface="Times New Roman" panose="02020603050405020304" pitchFamily="18" charset="0"/>
-                      </a:endParaRPr>
-                    </a:p>
-                  </a:txBody>
-                  <a:tcPr marL="68580" marR="68580" marT="0" marB="0"/>
-                </a:tc>
-                <a:extLst>
-                  <a:ext uri="{0D108BD9-81ED-4DB2-BD59-A6C34878D82A}">
-                    <a16:rowId xmlns:a16="http://schemas.microsoft.com/office/drawing/2014/main" val="4026531000"/>
-                  </a:ext>
-                </a:extLst>
-              </a:tr>
-              <a:tr h="1024955">
-                <a:tc>
-                  <a:txBody>
-                    <a:bodyPr/>
-                    <a:lstStyle/>
-                    <a:p>
-                      <a:pPr marL="0" marR="0">
-                        <a:lnSpc>
-                          <a:spcPct val="115000"/>
-                        </a:lnSpc>
-                        <a:spcAft>
-                          <a:spcPts val="1000"/>
-                        </a:spcAft>
-                      </a:pPr>
-                      <a:r>
-                        <a:rPr lang="en-US" sz="2400" b="1" dirty="0">
-                          <a:solidFill>
-                            <a:srgbClr val="000000"/>
-                          </a:solidFill>
-                          <a:effectLst/>
-                          <a:hlinkClick r:id="rId10" action="ppaction://hlinksldjump"/>
-                        </a:rPr>
-                        <a:t>Jour 1</a:t>
-                      </a:r>
-                      <a:endParaRPr lang="en-US" sz="2400" dirty="0">
-                        <a:effectLst/>
-                        <a:latin typeface="Cambria" panose="02040503050406030204" pitchFamily="18" charset="0"/>
-                        <a:ea typeface="MS Mincho" panose="02020609040205080304" pitchFamily="49" charset="-128"/>
-                        <a:cs typeface="Times New Roman" panose="02020603050405020304" pitchFamily="18" charset="0"/>
-                      </a:endParaRPr>
-                    </a:p>
-                  </a:txBody>
-                  <a:tcPr marL="68580" marR="68580" marT="0" marB="0"/>
-                </a:tc>
-                <a:tc>
-                  <a:txBody>
-                    <a:bodyPr/>
-                    <a:lstStyle/>
-                    <a:p>
-                      <a:pPr marL="0" marR="0">
-                        <a:lnSpc>
-                          <a:spcPct val="115000"/>
-                        </a:lnSpc>
-                        <a:spcAft>
-                          <a:spcPts val="1000"/>
-                        </a:spcAft>
-                      </a:pPr>
-                      <a:r>
-                        <a:rPr lang="en-US" sz="2400" dirty="0">
-                          <a:effectLst/>
-                        </a:rPr>
-                        <a:t>15:00 - 15:30</a:t>
-                      </a:r>
-                      <a:endParaRPr lang="en-US" sz="2400" dirty="0">
-                        <a:effectLst/>
-                        <a:latin typeface="Cambria" panose="02040503050406030204" pitchFamily="18" charset="0"/>
-                        <a:ea typeface="MS Mincho" panose="02020609040205080304" pitchFamily="49" charset="-128"/>
-                        <a:cs typeface="Times New Roman" panose="02020603050405020304" pitchFamily="18" charset="0"/>
-                      </a:endParaRPr>
-                    </a:p>
-                  </a:txBody>
-                  <a:tcPr marL="68580" marR="68580" marT="0" marB="0"/>
-                </a:tc>
-                <a:tc>
-                  <a:txBody>
-                    <a:bodyPr/>
-                    <a:lstStyle/>
-                    <a:p>
-                      <a:pPr marL="0" marR="0">
-                        <a:lnSpc>
-                          <a:spcPct val="115000"/>
-                        </a:lnSpc>
-                        <a:spcAft>
-                          <a:spcPts val="1000"/>
-                        </a:spcAft>
-                      </a:pPr>
-                      <a:r>
-                        <a:rPr lang="en-US" sz="2400" dirty="0">
-                          <a:effectLst/>
-                        </a:rPr>
-                        <a:t>Questions/</a:t>
-                      </a:r>
-                      <a:r>
-                        <a:rPr lang="en-US" sz="2400" dirty="0" err="1">
-                          <a:effectLst/>
-                        </a:rPr>
-                        <a:t>Réponses</a:t>
-                      </a:r>
-                      <a:r>
-                        <a:rPr lang="en-US" sz="2400" dirty="0">
-                          <a:effectLst/>
-                        </a:rPr>
-                        <a:t> et </a:t>
-                      </a:r>
-                      <a:r>
-                        <a:rPr lang="en-US" sz="2400" dirty="0" err="1">
-                          <a:effectLst/>
-                        </a:rPr>
-                        <a:t>Réflexions</a:t>
-                      </a:r>
-                      <a:endParaRPr lang="en-US" sz="2400" dirty="0">
-                        <a:effectLst/>
-                      </a:endParaRPr>
-                    </a:p>
-                    <a:p>
-                      <a:pPr marL="0" marR="0" lvl="0" indent="0" algn="l" defTabSz="914400" rtl="0" eaLnBrk="1" fontAlgn="auto" latinLnBrk="0" hangingPunct="1">
-                        <a:lnSpc>
-                          <a:spcPct val="115000"/>
-                        </a:lnSpc>
-                        <a:spcBef>
-                          <a:spcPts val="0"/>
-                        </a:spcBef>
-                        <a:spcAft>
-                          <a:spcPts val="1000"/>
-                        </a:spcAft>
-                        <a:buClrTx/>
-                        <a:buSzTx/>
-                        <a:buFontTx/>
-                        <a:buNone/>
-                        <a:tabLst/>
-                        <a:defRPr/>
-                      </a:pPr>
-                      <a:r>
-                        <a:rPr lang="fr-FR" sz="2400" dirty="0">
-                          <a:effectLst/>
-                        </a:rPr>
-                        <a:t>(</a:t>
-                      </a:r>
-                      <a:r>
-                        <a:rPr lang="fr-FR" sz="2400" b="1" i="1" dirty="0">
-                          <a:effectLst/>
-                        </a:rPr>
-                        <a:t>Dr. Idiatou Diallo</a:t>
-                      </a:r>
-                      <a:r>
-                        <a:rPr lang="fr-FR" sz="2400" dirty="0">
-                          <a:effectLst/>
-                        </a:rPr>
-                        <a:t>)</a:t>
-                      </a:r>
-                      <a:endParaRPr lang="en-US" sz="2400" dirty="0">
-                        <a:effectLst/>
-                        <a:latin typeface="Cambria" panose="02040503050406030204" pitchFamily="18" charset="0"/>
-                        <a:ea typeface="MS Mincho" panose="02020609040205080304" pitchFamily="49" charset="-128"/>
-                        <a:cs typeface="Times New Roman" panose="02020603050405020304" pitchFamily="18" charset="0"/>
-                      </a:endParaRPr>
-                    </a:p>
-                  </a:txBody>
-                  <a:tcPr marL="68580" marR="68580" marT="0" marB="0"/>
-                </a:tc>
-                <a:tc>
-                  <a:txBody>
-                    <a:bodyPr/>
-                    <a:lstStyle/>
-                    <a:p>
-                      <a:pPr marL="0" marR="0">
-                        <a:lnSpc>
-                          <a:spcPct val="115000"/>
-                        </a:lnSpc>
-                        <a:spcAft>
-                          <a:spcPts val="1000"/>
-                        </a:spcAft>
-                      </a:pPr>
-                      <a:r>
-                        <a:rPr lang="fr-FR" sz="2400" dirty="0">
-                          <a:effectLst/>
-                        </a:rPr>
-                        <a:t>Discussion de groupe sur les sujets du jour 1 et défis individuels</a:t>
-                      </a:r>
-                      <a:endParaRPr lang="en-US" sz="2400" dirty="0">
-                        <a:effectLst/>
-                        <a:latin typeface="Cambria" panose="02040503050406030204" pitchFamily="18" charset="0"/>
-                        <a:ea typeface="MS Mincho" panose="02020609040205080304" pitchFamily="49" charset="-128"/>
-                        <a:cs typeface="Times New Roman" panose="02020603050405020304" pitchFamily="18" charset="0"/>
-                      </a:endParaRPr>
-                    </a:p>
-                  </a:txBody>
-                  <a:tcPr marL="68580" marR="68580" marT="0" marB="0"/>
-                </a:tc>
-                <a:extLst>
-                  <a:ext uri="{0D108BD9-81ED-4DB2-BD59-A6C34878D82A}">
-                    <a16:rowId xmlns:a16="http://schemas.microsoft.com/office/drawing/2014/main" val="4197427548"/>
-                  </a:ext>
-                </a:extLst>
-              </a:tr>
-            </a:tbl>
-          </a:graphicData>
-        </a:graphic>
-      </p:graphicFrame>
-    </p:spTree>
-    <p:extLst>
-      <p:ext uri="{BB962C8B-B14F-4D97-AF65-F5344CB8AC3E}">
-        <p14:creationId xmlns:p14="http://schemas.microsoft.com/office/powerpoint/2010/main" val="1815333758"/>
-      </p:ext>
-    </p:extLst>
-  </p:cSld>
-  <p:clrMapOvr>
-    <a:masterClrMapping/>
-  </p:clrMapOvr>
-</p:sld>
-</file>
-
-<file path=ppt/slides/slide30.xml><?xml version="1.0" encoding="utf-8"?>
+<file path=ppt/slides/slide31.xml><?xml version="1.0" encoding="utf-8"?>
 <p:sld xmlns:a="http://schemas.openxmlformats.org/drawingml/2006/main" xmlns:r="http://schemas.openxmlformats.org/officeDocument/2006/relationships" xmlns:p="http://schemas.openxmlformats.org/presentationml/2006/main">
   <p:cSld>
     <p:bg>
@@ -34603,7 +35771,7 @@
                 <a:latin typeface="Calibri" panose="020F0502020204030204"/>
               </a:rPr>
               <a:pPr defTabSz="1371600"/>
-              <a:t>30</a:t>
+              <a:t>31</a:t>
             </a:fld>
             <a:endParaRPr lang="en-US">
               <a:solidFill>
@@ -34629,7 +35797,7 @@
 </p:sld>
 </file>
 
-<file path=ppt/slides/slide31.xml><?xml version="1.0" encoding="utf-8"?>
+<file path=ppt/slides/slide32.xml><?xml version="1.0" encoding="utf-8"?>
 <p:sld xmlns:a="http://schemas.openxmlformats.org/drawingml/2006/main" xmlns:r="http://schemas.openxmlformats.org/officeDocument/2006/relationships" xmlns:p="http://schemas.openxmlformats.org/presentationml/2006/main">
   <p:cSld>
     <p:bg>
@@ -35851,7 +37019,7 @@
 </p:sld>
 </file>
 
-<file path=ppt/slides/slide32.xml><?xml version="1.0" encoding="utf-8"?>
+<file path=ppt/slides/slide33.xml><?xml version="1.0" encoding="utf-8"?>
 <p:sld xmlns:a="http://schemas.openxmlformats.org/drawingml/2006/main" xmlns:r="http://schemas.openxmlformats.org/officeDocument/2006/relationships" xmlns:p="http://schemas.openxmlformats.org/presentationml/2006/main">
   <p:cSld>
     <p:bg>
@@ -36974,7 +38142,7 @@
 </p:sld>
 </file>
 
-<file path=ppt/slides/slide33.xml><?xml version="1.0" encoding="utf-8"?>
+<file path=ppt/slides/slide34.xml><?xml version="1.0" encoding="utf-8"?>
 <p:sld xmlns:a="http://schemas.openxmlformats.org/drawingml/2006/main" xmlns:r="http://schemas.openxmlformats.org/officeDocument/2006/relationships" xmlns:p="http://schemas.openxmlformats.org/presentationml/2006/main">
   <p:cSld>
     <p:bg>
@@ -38030,7 +39198,7 @@
 </p:sld>
 </file>
 
-<file path=ppt/slides/slide34.xml><?xml version="1.0" encoding="utf-8"?>
+<file path=ppt/slides/slide35.xml><?xml version="1.0" encoding="utf-8"?>
 <p:sld xmlns:a="http://schemas.openxmlformats.org/drawingml/2006/main" xmlns:r="http://schemas.openxmlformats.org/officeDocument/2006/relationships" xmlns:p="http://schemas.openxmlformats.org/presentationml/2006/main">
   <p:cSld>
     <p:bg>
@@ -39009,14 +40177,14 @@
           </a:ln>
           <a:extLst>
             <a:ext uri="{909E8E84-426E-40dd-AFC4-6F175D3DCCD1}">
-              <a14:hiddenFill xmlns:a14="http://schemas.microsoft.com/office/drawing/2010/main" xmlns="">
+              <a14:hiddenFill xmlns="" xmlns:a14="http://schemas.microsoft.com/office/drawing/2010/main">
                 <a:solidFill>
                   <a:srgbClr val="FFFFFF"/>
                 </a:solidFill>
               </a14:hiddenFill>
             </a:ext>
             <a:ext uri="{91240B29-F687-4f45-9708-019B960494DF}">
-              <a14:hiddenLine xmlns:a14="http://schemas.microsoft.com/office/drawing/2010/main" xmlns="" w="9525">
+              <a14:hiddenLine xmlns="" xmlns:a14="http://schemas.microsoft.com/office/drawing/2010/main" w="9525">
                 <a:solidFill>
                   <a:srgbClr val="000000"/>
                 </a:solidFill>
@@ -39041,7 +40209,7 @@
 </p:sld>
 </file>
 
-<file path=ppt/slides/slide35.xml><?xml version="1.0" encoding="utf-8"?>
+<file path=ppt/slides/slide36.xml><?xml version="1.0" encoding="utf-8"?>
 <p:sld xmlns:a="http://schemas.openxmlformats.org/drawingml/2006/main" xmlns:r="http://schemas.openxmlformats.org/officeDocument/2006/relationships" xmlns:p="http://schemas.openxmlformats.org/presentationml/2006/main">
   <p:cSld>
     <p:bg>
@@ -40946,7 +42114,7 @@
 </p:sld>
 </file>
 
-<file path=ppt/slides/slide36.xml><?xml version="1.0" encoding="utf-8"?>
+<file path=ppt/slides/slide37.xml><?xml version="1.0" encoding="utf-8"?>
 <p:sld xmlns:a="http://schemas.openxmlformats.org/drawingml/2006/main" xmlns:r="http://schemas.openxmlformats.org/officeDocument/2006/relationships" xmlns:p="http://schemas.openxmlformats.org/presentationml/2006/main">
   <p:cSld>
     <p:bg>
@@ -41756,7 +42924,7 @@
 </p:sld>
 </file>
 
-<file path=ppt/slides/slide37.xml><?xml version="1.0" encoding="utf-8"?>
+<file path=ppt/slides/slide38.xml><?xml version="1.0" encoding="utf-8"?>
 <p:sld xmlns:a="http://schemas.openxmlformats.org/drawingml/2006/main" xmlns:r="http://schemas.openxmlformats.org/officeDocument/2006/relationships" xmlns:p="http://schemas.openxmlformats.org/presentationml/2006/main">
   <p:cSld>
     <p:bg>
@@ -42666,7 +43834,7 @@
 </p:sld>
 </file>
 
-<file path=ppt/slides/slide38.xml><?xml version="1.0" encoding="utf-8"?>
+<file path=ppt/slides/slide39.xml><?xml version="1.0" encoding="utf-8"?>
 <p:sld xmlns:a="http://schemas.openxmlformats.org/drawingml/2006/main" xmlns:r="http://schemas.openxmlformats.org/officeDocument/2006/relationships" xmlns:p="http://schemas.openxmlformats.org/presentationml/2006/main">
   <p:cSld>
     <p:bg>
@@ -43698,727 +44866,6 @@
 </p:sld>
 </file>
 
-<file path=ppt/slides/slide39.xml><?xml version="1.0" encoding="utf-8"?>
-<p:sld xmlns:a="http://schemas.openxmlformats.org/drawingml/2006/main" xmlns:r="http://schemas.openxmlformats.org/officeDocument/2006/relationships" xmlns:p="http://schemas.openxmlformats.org/presentationml/2006/main">
-  <p:cSld>
-    <p:bg>
-      <p:bgPr>
-        <a:solidFill>
-          <a:srgbClr val="013927"/>
-        </a:solidFill>
-        <a:effectLst/>
-      </p:bgPr>
-    </p:bg>
-    <p:spTree>
-      <p:nvGrpSpPr>
-        <p:cNvPr id="1" name="">
-          <a:extLst>
-            <a:ext uri="{FF2B5EF4-FFF2-40B4-BE49-F238E27FC236}">
-              <a16:creationId xmlns:a16="http://schemas.microsoft.com/office/drawing/2014/main" id="{9013F8A5-2261-FDAC-7A12-C4B4E1F8CB06}"/>
-            </a:ext>
-          </a:extLst>
-        </p:cNvPr>
-        <p:cNvGrpSpPr/>
-        <p:nvPr/>
-      </p:nvGrpSpPr>
-      <p:grpSpPr>
-        <a:xfrm>
-          <a:off x="0" y="0"/>
-          <a:ext cx="0" cy="0"/>
-          <a:chOff x="0" y="0"/>
-          <a:chExt cx="0" cy="0"/>
-        </a:xfrm>
-      </p:grpSpPr>
-      <p:grpSp>
-        <p:nvGrpSpPr>
-          <p:cNvPr id="3" name="Group 3">
-            <a:extLst>
-              <a:ext uri="{FF2B5EF4-FFF2-40B4-BE49-F238E27FC236}">
-                <a16:creationId xmlns:a16="http://schemas.microsoft.com/office/drawing/2014/main" id="{3036832B-06D1-50FB-2A81-741F1207D0E5}"/>
-              </a:ext>
-            </a:extLst>
-          </p:cNvPr>
-          <p:cNvGrpSpPr/>
-          <p:nvPr/>
-        </p:nvGrpSpPr>
-        <p:grpSpPr>
-          <a:xfrm>
-            <a:off x="340870" y="2270696"/>
-            <a:ext cx="10347669" cy="5034849"/>
-            <a:chOff x="-814744" y="583241"/>
-            <a:chExt cx="9113363" cy="6713132"/>
-          </a:xfrm>
-        </p:grpSpPr>
-        <p:sp>
-          <p:nvSpPr>
-            <p:cNvPr id="4" name="TextBox 4">
-              <a:extLst>
-                <a:ext uri="{FF2B5EF4-FFF2-40B4-BE49-F238E27FC236}">
-                  <a16:creationId xmlns:a16="http://schemas.microsoft.com/office/drawing/2014/main" id="{73347298-FFE7-BAA0-B555-82C02F66A331}"/>
-                </a:ext>
-              </a:extLst>
-            </p:cNvPr>
-            <p:cNvSpPr txBox="1"/>
-            <p:nvPr/>
-          </p:nvSpPr>
-          <p:spPr>
-            <a:xfrm>
-              <a:off x="-814744" y="583241"/>
-              <a:ext cx="9070942" cy="6463308"/>
-            </a:xfrm>
-            <a:prstGeom prst="rect">
-              <a:avLst/>
-            </a:prstGeom>
-          </p:spPr>
-          <p:txBody>
-            <a:bodyPr wrap="square" lIns="0" tIns="0" rIns="0" bIns="0" rtlCol="0" anchor="t">
-              <a:spAutoFit/>
-            </a:bodyPr>
-            <a:lstStyle/>
-            <a:p>
-              <a:pPr marL="0" marR="0" lvl="0" indent="0" algn="l" defTabSz="914400" rtl="0" eaLnBrk="1" fontAlgn="auto" latinLnBrk="0" hangingPunct="1">
-                <a:lnSpc>
-                  <a:spcPts val="12649"/>
-                </a:lnSpc>
-                <a:spcBef>
-                  <a:spcPts val="0"/>
-                </a:spcBef>
-                <a:spcAft>
-                  <a:spcPts val="0"/>
-                </a:spcAft>
-                <a:buClrTx/>
-                <a:buSzTx/>
-                <a:buFontTx/>
-                <a:buNone/>
-                <a:tabLst/>
-                <a:defRPr/>
-              </a:pPr>
-              <a:r>
-                <a:rPr kumimoji="0" lang="fr-FR" sz="11499" b="0" i="0" u="none" strike="noStrike" kern="1200" cap="none" spc="-402" normalizeH="0" baseline="0" noProof="0" dirty="0">
-                  <a:ln>
-                    <a:noFill/>
-                  </a:ln>
-                  <a:solidFill>
-                    <a:srgbClr val="FCFEF1"/>
-                  </a:solidFill>
-                  <a:effectLst/>
-                  <a:uLnTx/>
-                  <a:uFillTx/>
-                  <a:latin typeface="Noto Serif Display ExtraCondensed"/>
-                  <a:ea typeface="Noto Serif Display ExtraCondensed"/>
-                  <a:cs typeface="Noto Serif Display ExtraCondensed"/>
-                  <a:sym typeface="Noto Serif Display ExtraCondensed"/>
-                </a:rPr>
-                <a:t>DEMO – PUBMED</a:t>
-              </a:r>
-            </a:p>
-            <a:p>
-              <a:pPr marL="0" marR="0" lvl="0" indent="0" algn="l" defTabSz="914400" rtl="0" eaLnBrk="1" fontAlgn="auto" latinLnBrk="0" hangingPunct="1">
-                <a:lnSpc>
-                  <a:spcPts val="12649"/>
-                </a:lnSpc>
-                <a:spcBef>
-                  <a:spcPts val="0"/>
-                </a:spcBef>
-                <a:spcAft>
-                  <a:spcPts val="0"/>
-                </a:spcAft>
-                <a:buClrTx/>
-                <a:buSzTx/>
-                <a:buFontTx/>
-                <a:buNone/>
-                <a:tabLst/>
-                <a:defRPr/>
-              </a:pPr>
-              <a:endParaRPr lang="fr-FR" sz="11499" spc="-402" dirty="0">
-                <a:solidFill>
-                  <a:srgbClr val="FCFEF1"/>
-                </a:solidFill>
-                <a:latin typeface="Noto Serif Display ExtraCondensed"/>
-                <a:ea typeface="Noto Serif Display ExtraCondensed"/>
-                <a:cs typeface="Noto Serif Display ExtraCondensed"/>
-                <a:sym typeface="Noto Serif Display ExtraCondensed"/>
-              </a:endParaRPr>
-            </a:p>
-            <a:p>
-              <a:pPr marL="0" marR="0" lvl="0" indent="0" algn="l" defTabSz="914400" rtl="0" eaLnBrk="1" fontAlgn="auto" latinLnBrk="0" hangingPunct="1">
-                <a:lnSpc>
-                  <a:spcPts val="12649"/>
-                </a:lnSpc>
-                <a:spcBef>
-                  <a:spcPts val="0"/>
-                </a:spcBef>
-                <a:spcAft>
-                  <a:spcPts val="0"/>
-                </a:spcAft>
-                <a:buClrTx/>
-                <a:buSzTx/>
-                <a:buFontTx/>
-                <a:buNone/>
-                <a:tabLst/>
-                <a:defRPr/>
-              </a:pPr>
-              <a:r>
-                <a:rPr kumimoji="0" lang="fr-FR" sz="10500" b="0" i="0" u="none" strike="noStrike" kern="1200" cap="none" spc="-402" normalizeH="0" baseline="0" noProof="0" dirty="0">
-                  <a:ln>
-                    <a:noFill/>
-                  </a:ln>
-                  <a:solidFill>
-                    <a:srgbClr val="FCFEF1"/>
-                  </a:solidFill>
-                  <a:effectLst/>
-                  <a:uLnTx/>
-                  <a:uFillTx/>
-                  <a:latin typeface="Noto Serif Display ExtraCondensed"/>
-                  <a:ea typeface="Noto Serif Display ExtraCondensed"/>
-                  <a:cs typeface="Noto Serif Display ExtraCondensed"/>
-                  <a:sym typeface="Noto Serif Display ExtraCondensed"/>
-                </a:rPr>
-                <a:t>«DIABÈTE/DIABETES»</a:t>
-              </a:r>
-              <a:endParaRPr kumimoji="0" lang="en-US" sz="10500" b="0" i="0" u="none" strike="noStrike" kern="1200" cap="none" spc="-402" normalizeH="0" baseline="0" noProof="0" dirty="0">
-                <a:ln>
-                  <a:noFill/>
-                </a:ln>
-                <a:solidFill>
-                  <a:srgbClr val="FCFEF1"/>
-                </a:solidFill>
-                <a:effectLst/>
-                <a:uLnTx/>
-                <a:uFillTx/>
-                <a:latin typeface="Noto Serif Display ExtraCondensed"/>
-                <a:ea typeface="Noto Serif Display ExtraCondensed"/>
-                <a:cs typeface="Noto Serif Display ExtraCondensed"/>
-                <a:sym typeface="Noto Serif Display ExtraCondensed"/>
-              </a:endParaRPr>
-            </a:p>
-          </p:txBody>
-        </p:sp>
-        <p:sp>
-          <p:nvSpPr>
-            <p:cNvPr id="5" name="TextBox 5">
-              <a:extLst>
-                <a:ext uri="{FF2B5EF4-FFF2-40B4-BE49-F238E27FC236}">
-                  <a16:creationId xmlns:a16="http://schemas.microsoft.com/office/drawing/2014/main" id="{B25862D1-A913-A469-D87D-714642A8D705}"/>
-                </a:ext>
-              </a:extLst>
-            </p:cNvPr>
-            <p:cNvSpPr txBox="1"/>
-            <p:nvPr/>
-          </p:nvSpPr>
-          <p:spPr>
-            <a:xfrm>
-              <a:off x="0" y="6756835"/>
-              <a:ext cx="8298619" cy="539538"/>
-            </a:xfrm>
-            <a:prstGeom prst="rect">
-              <a:avLst/>
-            </a:prstGeom>
-          </p:spPr>
-          <p:txBody>
-            <a:bodyPr lIns="0" tIns="0" rIns="0" bIns="0" rtlCol="0" anchor="t">
-              <a:spAutoFit/>
-            </a:bodyPr>
-            <a:lstStyle/>
-            <a:p>
-              <a:pPr marL="0" marR="0" lvl="0" indent="0" algn="l" defTabSz="914400" rtl="0" eaLnBrk="1" fontAlgn="auto" latinLnBrk="0" hangingPunct="1">
-                <a:lnSpc>
-                  <a:spcPts val="3079"/>
-                </a:lnSpc>
-                <a:spcBef>
-                  <a:spcPts val="0"/>
-                </a:spcBef>
-                <a:spcAft>
-                  <a:spcPts val="0"/>
-                </a:spcAft>
-                <a:buClrTx/>
-                <a:buSzTx/>
-                <a:buFontTx/>
-                <a:buNone/>
-                <a:tabLst/>
-                <a:defRPr/>
-              </a:pPr>
-              <a:endParaRPr kumimoji="0" sz="1800" b="0" i="0" u="none" strike="noStrike" kern="1200" cap="none" spc="0" normalizeH="0" baseline="0" noProof="0">
-                <a:ln>
-                  <a:noFill/>
-                </a:ln>
-                <a:solidFill>
-                  <a:prstClr val="black"/>
-                </a:solidFill>
-                <a:effectLst/>
-                <a:uLnTx/>
-                <a:uFillTx/>
-                <a:latin typeface="Calibri"/>
-                <a:ea typeface="+mn-ea"/>
-                <a:cs typeface="+mn-cs"/>
-              </a:endParaRPr>
-            </a:p>
-          </p:txBody>
-        </p:sp>
-      </p:grpSp>
-      <p:sp>
-        <p:nvSpPr>
-          <p:cNvPr id="6" name="AutoShape 6">
-            <a:extLst>
-              <a:ext uri="{FF2B5EF4-FFF2-40B4-BE49-F238E27FC236}">
-                <a16:creationId xmlns:a16="http://schemas.microsoft.com/office/drawing/2014/main" id="{7857E0C0-C923-7F09-9145-6F0017677AD5}"/>
-              </a:ext>
-            </a:extLst>
-          </p:cNvPr>
-          <p:cNvSpPr/>
-          <p:nvPr/>
-        </p:nvSpPr>
-        <p:spPr>
-          <a:xfrm flipV="1">
-            <a:off x="0" y="9258300"/>
-            <a:ext cx="18493007" cy="0"/>
-          </a:xfrm>
-          <a:prstGeom prst="line">
-            <a:avLst/>
-          </a:prstGeom>
-          <a:ln w="9525" cap="flat">
-            <a:solidFill>
-              <a:srgbClr val="FCFEF1"/>
-            </a:solidFill>
-            <a:prstDash val="solid"/>
-            <a:headEnd type="none" w="sm" len="sm"/>
-            <a:tailEnd type="none" w="sm" len="sm"/>
-          </a:ln>
-        </p:spPr>
-        <p:txBody>
-          <a:bodyPr/>
-          <a:lstStyle/>
-          <a:p>
-            <a:pPr marL="0" marR="0" lvl="0" indent="0" algn="l" defTabSz="914400" rtl="0" eaLnBrk="1" fontAlgn="auto" latinLnBrk="0" hangingPunct="1">
-              <a:lnSpc>
-                <a:spcPct val="100000"/>
-              </a:lnSpc>
-              <a:spcBef>
-                <a:spcPts val="0"/>
-              </a:spcBef>
-              <a:spcAft>
-                <a:spcPts val="0"/>
-              </a:spcAft>
-              <a:buClrTx/>
-              <a:buSzTx/>
-              <a:buFontTx/>
-              <a:buNone/>
-              <a:tabLst/>
-              <a:defRPr/>
-            </a:pPr>
-            <a:endParaRPr kumimoji="0" lang="en-US" sz="1800" b="0" i="0" u="none" strike="noStrike" kern="1200" cap="none" spc="0" normalizeH="0" baseline="0" noProof="0">
-              <a:ln>
-                <a:noFill/>
-              </a:ln>
-              <a:solidFill>
-                <a:prstClr val="black"/>
-              </a:solidFill>
-              <a:effectLst/>
-              <a:uLnTx/>
-              <a:uFillTx/>
-              <a:latin typeface="Calibri"/>
-              <a:ea typeface="+mn-ea"/>
-              <a:cs typeface="+mn-cs"/>
-            </a:endParaRPr>
-          </a:p>
-        </p:txBody>
-      </p:sp>
-      <p:sp>
-        <p:nvSpPr>
-          <p:cNvPr id="7" name="AutoShape 7">
-            <a:extLst>
-              <a:ext uri="{FF2B5EF4-FFF2-40B4-BE49-F238E27FC236}">
-                <a16:creationId xmlns:a16="http://schemas.microsoft.com/office/drawing/2014/main" id="{393E9708-7782-3220-A287-56905746A924}"/>
-              </a:ext>
-            </a:extLst>
-          </p:cNvPr>
-          <p:cNvSpPr/>
-          <p:nvPr/>
-        </p:nvSpPr>
-        <p:spPr>
-          <a:xfrm flipV="1">
-            <a:off x="0" y="1023937"/>
-            <a:ext cx="18493007" cy="0"/>
-          </a:xfrm>
-          <a:prstGeom prst="line">
-            <a:avLst/>
-          </a:prstGeom>
-          <a:ln w="9525" cap="flat">
-            <a:solidFill>
-              <a:srgbClr val="FCFEF1"/>
-            </a:solidFill>
-            <a:prstDash val="solid"/>
-            <a:headEnd type="none" w="sm" len="sm"/>
-            <a:tailEnd type="none" w="sm" len="sm"/>
-          </a:ln>
-        </p:spPr>
-        <p:txBody>
-          <a:bodyPr/>
-          <a:lstStyle/>
-          <a:p>
-            <a:pPr marL="0" marR="0" lvl="0" indent="0" algn="l" defTabSz="914400" rtl="0" eaLnBrk="1" fontAlgn="auto" latinLnBrk="0" hangingPunct="1">
-              <a:lnSpc>
-                <a:spcPct val="100000"/>
-              </a:lnSpc>
-              <a:spcBef>
-                <a:spcPts val="0"/>
-              </a:spcBef>
-              <a:spcAft>
-                <a:spcPts val="0"/>
-              </a:spcAft>
-              <a:buClrTx/>
-              <a:buSzTx/>
-              <a:buFontTx/>
-              <a:buNone/>
-              <a:tabLst/>
-              <a:defRPr/>
-            </a:pPr>
-            <a:endParaRPr kumimoji="0" lang="en-US" sz="1800" b="0" i="0" u="none" strike="noStrike" kern="1200" cap="none" spc="0" normalizeH="0" baseline="0" noProof="0">
-              <a:ln>
-                <a:noFill/>
-              </a:ln>
-              <a:solidFill>
-                <a:prstClr val="black"/>
-              </a:solidFill>
-              <a:effectLst/>
-              <a:uLnTx/>
-              <a:uFillTx/>
-              <a:latin typeface="Calibri"/>
-              <a:ea typeface="+mn-ea"/>
-              <a:cs typeface="+mn-cs"/>
-            </a:endParaRPr>
-          </a:p>
-        </p:txBody>
-      </p:sp>
-      <p:sp>
-        <p:nvSpPr>
-          <p:cNvPr id="8" name="TextBox 7">
-            <a:extLst>
-              <a:ext uri="{FF2B5EF4-FFF2-40B4-BE49-F238E27FC236}">
-                <a16:creationId xmlns:a16="http://schemas.microsoft.com/office/drawing/2014/main" id="{2C2E31FC-B6BC-45D0-1DEE-F20D4BFD0AB7}"/>
-              </a:ext>
-            </a:extLst>
-          </p:cNvPr>
-          <p:cNvSpPr txBox="1"/>
-          <p:nvPr/>
-        </p:nvSpPr>
-        <p:spPr>
-          <a:xfrm>
-            <a:off x="10688539" y="1866900"/>
-            <a:ext cx="7010400" cy="6863417"/>
-          </a:xfrm>
-          <a:prstGeom prst="rect">
-            <a:avLst/>
-          </a:prstGeom>
-          <a:noFill/>
-        </p:spPr>
-        <p:txBody>
-          <a:bodyPr wrap="square" rtlCol="0">
-            <a:spAutoFit/>
-          </a:bodyPr>
-          <a:lstStyle/>
-          <a:p>
-            <a:pPr algn="ctr"/>
-            <a:r>
-              <a:rPr lang="fr-FR" sz="4400" dirty="0">
-                <a:solidFill>
-                  <a:schemeClr val="bg1"/>
-                </a:solidFill>
-                <a:latin typeface="Crimson Pro" panose="020B0604020202020204" charset="0"/>
-              </a:rPr>
-              <a:t>Chez les adultes vivant en Afrique subsaharienne, comment les programmes de gestion du </a:t>
-            </a:r>
-            <a:r>
-              <a:rPr lang="fr-FR" sz="4400" b="1" u="sng" dirty="0">
-                <a:solidFill>
-                  <a:schemeClr val="bg1"/>
-                </a:solidFill>
-                <a:latin typeface="Crimson Pro" panose="020B0604020202020204" charset="0"/>
-              </a:rPr>
-              <a:t>diabète de type 2 </a:t>
-            </a:r>
-            <a:r>
-              <a:rPr lang="fr-FR" sz="4400" dirty="0">
-                <a:solidFill>
-                  <a:schemeClr val="bg1"/>
-                </a:solidFill>
-                <a:latin typeface="Crimson Pro" panose="020B0604020202020204" charset="0"/>
-              </a:rPr>
-              <a:t>basés sur l'alimentation et l'exercice influencent-ils le contrôle de la glycémie et la réduction des complications par rapport aux soins standards ?</a:t>
-            </a:r>
-            <a:endParaRPr lang="en-US" sz="4400" dirty="0">
-              <a:solidFill>
-                <a:schemeClr val="bg1"/>
-              </a:solidFill>
-              <a:latin typeface="Crimson Pro" panose="020B0604020202020204" charset="0"/>
-            </a:endParaRPr>
-          </a:p>
-        </p:txBody>
-      </p:sp>
-      <p:sp>
-        <p:nvSpPr>
-          <p:cNvPr id="2" name="TextBox 11">
-            <a:extLst>
-              <a:ext uri="{FF2B5EF4-FFF2-40B4-BE49-F238E27FC236}">
-                <a16:creationId xmlns:a16="http://schemas.microsoft.com/office/drawing/2014/main" id="{B9A498F9-1B09-54B3-8F16-C3B9A0F3D493}"/>
-              </a:ext>
-            </a:extLst>
-          </p:cNvPr>
-          <p:cNvSpPr txBox="1"/>
-          <p:nvPr/>
-        </p:nvSpPr>
-        <p:spPr>
-          <a:xfrm>
-            <a:off x="3276600" y="226049"/>
-            <a:ext cx="14706600" cy="742383"/>
-          </a:xfrm>
-          <a:prstGeom prst="rect">
-            <a:avLst/>
-          </a:prstGeom>
-        </p:spPr>
-        <p:txBody>
-          <a:bodyPr wrap="square" lIns="0" tIns="0" rIns="0" bIns="0" rtlCol="0" anchor="t">
-            <a:spAutoFit/>
-          </a:bodyPr>
-          <a:lstStyle/>
-          <a:p>
-            <a:pPr marL="0" lvl="0" indent="0" algn="r">
-              <a:lnSpc>
-                <a:spcPts val="1694"/>
-              </a:lnSpc>
-            </a:pPr>
-            <a:r>
-              <a:rPr lang="en-US" sz="1600" spc="-71" dirty="0">
-                <a:solidFill>
-                  <a:srgbClr val="FCFEF1"/>
-                </a:solidFill>
-                <a:latin typeface="Crimson Pro"/>
-                <a:ea typeface="Crimson Pro"/>
-                <a:cs typeface="Crimson Pro"/>
-                <a:sym typeface="Crimson Pro"/>
-              </a:rPr>
-              <a:t>Scoping and Systematic Reviews Workshop</a:t>
-            </a:r>
-          </a:p>
-          <a:p>
-            <a:pPr marL="0" lvl="0" indent="0" algn="r">
-              <a:lnSpc>
-                <a:spcPts val="1694"/>
-              </a:lnSpc>
-            </a:pPr>
-            <a:endParaRPr lang="en-US" sz="4800" spc="-71" dirty="0">
-              <a:solidFill>
-                <a:srgbClr val="FCFEF1"/>
-              </a:solidFill>
-              <a:latin typeface="Crimson Pro"/>
-              <a:ea typeface="Crimson Pro"/>
-              <a:cs typeface="Crimson Pro"/>
-              <a:sym typeface="Crimson Pro"/>
-            </a:endParaRPr>
-          </a:p>
-          <a:p>
-            <a:pPr marL="0" lvl="0" indent="0" algn="r">
-              <a:lnSpc>
-                <a:spcPts val="1694"/>
-              </a:lnSpc>
-            </a:pPr>
-            <a:r>
-              <a:rPr lang="en-US" sz="4800" spc="-71" dirty="0">
-                <a:solidFill>
-                  <a:srgbClr val="FCFEF1"/>
-                </a:solidFill>
-                <a:latin typeface="Crimson Pro"/>
-                <a:ea typeface="Crimson Pro"/>
-                <a:cs typeface="Crimson Pro"/>
-                <a:sym typeface="Crimson Pro"/>
-              </a:rPr>
-              <a:t>DR IDIATOU DIALLO</a:t>
-            </a:r>
-          </a:p>
-        </p:txBody>
-      </p:sp>
-      <p:sp>
-        <p:nvSpPr>
-          <p:cNvPr id="9" name="TextBox 8">
-            <a:extLst>
-              <a:ext uri="{FF2B5EF4-FFF2-40B4-BE49-F238E27FC236}">
-                <a16:creationId xmlns:a16="http://schemas.microsoft.com/office/drawing/2014/main" id="{4C8E84AD-9DC8-10F0-26EE-A474045BCEA1}"/>
-              </a:ext>
-            </a:extLst>
-          </p:cNvPr>
-          <p:cNvSpPr txBox="1"/>
-          <p:nvPr/>
-        </p:nvSpPr>
-        <p:spPr>
-          <a:xfrm>
-            <a:off x="118521" y="7890812"/>
-            <a:ext cx="10744200" cy="1815882"/>
-          </a:xfrm>
-          <a:prstGeom prst="rect">
-            <a:avLst/>
-          </a:prstGeom>
-          <a:noFill/>
-        </p:spPr>
-        <p:txBody>
-          <a:bodyPr wrap="square" rtlCol="0">
-            <a:spAutoFit/>
-          </a:bodyPr>
-          <a:lstStyle/>
-          <a:p>
-            <a:r>
-              <a:rPr lang="en-US" sz="2800" b="1" dirty="0">
-                <a:solidFill>
-                  <a:schemeClr val="bg1"/>
-                </a:solidFill>
-                <a:latin typeface="Crimson Pro" panose="020B0604020202020204" charset="0"/>
-              </a:rPr>
-              <a:t>PUBMED NORMAL</a:t>
-            </a:r>
-            <a:r>
-              <a:rPr lang="en-US" sz="2800" dirty="0">
-                <a:solidFill>
-                  <a:schemeClr val="bg1"/>
-                </a:solidFill>
-                <a:latin typeface="Crimson Pro" panose="020B0604020202020204" charset="0"/>
-              </a:rPr>
-              <a:t>: </a:t>
-            </a:r>
-            <a:r>
-              <a:rPr lang="en-US" sz="2800" dirty="0">
-                <a:solidFill>
-                  <a:srgbClr val="FFFF00"/>
-                </a:solidFill>
-                <a:latin typeface="Crimson Pro" panose="020B0604020202020204" charset="0"/>
-                <a:hlinkClick r:id="rId3">
-                  <a:extLst>
-                    <a:ext uri="{A12FA001-AC4F-418D-AE19-62706E023703}">
-                      <ahyp:hlinkClr xmlns:ahyp="http://schemas.microsoft.com/office/drawing/2018/hyperlinkcolor" val="tx"/>
-                    </a:ext>
-                  </a:extLst>
-                </a:hlinkClick>
-              </a:rPr>
-              <a:t>https://pubmed.ncbi.nlm.nih.gov/</a:t>
-            </a:r>
-            <a:endParaRPr lang="en-US" sz="2800" dirty="0">
-              <a:solidFill>
-                <a:srgbClr val="FFFF00"/>
-              </a:solidFill>
-              <a:latin typeface="Crimson Pro" panose="020B0604020202020204" charset="0"/>
-            </a:endParaRPr>
-          </a:p>
-          <a:p>
-            <a:r>
-              <a:rPr lang="en-US" sz="2800" b="1" dirty="0">
-                <a:solidFill>
-                  <a:schemeClr val="bg1"/>
-                </a:solidFill>
-                <a:latin typeface="Crimson Pro" panose="020B0604020202020204" charset="0"/>
-              </a:rPr>
-              <a:t>PUBMMED ADVANCED</a:t>
-            </a:r>
-            <a:r>
-              <a:rPr lang="en-US" sz="2800" dirty="0">
-                <a:solidFill>
-                  <a:srgbClr val="FFFF00"/>
-                </a:solidFill>
-                <a:latin typeface="Crimson Pro" panose="020B0604020202020204" charset="0"/>
-              </a:rPr>
-              <a:t>: </a:t>
-            </a:r>
-            <a:r>
-              <a:rPr lang="en-US" sz="2800" dirty="0">
-                <a:solidFill>
-                  <a:srgbClr val="FFFF00"/>
-                </a:solidFill>
-                <a:latin typeface="Crimson Pro" panose="020B0604020202020204" charset="0"/>
-                <a:hlinkClick r:id="rId4">
-                  <a:extLst>
-                    <a:ext uri="{A12FA001-AC4F-418D-AE19-62706E023703}">
-                      <ahyp:hlinkClr xmlns:ahyp="http://schemas.microsoft.com/office/drawing/2018/hyperlinkcolor" val="tx"/>
-                    </a:ext>
-                  </a:extLst>
-                </a:hlinkClick>
-              </a:rPr>
-              <a:t>https://pubmed.ncbi.nlm.nih.gov/advanced/</a:t>
-            </a:r>
-            <a:r>
-              <a:rPr lang="en-US" sz="2800" dirty="0">
-                <a:solidFill>
-                  <a:srgbClr val="FFFF00"/>
-                </a:solidFill>
-                <a:latin typeface="Crimson Pro" panose="020B0604020202020204" charset="0"/>
-              </a:rPr>
-              <a:t>   </a:t>
-            </a:r>
-          </a:p>
-          <a:p>
-            <a:r>
-              <a:rPr lang="en-US" sz="2800" b="1" dirty="0">
-                <a:solidFill>
-                  <a:schemeClr val="bg1"/>
-                </a:solidFill>
-                <a:latin typeface="Crimson Pro" panose="020B0604020202020204" charset="0"/>
-              </a:rPr>
-              <a:t>PUBMED MESH</a:t>
-            </a:r>
-            <a:r>
-              <a:rPr lang="en-US" sz="2800" dirty="0">
-                <a:solidFill>
-                  <a:srgbClr val="FFFF00"/>
-                </a:solidFill>
-                <a:latin typeface="Crimson Pro" panose="020B0604020202020204" charset="0"/>
-              </a:rPr>
-              <a:t>: </a:t>
-            </a:r>
-            <a:r>
-              <a:rPr lang="en-US" sz="2800" dirty="0">
-                <a:solidFill>
-                  <a:srgbClr val="FFFF00"/>
-                </a:solidFill>
-                <a:latin typeface="Crimson Pro" panose="020B0604020202020204" charset="0"/>
-                <a:hlinkClick r:id="rId5">
-                  <a:extLst>
-                    <a:ext uri="{A12FA001-AC4F-418D-AE19-62706E023703}">
-                      <ahyp:hlinkClr xmlns:ahyp="http://schemas.microsoft.com/office/drawing/2018/hyperlinkcolor" val="tx"/>
-                    </a:ext>
-                  </a:extLst>
-                </a:hlinkClick>
-              </a:rPr>
-              <a:t>https://www.ncbi.nlm.nih.gov/mesh</a:t>
-            </a:r>
-            <a:r>
-              <a:rPr lang="en-US" sz="2800" dirty="0">
-                <a:solidFill>
-                  <a:srgbClr val="FFFF00"/>
-                </a:solidFill>
-                <a:latin typeface="Crimson Pro" panose="020B0604020202020204" charset="0"/>
-              </a:rPr>
-              <a:t> </a:t>
-            </a:r>
-          </a:p>
-          <a:p>
-            <a:endParaRPr lang="en-US" sz="2800" dirty="0">
-              <a:solidFill>
-                <a:schemeClr val="bg1"/>
-              </a:solidFill>
-              <a:latin typeface="Crimson Pro" panose="020B0604020202020204" charset="0"/>
-            </a:endParaRPr>
-          </a:p>
-        </p:txBody>
-      </p:sp>
-    </p:spTree>
-    <p:extLst>
-      <p:ext uri="{BB962C8B-B14F-4D97-AF65-F5344CB8AC3E}">
-        <p14:creationId xmlns:p14="http://schemas.microsoft.com/office/powerpoint/2010/main" val="226311508"/>
-      </p:ext>
-    </p:extLst>
-  </p:cSld>
-  <p:clrMapOvr>
-    <a:masterClrMapping/>
-  </p:clrMapOvr>
-</p:sld>
-</file>
-
 <file path=ppt/slides/slide4.xml><?xml version="1.0" encoding="utf-8"?>
 <p:sld xmlns:a="http://schemas.openxmlformats.org/drawingml/2006/main" xmlns:r="http://schemas.openxmlformats.org/officeDocument/2006/relationships" xmlns:p="http://schemas.openxmlformats.org/presentationml/2006/main">
   <p:cSld>
@@ -45612,6 +46059,727 @@
     </p:bg>
     <p:spTree>
       <p:nvGrpSpPr>
+        <p:cNvPr id="1" name="">
+          <a:extLst>
+            <a:ext uri="{FF2B5EF4-FFF2-40B4-BE49-F238E27FC236}">
+              <a16:creationId xmlns:a16="http://schemas.microsoft.com/office/drawing/2014/main" id="{9013F8A5-2261-FDAC-7A12-C4B4E1F8CB06}"/>
+            </a:ext>
+          </a:extLst>
+        </p:cNvPr>
+        <p:cNvGrpSpPr/>
+        <p:nvPr/>
+      </p:nvGrpSpPr>
+      <p:grpSpPr>
+        <a:xfrm>
+          <a:off x="0" y="0"/>
+          <a:ext cx="0" cy="0"/>
+          <a:chOff x="0" y="0"/>
+          <a:chExt cx="0" cy="0"/>
+        </a:xfrm>
+      </p:grpSpPr>
+      <p:grpSp>
+        <p:nvGrpSpPr>
+          <p:cNvPr id="3" name="Group 3">
+            <a:extLst>
+              <a:ext uri="{FF2B5EF4-FFF2-40B4-BE49-F238E27FC236}">
+                <a16:creationId xmlns:a16="http://schemas.microsoft.com/office/drawing/2014/main" id="{3036832B-06D1-50FB-2A81-741F1207D0E5}"/>
+              </a:ext>
+            </a:extLst>
+          </p:cNvPr>
+          <p:cNvGrpSpPr/>
+          <p:nvPr/>
+        </p:nvGrpSpPr>
+        <p:grpSpPr>
+          <a:xfrm>
+            <a:off x="340870" y="2270696"/>
+            <a:ext cx="10347669" cy="5034849"/>
+            <a:chOff x="-814744" y="583241"/>
+            <a:chExt cx="9113363" cy="6713132"/>
+          </a:xfrm>
+        </p:grpSpPr>
+        <p:sp>
+          <p:nvSpPr>
+            <p:cNvPr id="4" name="TextBox 4">
+              <a:extLst>
+                <a:ext uri="{FF2B5EF4-FFF2-40B4-BE49-F238E27FC236}">
+                  <a16:creationId xmlns:a16="http://schemas.microsoft.com/office/drawing/2014/main" id="{73347298-FFE7-BAA0-B555-82C02F66A331}"/>
+                </a:ext>
+              </a:extLst>
+            </p:cNvPr>
+            <p:cNvSpPr txBox="1"/>
+            <p:nvPr/>
+          </p:nvSpPr>
+          <p:spPr>
+            <a:xfrm>
+              <a:off x="-814744" y="583241"/>
+              <a:ext cx="9070942" cy="6463308"/>
+            </a:xfrm>
+            <a:prstGeom prst="rect">
+              <a:avLst/>
+            </a:prstGeom>
+          </p:spPr>
+          <p:txBody>
+            <a:bodyPr wrap="square" lIns="0" tIns="0" rIns="0" bIns="0" rtlCol="0" anchor="t">
+              <a:spAutoFit/>
+            </a:bodyPr>
+            <a:lstStyle/>
+            <a:p>
+              <a:pPr marL="0" marR="0" lvl="0" indent="0" algn="l" defTabSz="914400" rtl="0" eaLnBrk="1" fontAlgn="auto" latinLnBrk="0" hangingPunct="1">
+                <a:lnSpc>
+                  <a:spcPts val="12649"/>
+                </a:lnSpc>
+                <a:spcBef>
+                  <a:spcPts val="0"/>
+                </a:spcBef>
+                <a:spcAft>
+                  <a:spcPts val="0"/>
+                </a:spcAft>
+                <a:buClrTx/>
+                <a:buSzTx/>
+                <a:buFontTx/>
+                <a:buNone/>
+                <a:tabLst/>
+                <a:defRPr/>
+              </a:pPr>
+              <a:r>
+                <a:rPr kumimoji="0" lang="fr-FR" sz="11499" b="0" i="0" u="none" strike="noStrike" kern="1200" cap="none" spc="-402" normalizeH="0" baseline="0" noProof="0" dirty="0">
+                  <a:ln>
+                    <a:noFill/>
+                  </a:ln>
+                  <a:solidFill>
+                    <a:srgbClr val="FCFEF1"/>
+                  </a:solidFill>
+                  <a:effectLst/>
+                  <a:uLnTx/>
+                  <a:uFillTx/>
+                  <a:latin typeface="Noto Serif Display ExtraCondensed"/>
+                  <a:ea typeface="Noto Serif Display ExtraCondensed"/>
+                  <a:cs typeface="Noto Serif Display ExtraCondensed"/>
+                  <a:sym typeface="Noto Serif Display ExtraCondensed"/>
+                </a:rPr>
+                <a:t>DEMO – PUBMED</a:t>
+              </a:r>
+            </a:p>
+            <a:p>
+              <a:pPr marL="0" marR="0" lvl="0" indent="0" algn="l" defTabSz="914400" rtl="0" eaLnBrk="1" fontAlgn="auto" latinLnBrk="0" hangingPunct="1">
+                <a:lnSpc>
+                  <a:spcPts val="12649"/>
+                </a:lnSpc>
+                <a:spcBef>
+                  <a:spcPts val="0"/>
+                </a:spcBef>
+                <a:spcAft>
+                  <a:spcPts val="0"/>
+                </a:spcAft>
+                <a:buClrTx/>
+                <a:buSzTx/>
+                <a:buFontTx/>
+                <a:buNone/>
+                <a:tabLst/>
+                <a:defRPr/>
+              </a:pPr>
+              <a:endParaRPr lang="fr-FR" sz="11499" spc="-402" dirty="0">
+                <a:solidFill>
+                  <a:srgbClr val="FCFEF1"/>
+                </a:solidFill>
+                <a:latin typeface="Noto Serif Display ExtraCondensed"/>
+                <a:ea typeface="Noto Serif Display ExtraCondensed"/>
+                <a:cs typeface="Noto Serif Display ExtraCondensed"/>
+                <a:sym typeface="Noto Serif Display ExtraCondensed"/>
+              </a:endParaRPr>
+            </a:p>
+            <a:p>
+              <a:pPr marL="0" marR="0" lvl="0" indent="0" algn="l" defTabSz="914400" rtl="0" eaLnBrk="1" fontAlgn="auto" latinLnBrk="0" hangingPunct="1">
+                <a:lnSpc>
+                  <a:spcPts val="12649"/>
+                </a:lnSpc>
+                <a:spcBef>
+                  <a:spcPts val="0"/>
+                </a:spcBef>
+                <a:spcAft>
+                  <a:spcPts val="0"/>
+                </a:spcAft>
+                <a:buClrTx/>
+                <a:buSzTx/>
+                <a:buFontTx/>
+                <a:buNone/>
+                <a:tabLst/>
+                <a:defRPr/>
+              </a:pPr>
+              <a:r>
+                <a:rPr kumimoji="0" lang="fr-FR" sz="10500" b="0" i="0" u="none" strike="noStrike" kern="1200" cap="none" spc="-402" normalizeH="0" baseline="0" noProof="0" dirty="0">
+                  <a:ln>
+                    <a:noFill/>
+                  </a:ln>
+                  <a:solidFill>
+                    <a:srgbClr val="FCFEF1"/>
+                  </a:solidFill>
+                  <a:effectLst/>
+                  <a:uLnTx/>
+                  <a:uFillTx/>
+                  <a:latin typeface="Noto Serif Display ExtraCondensed"/>
+                  <a:ea typeface="Noto Serif Display ExtraCondensed"/>
+                  <a:cs typeface="Noto Serif Display ExtraCondensed"/>
+                  <a:sym typeface="Noto Serif Display ExtraCondensed"/>
+                </a:rPr>
+                <a:t>«DIABÈTE/DIABETES»</a:t>
+              </a:r>
+              <a:endParaRPr kumimoji="0" lang="en-US" sz="10500" b="0" i="0" u="none" strike="noStrike" kern="1200" cap="none" spc="-402" normalizeH="0" baseline="0" noProof="0" dirty="0">
+                <a:ln>
+                  <a:noFill/>
+                </a:ln>
+                <a:solidFill>
+                  <a:srgbClr val="FCFEF1"/>
+                </a:solidFill>
+                <a:effectLst/>
+                <a:uLnTx/>
+                <a:uFillTx/>
+                <a:latin typeface="Noto Serif Display ExtraCondensed"/>
+                <a:ea typeface="Noto Serif Display ExtraCondensed"/>
+                <a:cs typeface="Noto Serif Display ExtraCondensed"/>
+                <a:sym typeface="Noto Serif Display ExtraCondensed"/>
+              </a:endParaRPr>
+            </a:p>
+          </p:txBody>
+        </p:sp>
+        <p:sp>
+          <p:nvSpPr>
+            <p:cNvPr id="5" name="TextBox 5">
+              <a:extLst>
+                <a:ext uri="{FF2B5EF4-FFF2-40B4-BE49-F238E27FC236}">
+                  <a16:creationId xmlns:a16="http://schemas.microsoft.com/office/drawing/2014/main" id="{B25862D1-A913-A469-D87D-714642A8D705}"/>
+                </a:ext>
+              </a:extLst>
+            </p:cNvPr>
+            <p:cNvSpPr txBox="1"/>
+            <p:nvPr/>
+          </p:nvSpPr>
+          <p:spPr>
+            <a:xfrm>
+              <a:off x="0" y="6756835"/>
+              <a:ext cx="8298619" cy="539538"/>
+            </a:xfrm>
+            <a:prstGeom prst="rect">
+              <a:avLst/>
+            </a:prstGeom>
+          </p:spPr>
+          <p:txBody>
+            <a:bodyPr lIns="0" tIns="0" rIns="0" bIns="0" rtlCol="0" anchor="t">
+              <a:spAutoFit/>
+            </a:bodyPr>
+            <a:lstStyle/>
+            <a:p>
+              <a:pPr marL="0" marR="0" lvl="0" indent="0" algn="l" defTabSz="914400" rtl="0" eaLnBrk="1" fontAlgn="auto" latinLnBrk="0" hangingPunct="1">
+                <a:lnSpc>
+                  <a:spcPts val="3079"/>
+                </a:lnSpc>
+                <a:spcBef>
+                  <a:spcPts val="0"/>
+                </a:spcBef>
+                <a:spcAft>
+                  <a:spcPts val="0"/>
+                </a:spcAft>
+                <a:buClrTx/>
+                <a:buSzTx/>
+                <a:buFontTx/>
+                <a:buNone/>
+                <a:tabLst/>
+                <a:defRPr/>
+              </a:pPr>
+              <a:endParaRPr kumimoji="0" sz="1800" b="0" i="0" u="none" strike="noStrike" kern="1200" cap="none" spc="0" normalizeH="0" baseline="0" noProof="0">
+                <a:ln>
+                  <a:noFill/>
+                </a:ln>
+                <a:solidFill>
+                  <a:prstClr val="black"/>
+                </a:solidFill>
+                <a:effectLst/>
+                <a:uLnTx/>
+                <a:uFillTx/>
+                <a:latin typeface="Calibri"/>
+                <a:ea typeface="+mn-ea"/>
+                <a:cs typeface="+mn-cs"/>
+              </a:endParaRPr>
+            </a:p>
+          </p:txBody>
+        </p:sp>
+      </p:grpSp>
+      <p:sp>
+        <p:nvSpPr>
+          <p:cNvPr id="6" name="AutoShape 6">
+            <a:extLst>
+              <a:ext uri="{FF2B5EF4-FFF2-40B4-BE49-F238E27FC236}">
+                <a16:creationId xmlns:a16="http://schemas.microsoft.com/office/drawing/2014/main" id="{7857E0C0-C923-7F09-9145-6F0017677AD5}"/>
+              </a:ext>
+            </a:extLst>
+          </p:cNvPr>
+          <p:cNvSpPr/>
+          <p:nvPr/>
+        </p:nvSpPr>
+        <p:spPr>
+          <a:xfrm flipV="1">
+            <a:off x="0" y="9258300"/>
+            <a:ext cx="18493007" cy="0"/>
+          </a:xfrm>
+          <a:prstGeom prst="line">
+            <a:avLst/>
+          </a:prstGeom>
+          <a:ln w="9525" cap="flat">
+            <a:solidFill>
+              <a:srgbClr val="FCFEF1"/>
+            </a:solidFill>
+            <a:prstDash val="solid"/>
+            <a:headEnd type="none" w="sm" len="sm"/>
+            <a:tailEnd type="none" w="sm" len="sm"/>
+          </a:ln>
+        </p:spPr>
+        <p:txBody>
+          <a:bodyPr/>
+          <a:lstStyle/>
+          <a:p>
+            <a:pPr marL="0" marR="0" lvl="0" indent="0" algn="l" defTabSz="914400" rtl="0" eaLnBrk="1" fontAlgn="auto" latinLnBrk="0" hangingPunct="1">
+              <a:lnSpc>
+                <a:spcPct val="100000"/>
+              </a:lnSpc>
+              <a:spcBef>
+                <a:spcPts val="0"/>
+              </a:spcBef>
+              <a:spcAft>
+                <a:spcPts val="0"/>
+              </a:spcAft>
+              <a:buClrTx/>
+              <a:buSzTx/>
+              <a:buFontTx/>
+              <a:buNone/>
+              <a:tabLst/>
+              <a:defRPr/>
+            </a:pPr>
+            <a:endParaRPr kumimoji="0" lang="en-US" sz="1800" b="0" i="0" u="none" strike="noStrike" kern="1200" cap="none" spc="0" normalizeH="0" baseline="0" noProof="0">
+              <a:ln>
+                <a:noFill/>
+              </a:ln>
+              <a:solidFill>
+                <a:prstClr val="black"/>
+              </a:solidFill>
+              <a:effectLst/>
+              <a:uLnTx/>
+              <a:uFillTx/>
+              <a:latin typeface="Calibri"/>
+              <a:ea typeface="+mn-ea"/>
+              <a:cs typeface="+mn-cs"/>
+            </a:endParaRPr>
+          </a:p>
+        </p:txBody>
+      </p:sp>
+      <p:sp>
+        <p:nvSpPr>
+          <p:cNvPr id="7" name="AutoShape 7">
+            <a:extLst>
+              <a:ext uri="{FF2B5EF4-FFF2-40B4-BE49-F238E27FC236}">
+                <a16:creationId xmlns:a16="http://schemas.microsoft.com/office/drawing/2014/main" id="{393E9708-7782-3220-A287-56905746A924}"/>
+              </a:ext>
+            </a:extLst>
+          </p:cNvPr>
+          <p:cNvSpPr/>
+          <p:nvPr/>
+        </p:nvSpPr>
+        <p:spPr>
+          <a:xfrm flipV="1">
+            <a:off x="0" y="1023937"/>
+            <a:ext cx="18493007" cy="0"/>
+          </a:xfrm>
+          <a:prstGeom prst="line">
+            <a:avLst/>
+          </a:prstGeom>
+          <a:ln w="9525" cap="flat">
+            <a:solidFill>
+              <a:srgbClr val="FCFEF1"/>
+            </a:solidFill>
+            <a:prstDash val="solid"/>
+            <a:headEnd type="none" w="sm" len="sm"/>
+            <a:tailEnd type="none" w="sm" len="sm"/>
+          </a:ln>
+        </p:spPr>
+        <p:txBody>
+          <a:bodyPr/>
+          <a:lstStyle/>
+          <a:p>
+            <a:pPr marL="0" marR="0" lvl="0" indent="0" algn="l" defTabSz="914400" rtl="0" eaLnBrk="1" fontAlgn="auto" latinLnBrk="0" hangingPunct="1">
+              <a:lnSpc>
+                <a:spcPct val="100000"/>
+              </a:lnSpc>
+              <a:spcBef>
+                <a:spcPts val="0"/>
+              </a:spcBef>
+              <a:spcAft>
+                <a:spcPts val="0"/>
+              </a:spcAft>
+              <a:buClrTx/>
+              <a:buSzTx/>
+              <a:buFontTx/>
+              <a:buNone/>
+              <a:tabLst/>
+              <a:defRPr/>
+            </a:pPr>
+            <a:endParaRPr kumimoji="0" lang="en-US" sz="1800" b="0" i="0" u="none" strike="noStrike" kern="1200" cap="none" spc="0" normalizeH="0" baseline="0" noProof="0">
+              <a:ln>
+                <a:noFill/>
+              </a:ln>
+              <a:solidFill>
+                <a:prstClr val="black"/>
+              </a:solidFill>
+              <a:effectLst/>
+              <a:uLnTx/>
+              <a:uFillTx/>
+              <a:latin typeface="Calibri"/>
+              <a:ea typeface="+mn-ea"/>
+              <a:cs typeface="+mn-cs"/>
+            </a:endParaRPr>
+          </a:p>
+        </p:txBody>
+      </p:sp>
+      <p:sp>
+        <p:nvSpPr>
+          <p:cNvPr id="8" name="TextBox 7">
+            <a:extLst>
+              <a:ext uri="{FF2B5EF4-FFF2-40B4-BE49-F238E27FC236}">
+                <a16:creationId xmlns:a16="http://schemas.microsoft.com/office/drawing/2014/main" id="{2C2E31FC-B6BC-45D0-1DEE-F20D4BFD0AB7}"/>
+              </a:ext>
+            </a:extLst>
+          </p:cNvPr>
+          <p:cNvSpPr txBox="1"/>
+          <p:nvPr/>
+        </p:nvSpPr>
+        <p:spPr>
+          <a:xfrm>
+            <a:off x="10688539" y="1866900"/>
+            <a:ext cx="7010400" cy="6863417"/>
+          </a:xfrm>
+          <a:prstGeom prst="rect">
+            <a:avLst/>
+          </a:prstGeom>
+          <a:noFill/>
+        </p:spPr>
+        <p:txBody>
+          <a:bodyPr wrap="square" rtlCol="0">
+            <a:spAutoFit/>
+          </a:bodyPr>
+          <a:lstStyle/>
+          <a:p>
+            <a:pPr algn="ctr"/>
+            <a:r>
+              <a:rPr lang="fr-FR" sz="4400" dirty="0">
+                <a:solidFill>
+                  <a:schemeClr val="bg1"/>
+                </a:solidFill>
+                <a:latin typeface="Crimson Pro" panose="020B0604020202020204" charset="0"/>
+              </a:rPr>
+              <a:t>Chez les adultes vivant en Afrique subsaharienne, comment les programmes de gestion du </a:t>
+            </a:r>
+            <a:r>
+              <a:rPr lang="fr-FR" sz="4400" b="1" u="sng" dirty="0">
+                <a:solidFill>
+                  <a:schemeClr val="bg1"/>
+                </a:solidFill>
+                <a:latin typeface="Crimson Pro" panose="020B0604020202020204" charset="0"/>
+              </a:rPr>
+              <a:t>diabète de type 2 </a:t>
+            </a:r>
+            <a:r>
+              <a:rPr lang="fr-FR" sz="4400" dirty="0">
+                <a:solidFill>
+                  <a:schemeClr val="bg1"/>
+                </a:solidFill>
+                <a:latin typeface="Crimson Pro" panose="020B0604020202020204" charset="0"/>
+              </a:rPr>
+              <a:t>basés sur l'alimentation et l'exercice influencent-ils le contrôle de la glycémie et la réduction des complications par rapport aux soins standards ?</a:t>
+            </a:r>
+            <a:endParaRPr lang="en-US" sz="4400" dirty="0">
+              <a:solidFill>
+                <a:schemeClr val="bg1"/>
+              </a:solidFill>
+              <a:latin typeface="Crimson Pro" panose="020B0604020202020204" charset="0"/>
+            </a:endParaRPr>
+          </a:p>
+        </p:txBody>
+      </p:sp>
+      <p:sp>
+        <p:nvSpPr>
+          <p:cNvPr id="2" name="TextBox 11">
+            <a:extLst>
+              <a:ext uri="{FF2B5EF4-FFF2-40B4-BE49-F238E27FC236}">
+                <a16:creationId xmlns:a16="http://schemas.microsoft.com/office/drawing/2014/main" id="{B9A498F9-1B09-54B3-8F16-C3B9A0F3D493}"/>
+              </a:ext>
+            </a:extLst>
+          </p:cNvPr>
+          <p:cNvSpPr txBox="1"/>
+          <p:nvPr/>
+        </p:nvSpPr>
+        <p:spPr>
+          <a:xfrm>
+            <a:off x="3276600" y="226049"/>
+            <a:ext cx="14706600" cy="742383"/>
+          </a:xfrm>
+          <a:prstGeom prst="rect">
+            <a:avLst/>
+          </a:prstGeom>
+        </p:spPr>
+        <p:txBody>
+          <a:bodyPr wrap="square" lIns="0" tIns="0" rIns="0" bIns="0" rtlCol="0" anchor="t">
+            <a:spAutoFit/>
+          </a:bodyPr>
+          <a:lstStyle/>
+          <a:p>
+            <a:pPr marL="0" lvl="0" indent="0" algn="r">
+              <a:lnSpc>
+                <a:spcPts val="1694"/>
+              </a:lnSpc>
+            </a:pPr>
+            <a:r>
+              <a:rPr lang="en-US" sz="1600" spc="-71" dirty="0">
+                <a:solidFill>
+                  <a:srgbClr val="FCFEF1"/>
+                </a:solidFill>
+                <a:latin typeface="Crimson Pro"/>
+                <a:ea typeface="Crimson Pro"/>
+                <a:cs typeface="Crimson Pro"/>
+                <a:sym typeface="Crimson Pro"/>
+              </a:rPr>
+              <a:t>Scoping and Systematic Reviews Workshop</a:t>
+            </a:r>
+          </a:p>
+          <a:p>
+            <a:pPr marL="0" lvl="0" indent="0" algn="r">
+              <a:lnSpc>
+                <a:spcPts val="1694"/>
+              </a:lnSpc>
+            </a:pPr>
+            <a:endParaRPr lang="en-US" sz="4800" spc="-71" dirty="0">
+              <a:solidFill>
+                <a:srgbClr val="FCFEF1"/>
+              </a:solidFill>
+              <a:latin typeface="Crimson Pro"/>
+              <a:ea typeface="Crimson Pro"/>
+              <a:cs typeface="Crimson Pro"/>
+              <a:sym typeface="Crimson Pro"/>
+            </a:endParaRPr>
+          </a:p>
+          <a:p>
+            <a:pPr marL="0" lvl="0" indent="0" algn="r">
+              <a:lnSpc>
+                <a:spcPts val="1694"/>
+              </a:lnSpc>
+            </a:pPr>
+            <a:r>
+              <a:rPr lang="en-US" sz="4800" spc="-71" dirty="0">
+                <a:solidFill>
+                  <a:srgbClr val="FCFEF1"/>
+                </a:solidFill>
+                <a:latin typeface="Crimson Pro"/>
+                <a:ea typeface="Crimson Pro"/>
+                <a:cs typeface="Crimson Pro"/>
+                <a:sym typeface="Crimson Pro"/>
+              </a:rPr>
+              <a:t>DR IDIATOU DIALLO</a:t>
+            </a:r>
+          </a:p>
+        </p:txBody>
+      </p:sp>
+      <p:sp>
+        <p:nvSpPr>
+          <p:cNvPr id="9" name="TextBox 8">
+            <a:extLst>
+              <a:ext uri="{FF2B5EF4-FFF2-40B4-BE49-F238E27FC236}">
+                <a16:creationId xmlns:a16="http://schemas.microsoft.com/office/drawing/2014/main" id="{4C8E84AD-9DC8-10F0-26EE-A474045BCEA1}"/>
+              </a:ext>
+            </a:extLst>
+          </p:cNvPr>
+          <p:cNvSpPr txBox="1"/>
+          <p:nvPr/>
+        </p:nvSpPr>
+        <p:spPr>
+          <a:xfrm>
+            <a:off x="118521" y="7890812"/>
+            <a:ext cx="10744200" cy="1815882"/>
+          </a:xfrm>
+          <a:prstGeom prst="rect">
+            <a:avLst/>
+          </a:prstGeom>
+          <a:noFill/>
+        </p:spPr>
+        <p:txBody>
+          <a:bodyPr wrap="square" rtlCol="0">
+            <a:spAutoFit/>
+          </a:bodyPr>
+          <a:lstStyle/>
+          <a:p>
+            <a:r>
+              <a:rPr lang="en-US" sz="2800" b="1" dirty="0">
+                <a:solidFill>
+                  <a:schemeClr val="bg1"/>
+                </a:solidFill>
+                <a:latin typeface="Crimson Pro" panose="020B0604020202020204" charset="0"/>
+              </a:rPr>
+              <a:t>PUBMED NORMAL</a:t>
+            </a:r>
+            <a:r>
+              <a:rPr lang="en-US" sz="2800" dirty="0">
+                <a:solidFill>
+                  <a:schemeClr val="bg1"/>
+                </a:solidFill>
+                <a:latin typeface="Crimson Pro" panose="020B0604020202020204" charset="0"/>
+              </a:rPr>
+              <a:t>: </a:t>
+            </a:r>
+            <a:r>
+              <a:rPr lang="en-US" sz="2800" dirty="0">
+                <a:solidFill>
+                  <a:srgbClr val="FFFF00"/>
+                </a:solidFill>
+                <a:latin typeface="Crimson Pro" panose="020B0604020202020204" charset="0"/>
+                <a:hlinkClick r:id="rId3">
+                  <a:extLst>
+                    <a:ext uri="{A12FA001-AC4F-418D-AE19-62706E023703}">
+                      <ahyp:hlinkClr xmlns:ahyp="http://schemas.microsoft.com/office/drawing/2018/hyperlinkcolor" val="tx"/>
+                    </a:ext>
+                  </a:extLst>
+                </a:hlinkClick>
+              </a:rPr>
+              <a:t>https://pubmed.ncbi.nlm.nih.gov/</a:t>
+            </a:r>
+            <a:endParaRPr lang="en-US" sz="2800" dirty="0">
+              <a:solidFill>
+                <a:srgbClr val="FFFF00"/>
+              </a:solidFill>
+              <a:latin typeface="Crimson Pro" panose="020B0604020202020204" charset="0"/>
+            </a:endParaRPr>
+          </a:p>
+          <a:p>
+            <a:r>
+              <a:rPr lang="en-US" sz="2800" b="1" dirty="0">
+                <a:solidFill>
+                  <a:schemeClr val="bg1"/>
+                </a:solidFill>
+                <a:latin typeface="Crimson Pro" panose="020B0604020202020204" charset="0"/>
+              </a:rPr>
+              <a:t>PUBMMED ADVANCED</a:t>
+            </a:r>
+            <a:r>
+              <a:rPr lang="en-US" sz="2800" dirty="0">
+                <a:solidFill>
+                  <a:srgbClr val="FFFF00"/>
+                </a:solidFill>
+                <a:latin typeface="Crimson Pro" panose="020B0604020202020204" charset="0"/>
+              </a:rPr>
+              <a:t>: </a:t>
+            </a:r>
+            <a:r>
+              <a:rPr lang="en-US" sz="2800" dirty="0">
+                <a:solidFill>
+                  <a:srgbClr val="FFFF00"/>
+                </a:solidFill>
+                <a:latin typeface="Crimson Pro" panose="020B0604020202020204" charset="0"/>
+                <a:hlinkClick r:id="rId4">
+                  <a:extLst>
+                    <a:ext uri="{A12FA001-AC4F-418D-AE19-62706E023703}">
+                      <ahyp:hlinkClr xmlns:ahyp="http://schemas.microsoft.com/office/drawing/2018/hyperlinkcolor" val="tx"/>
+                    </a:ext>
+                  </a:extLst>
+                </a:hlinkClick>
+              </a:rPr>
+              <a:t>https://pubmed.ncbi.nlm.nih.gov/advanced/</a:t>
+            </a:r>
+            <a:r>
+              <a:rPr lang="en-US" sz="2800" dirty="0">
+                <a:solidFill>
+                  <a:srgbClr val="FFFF00"/>
+                </a:solidFill>
+                <a:latin typeface="Crimson Pro" panose="020B0604020202020204" charset="0"/>
+              </a:rPr>
+              <a:t>   </a:t>
+            </a:r>
+          </a:p>
+          <a:p>
+            <a:r>
+              <a:rPr lang="en-US" sz="2800" b="1" dirty="0">
+                <a:solidFill>
+                  <a:schemeClr val="bg1"/>
+                </a:solidFill>
+                <a:latin typeface="Crimson Pro" panose="020B0604020202020204" charset="0"/>
+              </a:rPr>
+              <a:t>PUBMED MESH</a:t>
+            </a:r>
+            <a:r>
+              <a:rPr lang="en-US" sz="2800" dirty="0">
+                <a:solidFill>
+                  <a:srgbClr val="FFFF00"/>
+                </a:solidFill>
+                <a:latin typeface="Crimson Pro" panose="020B0604020202020204" charset="0"/>
+              </a:rPr>
+              <a:t>: </a:t>
+            </a:r>
+            <a:r>
+              <a:rPr lang="en-US" sz="2800" dirty="0">
+                <a:solidFill>
+                  <a:srgbClr val="FFFF00"/>
+                </a:solidFill>
+                <a:latin typeface="Crimson Pro" panose="020B0604020202020204" charset="0"/>
+                <a:hlinkClick r:id="rId5">
+                  <a:extLst>
+                    <a:ext uri="{A12FA001-AC4F-418D-AE19-62706E023703}">
+                      <ahyp:hlinkClr xmlns:ahyp="http://schemas.microsoft.com/office/drawing/2018/hyperlinkcolor" val="tx"/>
+                    </a:ext>
+                  </a:extLst>
+                </a:hlinkClick>
+              </a:rPr>
+              <a:t>https://www.ncbi.nlm.nih.gov/mesh</a:t>
+            </a:r>
+            <a:r>
+              <a:rPr lang="en-US" sz="2800" dirty="0">
+                <a:solidFill>
+                  <a:srgbClr val="FFFF00"/>
+                </a:solidFill>
+                <a:latin typeface="Crimson Pro" panose="020B0604020202020204" charset="0"/>
+              </a:rPr>
+              <a:t> </a:t>
+            </a:r>
+          </a:p>
+          <a:p>
+            <a:endParaRPr lang="en-US" sz="2800" dirty="0">
+              <a:solidFill>
+                <a:schemeClr val="bg1"/>
+              </a:solidFill>
+              <a:latin typeface="Crimson Pro" panose="020B0604020202020204" charset="0"/>
+            </a:endParaRPr>
+          </a:p>
+        </p:txBody>
+      </p:sp>
+    </p:spTree>
+    <p:extLst>
+      <p:ext uri="{BB962C8B-B14F-4D97-AF65-F5344CB8AC3E}">
+        <p14:creationId xmlns:p14="http://schemas.microsoft.com/office/powerpoint/2010/main" val="226311508"/>
+      </p:ext>
+    </p:extLst>
+  </p:cSld>
+  <p:clrMapOvr>
+    <a:masterClrMapping/>
+  </p:clrMapOvr>
+</p:sld>
+</file>
+
+<file path=ppt/slides/slide41.xml><?xml version="1.0" encoding="utf-8"?>
+<p:sld xmlns:a="http://schemas.openxmlformats.org/drawingml/2006/main" xmlns:r="http://schemas.openxmlformats.org/officeDocument/2006/relationships" xmlns:p="http://schemas.openxmlformats.org/presentationml/2006/main">
+  <p:cSld>
+    <p:bg>
+      <p:bgPr>
+        <a:solidFill>
+          <a:srgbClr val="013927"/>
+        </a:solidFill>
+        <a:effectLst/>
+      </p:bgPr>
+    </p:bg>
+    <p:spTree>
+      <p:nvGrpSpPr>
         <p:cNvPr id="1" name=""/>
         <p:cNvGrpSpPr/>
         <p:nvPr/>
@@ -46052,7 +47220,7 @@
 </p:sld>
 </file>
 
-<file path=ppt/slides/slide41.xml><?xml version="1.0" encoding="utf-8"?>
+<file path=ppt/slides/slide42.xml><?xml version="1.0" encoding="utf-8"?>
 <p:sld xmlns:a="http://schemas.openxmlformats.org/drawingml/2006/main" xmlns:r="http://schemas.openxmlformats.org/officeDocument/2006/relationships" xmlns:p="http://schemas.openxmlformats.org/presentationml/2006/main">
   <p:cSld>
     <p:bg>
